--- a/03-Hadoop-Temel-Bilesenler/05-map_reduce_teori.pptx
+++ b/03-Hadoop-Temel-Bilesenler/05-map_reduce_teori.pptx
@@ -5,7 +5,7 @@
     <p:sldMasterId id="2147483648" r:id="rId1"/>
   </p:sldMasterIdLst>
   <p:notesMasterIdLst>
-    <p:notesMasterId r:id="rId11"/>
+    <p:notesMasterId r:id="rId12"/>
   </p:notesMasterIdLst>
   <p:sldIdLst>
     <p:sldId id="257" r:id="rId2"/>
@@ -17,6 +17,7 @@
     <p:sldId id="262" r:id="rId8"/>
     <p:sldId id="266" r:id="rId9"/>
     <p:sldId id="264" r:id="rId10"/>
+    <p:sldId id="268" r:id="rId11"/>
   </p:sldIdLst>
   <p:sldSz cx="12192000" cy="6858000"/>
   <p:notesSz cx="6858000" cy="9144000"/>
@@ -429,6 +430,636 @@
     </pc:docChg>
   </pc:docChgLst>
   <pc:docChgLst>
+    <pc:chgData name="Erkan ŞİRİN" userId="7f10ce1d6aaf8c5d" providerId="LiveId" clId="{71BE6C37-2B26-4D08-BBBF-96D8C682D5C4}"/>
+    <pc:docChg chg="custSel addSld modSld sldOrd">
+      <pc:chgData name="Erkan ŞİRİN" userId="7f10ce1d6aaf8c5d" providerId="LiveId" clId="{71BE6C37-2B26-4D08-BBBF-96D8C682D5C4}" dt="2019-07-20T04:57:22.102" v="620" actId="13822"/>
+      <pc:docMkLst>
+        <pc:docMk/>
+      </pc:docMkLst>
+      <pc:sldChg chg="modSp modAnim">
+        <pc:chgData name="Erkan ŞİRİN" userId="7f10ce1d6aaf8c5d" providerId="LiveId" clId="{71BE6C37-2B26-4D08-BBBF-96D8C682D5C4}" dt="2019-07-20T04:17:38.538" v="108"/>
+        <pc:sldMkLst>
+          <pc:docMk/>
+          <pc:sldMk cId="2116207015" sldId="259"/>
+        </pc:sldMkLst>
+        <pc:spChg chg="mod">
+          <ac:chgData name="Erkan ŞİRİN" userId="7f10ce1d6aaf8c5d" providerId="LiveId" clId="{71BE6C37-2B26-4D08-BBBF-96D8C682D5C4}" dt="2019-07-20T04:17:10.096" v="104" actId="20577"/>
+          <ac:spMkLst>
+            <pc:docMk/>
+            <pc:sldMk cId="2116207015" sldId="259"/>
+            <ac:spMk id="3" creationId="{00000000-0000-0000-0000-000000000000}"/>
+          </ac:spMkLst>
+        </pc:spChg>
+        <pc:spChg chg="mod">
+          <ac:chgData name="Erkan ŞİRİN" userId="7f10ce1d6aaf8c5d" providerId="LiveId" clId="{71BE6C37-2B26-4D08-BBBF-96D8C682D5C4}" dt="2019-07-20T04:15:52.578" v="88" actId="1076"/>
+          <ac:spMkLst>
+            <pc:docMk/>
+            <pc:sldMk cId="2116207015" sldId="259"/>
+            <ac:spMk id="16" creationId="{00000000-0000-0000-0000-000000000000}"/>
+          </ac:spMkLst>
+        </pc:spChg>
+      </pc:sldChg>
+      <pc:sldChg chg="modSp modAnim">
+        <pc:chgData name="Erkan ŞİRİN" userId="7f10ce1d6aaf8c5d" providerId="LiveId" clId="{71BE6C37-2B26-4D08-BBBF-96D8C682D5C4}" dt="2019-07-20T04:18:36.824" v="114"/>
+        <pc:sldMkLst>
+          <pc:docMk/>
+          <pc:sldMk cId="413775137" sldId="265"/>
+        </pc:sldMkLst>
+        <pc:spChg chg="mod">
+          <ac:chgData name="Erkan ŞİRİN" userId="7f10ce1d6aaf8c5d" providerId="LiveId" clId="{71BE6C37-2B26-4D08-BBBF-96D8C682D5C4}" dt="2019-07-20T04:17:54.973" v="109" actId="20577"/>
+          <ac:spMkLst>
+            <pc:docMk/>
+            <pc:sldMk cId="413775137" sldId="265"/>
+            <ac:spMk id="3" creationId="{00000000-0000-0000-0000-000000000000}"/>
+          </ac:spMkLst>
+        </pc:spChg>
+      </pc:sldChg>
+      <pc:sldChg chg="addSp delSp modSp add ord delAnim modAnim">
+        <pc:chgData name="Erkan ŞİRİN" userId="7f10ce1d6aaf8c5d" providerId="LiveId" clId="{71BE6C37-2B26-4D08-BBBF-96D8C682D5C4}" dt="2019-07-20T04:57:22.102" v="620" actId="13822"/>
+        <pc:sldMkLst>
+          <pc:docMk/>
+          <pc:sldMk cId="1043619087" sldId="268"/>
+        </pc:sldMkLst>
+        <pc:spChg chg="add del mod">
+          <ac:chgData name="Erkan ŞİRİN" userId="7f10ce1d6aaf8c5d" providerId="LiveId" clId="{71BE6C37-2B26-4D08-BBBF-96D8C682D5C4}" dt="2019-07-20T04:24:45.086" v="145" actId="478"/>
+          <ac:spMkLst>
+            <pc:docMk/>
+            <pc:sldMk cId="1043619087" sldId="268"/>
+            <ac:spMk id="2" creationId="{1C479522-D517-4C19-BFA9-E196229FEB7C}"/>
+          </ac:spMkLst>
+        </pc:spChg>
+        <pc:spChg chg="del">
+          <ac:chgData name="Erkan ŞİRİN" userId="7f10ce1d6aaf8c5d" providerId="LiveId" clId="{71BE6C37-2B26-4D08-BBBF-96D8C682D5C4}" dt="2019-07-20T04:23:46.588" v="117" actId="478"/>
+          <ac:spMkLst>
+            <pc:docMk/>
+            <pc:sldMk cId="1043619087" sldId="268"/>
+            <ac:spMk id="18" creationId="{340A3CC5-1582-442D-B126-63E0350F4FA2}"/>
+          </ac:spMkLst>
+        </pc:spChg>
+        <pc:spChg chg="del">
+          <ac:chgData name="Erkan ŞİRİN" userId="7f10ce1d6aaf8c5d" providerId="LiveId" clId="{71BE6C37-2B26-4D08-BBBF-96D8C682D5C4}" dt="2019-07-20T04:23:46.588" v="117" actId="478"/>
+          <ac:spMkLst>
+            <pc:docMk/>
+            <pc:sldMk cId="1043619087" sldId="268"/>
+            <ac:spMk id="20" creationId="{F2082B7F-F9AD-4893-A7A2-2DD572349ADE}"/>
+          </ac:spMkLst>
+        </pc:spChg>
+        <pc:spChg chg="del">
+          <ac:chgData name="Erkan ŞİRİN" userId="7f10ce1d6aaf8c5d" providerId="LiveId" clId="{71BE6C37-2B26-4D08-BBBF-96D8C682D5C4}" dt="2019-07-20T04:23:46.588" v="117" actId="478"/>
+          <ac:spMkLst>
+            <pc:docMk/>
+            <pc:sldMk cId="1043619087" sldId="268"/>
+            <ac:spMk id="21" creationId="{24CB0C8F-CF0E-4934-8C06-FCAA42AC77EB}"/>
+          </ac:spMkLst>
+        </pc:spChg>
+        <pc:spChg chg="del">
+          <ac:chgData name="Erkan ŞİRİN" userId="7f10ce1d6aaf8c5d" providerId="LiveId" clId="{71BE6C37-2B26-4D08-BBBF-96D8C682D5C4}" dt="2019-07-20T04:23:46.588" v="117" actId="478"/>
+          <ac:spMkLst>
+            <pc:docMk/>
+            <pc:sldMk cId="1043619087" sldId="268"/>
+            <ac:spMk id="23" creationId="{4F0BE6ED-24AC-453E-9657-C62B9498EEC1}"/>
+          </ac:spMkLst>
+        </pc:spChg>
+        <pc:spChg chg="del">
+          <ac:chgData name="Erkan ŞİRİN" userId="7f10ce1d6aaf8c5d" providerId="LiveId" clId="{71BE6C37-2B26-4D08-BBBF-96D8C682D5C4}" dt="2019-07-20T04:23:46.588" v="117" actId="478"/>
+          <ac:spMkLst>
+            <pc:docMk/>
+            <pc:sldMk cId="1043619087" sldId="268"/>
+            <ac:spMk id="24" creationId="{6FE68652-73E6-41F1-BC1F-20F88A5EB59F}"/>
+          </ac:spMkLst>
+        </pc:spChg>
+        <pc:spChg chg="del">
+          <ac:chgData name="Erkan ŞİRİN" userId="7f10ce1d6aaf8c5d" providerId="LiveId" clId="{71BE6C37-2B26-4D08-BBBF-96D8C682D5C4}" dt="2019-07-20T04:23:46.588" v="117" actId="478"/>
+          <ac:spMkLst>
+            <pc:docMk/>
+            <pc:sldMk cId="1043619087" sldId="268"/>
+            <ac:spMk id="25" creationId="{058FA32E-47C0-4505-8D68-B230994A6101}"/>
+          </ac:spMkLst>
+        </pc:spChg>
+        <pc:spChg chg="del">
+          <ac:chgData name="Erkan ŞİRİN" userId="7f10ce1d6aaf8c5d" providerId="LiveId" clId="{71BE6C37-2B26-4D08-BBBF-96D8C682D5C4}" dt="2019-07-20T04:23:46.588" v="117" actId="478"/>
+          <ac:spMkLst>
+            <pc:docMk/>
+            <pc:sldMk cId="1043619087" sldId="268"/>
+            <ac:spMk id="28" creationId="{E8C5C7CF-309B-4E28-B8D3-78D39B5E7F73}"/>
+          </ac:spMkLst>
+        </pc:spChg>
+        <pc:spChg chg="del">
+          <ac:chgData name="Erkan ŞİRİN" userId="7f10ce1d6aaf8c5d" providerId="LiveId" clId="{71BE6C37-2B26-4D08-BBBF-96D8C682D5C4}" dt="2019-07-20T04:23:46.588" v="117" actId="478"/>
+          <ac:spMkLst>
+            <pc:docMk/>
+            <pc:sldMk cId="1043619087" sldId="268"/>
+            <ac:spMk id="29" creationId="{D61800C2-3405-49D7-B5F8-6A0C0584DB99}"/>
+          </ac:spMkLst>
+        </pc:spChg>
+        <pc:spChg chg="del">
+          <ac:chgData name="Erkan ŞİRİN" userId="7f10ce1d6aaf8c5d" providerId="LiveId" clId="{71BE6C37-2B26-4D08-BBBF-96D8C682D5C4}" dt="2019-07-20T04:23:46.588" v="117" actId="478"/>
+          <ac:spMkLst>
+            <pc:docMk/>
+            <pc:sldMk cId="1043619087" sldId="268"/>
+            <ac:spMk id="31" creationId="{72A4AF04-5B03-41E1-AF05-EBFC8F72D3C5}"/>
+          </ac:spMkLst>
+        </pc:spChg>
+        <pc:spChg chg="del">
+          <ac:chgData name="Erkan ŞİRİN" userId="7f10ce1d6aaf8c5d" providerId="LiveId" clId="{71BE6C37-2B26-4D08-BBBF-96D8C682D5C4}" dt="2019-07-20T04:23:46.588" v="117" actId="478"/>
+          <ac:spMkLst>
+            <pc:docMk/>
+            <pc:sldMk cId="1043619087" sldId="268"/>
+            <ac:spMk id="32" creationId="{78132E68-4D3E-4F2F-BF8E-4A4384777CD3}"/>
+          </ac:spMkLst>
+        </pc:spChg>
+        <pc:spChg chg="del">
+          <ac:chgData name="Erkan ŞİRİN" userId="7f10ce1d6aaf8c5d" providerId="LiveId" clId="{71BE6C37-2B26-4D08-BBBF-96D8C682D5C4}" dt="2019-07-20T04:23:46.588" v="117" actId="478"/>
+          <ac:spMkLst>
+            <pc:docMk/>
+            <pc:sldMk cId="1043619087" sldId="268"/>
+            <ac:spMk id="33" creationId="{E32AAACC-BB11-4DC6-BBC5-46537AE0D6DA}"/>
+          </ac:spMkLst>
+        </pc:spChg>
+        <pc:spChg chg="del">
+          <ac:chgData name="Erkan ŞİRİN" userId="7f10ce1d6aaf8c5d" providerId="LiveId" clId="{71BE6C37-2B26-4D08-BBBF-96D8C682D5C4}" dt="2019-07-20T04:23:46.588" v="117" actId="478"/>
+          <ac:spMkLst>
+            <pc:docMk/>
+            <pc:sldMk cId="1043619087" sldId="268"/>
+            <ac:spMk id="34" creationId="{A4F69133-BFC6-4C75-9D66-E57DBBBAE309}"/>
+          </ac:spMkLst>
+        </pc:spChg>
+        <pc:spChg chg="del">
+          <ac:chgData name="Erkan ŞİRİN" userId="7f10ce1d6aaf8c5d" providerId="LiveId" clId="{71BE6C37-2B26-4D08-BBBF-96D8C682D5C4}" dt="2019-07-20T04:23:46.588" v="117" actId="478"/>
+          <ac:spMkLst>
+            <pc:docMk/>
+            <pc:sldMk cId="1043619087" sldId="268"/>
+            <ac:spMk id="35" creationId="{18049254-EBDE-47E0-ACAA-146B0626E65A}"/>
+          </ac:spMkLst>
+        </pc:spChg>
+        <pc:spChg chg="del">
+          <ac:chgData name="Erkan ŞİRİN" userId="7f10ce1d6aaf8c5d" providerId="LiveId" clId="{71BE6C37-2B26-4D08-BBBF-96D8C682D5C4}" dt="2019-07-20T04:23:46.588" v="117" actId="478"/>
+          <ac:spMkLst>
+            <pc:docMk/>
+            <pc:sldMk cId="1043619087" sldId="268"/>
+            <ac:spMk id="36" creationId="{A7369E94-618D-413B-BC44-6098D4CF92B8}"/>
+          </ac:spMkLst>
+        </pc:spChg>
+        <pc:spChg chg="del">
+          <ac:chgData name="Erkan ŞİRİN" userId="7f10ce1d6aaf8c5d" providerId="LiveId" clId="{71BE6C37-2B26-4D08-BBBF-96D8C682D5C4}" dt="2019-07-20T04:23:46.588" v="117" actId="478"/>
+          <ac:spMkLst>
+            <pc:docMk/>
+            <pc:sldMk cId="1043619087" sldId="268"/>
+            <ac:spMk id="37" creationId="{CCEDD0CE-9519-4AB6-B893-28F4FE4ABFCB}"/>
+          </ac:spMkLst>
+        </pc:spChg>
+        <pc:spChg chg="del">
+          <ac:chgData name="Erkan ŞİRİN" userId="7f10ce1d6aaf8c5d" providerId="LiveId" clId="{71BE6C37-2B26-4D08-BBBF-96D8C682D5C4}" dt="2019-07-20T04:23:46.588" v="117" actId="478"/>
+          <ac:spMkLst>
+            <pc:docMk/>
+            <pc:sldMk cId="1043619087" sldId="268"/>
+            <ac:spMk id="39" creationId="{89A08CE6-22DE-42F0-811A-654350D95813}"/>
+          </ac:spMkLst>
+        </pc:spChg>
+        <pc:spChg chg="del">
+          <ac:chgData name="Erkan ŞİRİN" userId="7f10ce1d6aaf8c5d" providerId="LiveId" clId="{71BE6C37-2B26-4D08-BBBF-96D8C682D5C4}" dt="2019-07-20T04:23:46.588" v="117" actId="478"/>
+          <ac:spMkLst>
+            <pc:docMk/>
+            <pc:sldMk cId="1043619087" sldId="268"/>
+            <ac:spMk id="40" creationId="{661E564C-E22D-4FCB-8EC1-6F9B8FCBA0B3}"/>
+          </ac:spMkLst>
+        </pc:spChg>
+        <pc:spChg chg="del">
+          <ac:chgData name="Erkan ŞİRİN" userId="7f10ce1d6aaf8c5d" providerId="LiveId" clId="{71BE6C37-2B26-4D08-BBBF-96D8C682D5C4}" dt="2019-07-20T04:23:46.588" v="117" actId="478"/>
+          <ac:spMkLst>
+            <pc:docMk/>
+            <pc:sldMk cId="1043619087" sldId="268"/>
+            <ac:spMk id="41" creationId="{64E0872D-0E44-40D0-976B-2AA6EEE7CF4D}"/>
+          </ac:spMkLst>
+        </pc:spChg>
+        <pc:spChg chg="del">
+          <ac:chgData name="Erkan ŞİRİN" userId="7f10ce1d6aaf8c5d" providerId="LiveId" clId="{71BE6C37-2B26-4D08-BBBF-96D8C682D5C4}" dt="2019-07-20T04:23:46.588" v="117" actId="478"/>
+          <ac:spMkLst>
+            <pc:docMk/>
+            <pc:sldMk cId="1043619087" sldId="268"/>
+            <ac:spMk id="42" creationId="{6C9E524D-6B91-428B-9540-BA21DAF91FB7}"/>
+          </ac:spMkLst>
+        </pc:spChg>
+        <pc:spChg chg="del">
+          <ac:chgData name="Erkan ŞİRİN" userId="7f10ce1d6aaf8c5d" providerId="LiveId" clId="{71BE6C37-2B26-4D08-BBBF-96D8C682D5C4}" dt="2019-07-20T04:23:46.588" v="117" actId="478"/>
+          <ac:spMkLst>
+            <pc:docMk/>
+            <pc:sldMk cId="1043619087" sldId="268"/>
+            <ac:spMk id="43" creationId="{F93C6761-1ED7-4C83-A3C2-FEDC37A206A2}"/>
+          </ac:spMkLst>
+        </pc:spChg>
+        <pc:spChg chg="del">
+          <ac:chgData name="Erkan ŞİRİN" userId="7f10ce1d6aaf8c5d" providerId="LiveId" clId="{71BE6C37-2B26-4D08-BBBF-96D8C682D5C4}" dt="2019-07-20T04:23:46.588" v="117" actId="478"/>
+          <ac:spMkLst>
+            <pc:docMk/>
+            <pc:sldMk cId="1043619087" sldId="268"/>
+            <ac:spMk id="44" creationId="{7CE7371A-6BCF-489A-A328-F748186609F0}"/>
+          </ac:spMkLst>
+        </pc:spChg>
+        <pc:spChg chg="del">
+          <ac:chgData name="Erkan ŞİRİN" userId="7f10ce1d6aaf8c5d" providerId="LiveId" clId="{71BE6C37-2B26-4D08-BBBF-96D8C682D5C4}" dt="2019-07-20T04:23:46.588" v="117" actId="478"/>
+          <ac:spMkLst>
+            <pc:docMk/>
+            <pc:sldMk cId="1043619087" sldId="268"/>
+            <ac:spMk id="45" creationId="{9BDAC7E7-261F-4270-8FD4-DB29E0E150A3}"/>
+          </ac:spMkLst>
+        </pc:spChg>
+        <pc:spChg chg="add mod">
+          <ac:chgData name="Erkan ŞİRİN" userId="7f10ce1d6aaf8c5d" providerId="LiveId" clId="{71BE6C37-2B26-4D08-BBBF-96D8C682D5C4}" dt="2019-07-20T04:30:05.461" v="252" actId="14100"/>
+          <ac:spMkLst>
+            <pc:docMk/>
+            <pc:sldMk cId="1043619087" sldId="268"/>
+            <ac:spMk id="47" creationId="{4F784242-0C27-4126-B826-78A83FAFFAF8}"/>
+          </ac:spMkLst>
+        </pc:spChg>
+        <pc:spChg chg="del">
+          <ac:chgData name="Erkan ŞİRİN" userId="7f10ce1d6aaf8c5d" providerId="LiveId" clId="{71BE6C37-2B26-4D08-BBBF-96D8C682D5C4}" dt="2019-07-20T04:23:46.588" v="117" actId="478"/>
+          <ac:spMkLst>
+            <pc:docMk/>
+            <pc:sldMk cId="1043619087" sldId="268"/>
+            <ac:spMk id="48" creationId="{CD081D93-D954-49BA-B720-ED8AB446E8F5}"/>
+          </ac:spMkLst>
+        </pc:spChg>
+        <pc:spChg chg="add mod">
+          <ac:chgData name="Erkan ŞİRİN" userId="7f10ce1d6aaf8c5d" providerId="LiveId" clId="{71BE6C37-2B26-4D08-BBBF-96D8C682D5C4}" dt="2019-07-20T04:39:39.961" v="426" actId="1076"/>
+          <ac:spMkLst>
+            <pc:docMk/>
+            <pc:sldMk cId="1043619087" sldId="268"/>
+            <ac:spMk id="49" creationId="{9F8D209E-4764-4F25-B565-564CFC2F577D}"/>
+          </ac:spMkLst>
+        </pc:spChg>
+        <pc:spChg chg="add mod">
+          <ac:chgData name="Erkan ŞİRİN" userId="7f10ce1d6aaf8c5d" providerId="LiveId" clId="{71BE6C37-2B26-4D08-BBBF-96D8C682D5C4}" dt="2019-07-20T04:39:34.529" v="425" actId="1076"/>
+          <ac:spMkLst>
+            <pc:docMk/>
+            <pc:sldMk cId="1043619087" sldId="268"/>
+            <ac:spMk id="50" creationId="{012FBECA-2C86-418E-8C87-2EB32104424A}"/>
+          </ac:spMkLst>
+        </pc:spChg>
+        <pc:spChg chg="add del mod">
+          <ac:chgData name="Erkan ŞİRİN" userId="7f10ce1d6aaf8c5d" providerId="LiveId" clId="{71BE6C37-2B26-4D08-BBBF-96D8C682D5C4}" dt="2019-07-20T04:32:07.609" v="264" actId="478"/>
+          <ac:spMkLst>
+            <pc:docMk/>
+            <pc:sldMk cId="1043619087" sldId="268"/>
+            <ac:spMk id="51" creationId="{96DB010B-16CE-4C20-9096-81C758DD6810}"/>
+          </ac:spMkLst>
+        </pc:spChg>
+        <pc:spChg chg="add del mod">
+          <ac:chgData name="Erkan ŞİRİN" userId="7f10ce1d6aaf8c5d" providerId="LiveId" clId="{71BE6C37-2B26-4D08-BBBF-96D8C682D5C4}" dt="2019-07-20T04:32:07.609" v="264" actId="478"/>
+          <ac:spMkLst>
+            <pc:docMk/>
+            <pc:sldMk cId="1043619087" sldId="268"/>
+            <ac:spMk id="52" creationId="{64626007-7AAD-4FEC-9C6D-C2B4019CC5F3}"/>
+          </ac:spMkLst>
+        </pc:spChg>
+        <pc:spChg chg="add del mod">
+          <ac:chgData name="Erkan ŞİRİN" userId="7f10ce1d6aaf8c5d" providerId="LiveId" clId="{71BE6C37-2B26-4D08-BBBF-96D8C682D5C4}" dt="2019-07-20T04:32:07.609" v="264" actId="478"/>
+          <ac:spMkLst>
+            <pc:docMk/>
+            <pc:sldMk cId="1043619087" sldId="268"/>
+            <ac:spMk id="53" creationId="{04681890-E5C1-4BA6-9800-3C48D89ECC5D}"/>
+          </ac:spMkLst>
+        </pc:spChg>
+        <pc:spChg chg="add mod">
+          <ac:chgData name="Erkan ŞİRİN" userId="7f10ce1d6aaf8c5d" providerId="LiveId" clId="{71BE6C37-2B26-4D08-BBBF-96D8C682D5C4}" dt="2019-07-20T04:39:30.891" v="424" actId="1076"/>
+          <ac:spMkLst>
+            <pc:docMk/>
+            <pc:sldMk cId="1043619087" sldId="268"/>
+            <ac:spMk id="54" creationId="{A67C6CDF-2FE2-4C7D-9803-09C9536E340C}"/>
+          </ac:spMkLst>
+        </pc:spChg>
+        <pc:spChg chg="add mod">
+          <ac:chgData name="Erkan ŞİRİN" userId="7f10ce1d6aaf8c5d" providerId="LiveId" clId="{71BE6C37-2B26-4D08-BBBF-96D8C682D5C4}" dt="2019-07-20T04:39:59.033" v="427" actId="1076"/>
+          <ac:spMkLst>
+            <pc:docMk/>
+            <pc:sldMk cId="1043619087" sldId="268"/>
+            <ac:spMk id="55" creationId="{25DAF4DB-CD88-4C1F-BF15-90F121AC8834}"/>
+          </ac:spMkLst>
+        </pc:spChg>
+        <pc:spChg chg="add mod">
+          <ac:chgData name="Erkan ŞİRİN" userId="7f10ce1d6aaf8c5d" providerId="LiveId" clId="{71BE6C37-2B26-4D08-BBBF-96D8C682D5C4}" dt="2019-07-20T04:39:21.479" v="422" actId="1076"/>
+          <ac:spMkLst>
+            <pc:docMk/>
+            <pc:sldMk cId="1043619087" sldId="268"/>
+            <ac:spMk id="56" creationId="{8C7A3A2E-E9E9-4D7E-806B-650007FBFEF6}"/>
+          </ac:spMkLst>
+        </pc:spChg>
+        <pc:spChg chg="add mod">
+          <ac:chgData name="Erkan ŞİRİN" userId="7f10ce1d6aaf8c5d" providerId="LiveId" clId="{71BE6C37-2B26-4D08-BBBF-96D8C682D5C4}" dt="2019-07-20T04:34:11.286" v="295" actId="20577"/>
+          <ac:spMkLst>
+            <pc:docMk/>
+            <pc:sldMk cId="1043619087" sldId="268"/>
+            <ac:spMk id="63" creationId="{B8D24E76-CE80-401B-B214-8A1D128F2D2E}"/>
+          </ac:spMkLst>
+        </pc:spChg>
+        <pc:spChg chg="add mod">
+          <ac:chgData name="Erkan ŞİRİN" userId="7f10ce1d6aaf8c5d" providerId="LiveId" clId="{71BE6C37-2B26-4D08-BBBF-96D8C682D5C4}" dt="2019-07-20T04:49:15.285" v="548" actId="1076"/>
+          <ac:spMkLst>
+            <pc:docMk/>
+            <pc:sldMk cId="1043619087" sldId="268"/>
+            <ac:spMk id="64" creationId="{700A4804-C89B-49A7-BC4A-C5852DEA5A97}"/>
+          </ac:spMkLst>
+        </pc:spChg>
+        <pc:spChg chg="add mod">
+          <ac:chgData name="Erkan ŞİRİN" userId="7f10ce1d6aaf8c5d" providerId="LiveId" clId="{71BE6C37-2B26-4D08-BBBF-96D8C682D5C4}" dt="2019-07-20T04:49:12.317" v="547" actId="1076"/>
+          <ac:spMkLst>
+            <pc:docMk/>
+            <pc:sldMk cId="1043619087" sldId="268"/>
+            <ac:spMk id="65" creationId="{FCD785B9-A74E-49B3-855F-B97D408200AB}"/>
+          </ac:spMkLst>
+        </pc:spChg>
+        <pc:spChg chg="add mod">
+          <ac:chgData name="Erkan ŞİRİN" userId="7f10ce1d6aaf8c5d" providerId="LiveId" clId="{71BE6C37-2B26-4D08-BBBF-96D8C682D5C4}" dt="2019-07-20T04:49:18.401" v="549" actId="1076"/>
+          <ac:spMkLst>
+            <pc:docMk/>
+            <pc:sldMk cId="1043619087" sldId="268"/>
+            <ac:spMk id="66" creationId="{41444FFC-FD56-41BC-8E9A-C3C501E80BAA}"/>
+          </ac:spMkLst>
+        </pc:spChg>
+        <pc:spChg chg="add mod">
+          <ac:chgData name="Erkan ŞİRİN" userId="7f10ce1d6aaf8c5d" providerId="LiveId" clId="{71BE6C37-2B26-4D08-BBBF-96D8C682D5C4}" dt="2019-07-20T04:49:25.147" v="550" actId="1076"/>
+          <ac:spMkLst>
+            <pc:docMk/>
+            <pc:sldMk cId="1043619087" sldId="268"/>
+            <ac:spMk id="67" creationId="{B21CF81C-138B-4C66-AE08-63494932E3BE}"/>
+          </ac:spMkLst>
+        </pc:spChg>
+        <pc:spChg chg="add mod">
+          <ac:chgData name="Erkan ŞİRİN" userId="7f10ce1d6aaf8c5d" providerId="LiveId" clId="{71BE6C37-2B26-4D08-BBBF-96D8C682D5C4}" dt="2019-07-20T04:48:34.641" v="543" actId="14100"/>
+          <ac:spMkLst>
+            <pc:docMk/>
+            <pc:sldMk cId="1043619087" sldId="268"/>
+            <ac:spMk id="68" creationId="{2E2C7163-CD6F-44BA-85D8-D41C04BA2B27}"/>
+          </ac:spMkLst>
+        </pc:spChg>
+        <pc:spChg chg="add mod">
+          <ac:chgData name="Erkan ŞİRİN" userId="7f10ce1d6aaf8c5d" providerId="LiveId" clId="{71BE6C37-2B26-4D08-BBBF-96D8C682D5C4}" dt="2019-07-20T04:48:34.641" v="543" actId="14100"/>
+          <ac:spMkLst>
+            <pc:docMk/>
+            <pc:sldMk cId="1043619087" sldId="268"/>
+            <ac:spMk id="69" creationId="{A752CFD7-095A-4A94-8392-FBC47F26A54C}"/>
+          </ac:spMkLst>
+        </pc:spChg>
+        <pc:spChg chg="add mod">
+          <ac:chgData name="Erkan ŞİRİN" userId="7f10ce1d6aaf8c5d" providerId="LiveId" clId="{71BE6C37-2B26-4D08-BBBF-96D8C682D5C4}" dt="2019-07-20T04:48:34.641" v="543" actId="14100"/>
+          <ac:spMkLst>
+            <pc:docMk/>
+            <pc:sldMk cId="1043619087" sldId="268"/>
+            <ac:spMk id="70" creationId="{24C1350E-CE7E-4FF1-A004-75217644EECB}"/>
+          </ac:spMkLst>
+        </pc:spChg>
+        <pc:spChg chg="add mod">
+          <ac:chgData name="Erkan ŞİRİN" userId="7f10ce1d6aaf8c5d" providerId="LiveId" clId="{71BE6C37-2B26-4D08-BBBF-96D8C682D5C4}" dt="2019-07-20T04:48:34.641" v="543" actId="14100"/>
+          <ac:spMkLst>
+            <pc:docMk/>
+            <pc:sldMk cId="1043619087" sldId="268"/>
+            <ac:spMk id="71" creationId="{2CB0062A-5A52-40CD-99D5-3D229C9F0F99}"/>
+          </ac:spMkLst>
+        </pc:spChg>
+        <pc:spChg chg="add mod">
+          <ac:chgData name="Erkan ŞİRİN" userId="7f10ce1d6aaf8c5d" providerId="LiveId" clId="{71BE6C37-2B26-4D08-BBBF-96D8C682D5C4}" dt="2019-07-20T04:48:47.247" v="544" actId="14100"/>
+          <ac:spMkLst>
+            <pc:docMk/>
+            <pc:sldMk cId="1043619087" sldId="268"/>
+            <ac:spMk id="101" creationId="{CC4F0812-E9CA-4930-ABAF-B9C6DD0A32FA}"/>
+          </ac:spMkLst>
+        </pc:spChg>
+        <pc:spChg chg="add mod">
+          <ac:chgData name="Erkan ŞİRİN" userId="7f10ce1d6aaf8c5d" providerId="LiveId" clId="{71BE6C37-2B26-4D08-BBBF-96D8C682D5C4}" dt="2019-07-20T04:48:47.247" v="544" actId="14100"/>
+          <ac:spMkLst>
+            <pc:docMk/>
+            <pc:sldMk cId="1043619087" sldId="268"/>
+            <ac:spMk id="102" creationId="{44C0A076-2542-42C1-AC43-CEB42D6B4A78}"/>
+          </ac:spMkLst>
+        </pc:spChg>
+        <pc:spChg chg="add del">
+          <ac:chgData name="Erkan ŞİRİN" userId="7f10ce1d6aaf8c5d" providerId="LiveId" clId="{71BE6C37-2B26-4D08-BBBF-96D8C682D5C4}" dt="2019-07-20T04:43:26.551" v="470"/>
+          <ac:spMkLst>
+            <pc:docMk/>
+            <pc:sldMk cId="1043619087" sldId="268"/>
+            <ac:spMk id="112" creationId="{B3628146-6B54-4AAF-9164-8D3C14840C7F}"/>
+          </ac:spMkLst>
+        </pc:spChg>
+        <pc:spChg chg="add mod">
+          <ac:chgData name="Erkan ŞİRİN" userId="7f10ce1d6aaf8c5d" providerId="LiveId" clId="{71BE6C37-2B26-4D08-BBBF-96D8C682D5C4}" dt="2019-07-20T04:49:56.589" v="564" actId="1076"/>
+          <ac:spMkLst>
+            <pc:docMk/>
+            <pc:sldMk cId="1043619087" sldId="268"/>
+            <ac:spMk id="126" creationId="{39190291-19A1-4EE7-9C74-6EB369415874}"/>
+          </ac:spMkLst>
+        </pc:spChg>
+        <pc:spChg chg="add mod">
+          <ac:chgData name="Erkan ŞİRİN" userId="7f10ce1d6aaf8c5d" providerId="LiveId" clId="{71BE6C37-2B26-4D08-BBBF-96D8C682D5C4}" dt="2019-07-20T04:50:21.840" v="572" actId="1038"/>
+          <ac:spMkLst>
+            <pc:docMk/>
+            <pc:sldMk cId="1043619087" sldId="268"/>
+            <ac:spMk id="127" creationId="{755FA4EB-9246-46A1-ACAF-36408D6480AB}"/>
+          </ac:spMkLst>
+        </pc:spChg>
+        <pc:spChg chg="add mod">
+          <ac:chgData name="Erkan ŞİRİN" userId="7f10ce1d6aaf8c5d" providerId="LiveId" clId="{71BE6C37-2B26-4D08-BBBF-96D8C682D5C4}" dt="2019-07-20T04:49:38.644" v="560" actId="20577"/>
+          <ac:spMkLst>
+            <pc:docMk/>
+            <pc:sldMk cId="1043619087" sldId="268"/>
+            <ac:spMk id="144" creationId="{7CB7795E-BD62-487E-A9B2-B5833EFA1464}"/>
+          </ac:spMkLst>
+        </pc:spChg>
+        <pc:spChg chg="add mod">
+          <ac:chgData name="Erkan ŞİRİN" userId="7f10ce1d6aaf8c5d" providerId="LiveId" clId="{71BE6C37-2B26-4D08-BBBF-96D8C682D5C4}" dt="2019-07-20T04:57:22.102" v="620" actId="13822"/>
+          <ac:spMkLst>
+            <pc:docMk/>
+            <pc:sldMk cId="1043619087" sldId="268"/>
+            <ac:spMk id="153" creationId="{2DC541EF-0867-4666-816A-5DEC49E8ABBC}"/>
+          </ac:spMkLst>
+        </pc:spChg>
+        <pc:picChg chg="add del mod">
+          <ac:chgData name="Erkan ŞİRİN" userId="7f10ce1d6aaf8c5d" providerId="LiveId" clId="{71BE6C37-2B26-4D08-BBBF-96D8C682D5C4}" dt="2019-07-20T04:26:16.602" v="152" actId="478"/>
+          <ac:picMkLst>
+            <pc:docMk/>
+            <pc:sldMk cId="1043619087" sldId="268"/>
+            <ac:picMk id="9" creationId="{6707B06B-1532-409F-8304-AFCB2FEF73BE}"/>
+          </ac:picMkLst>
+        </pc:picChg>
+        <pc:picChg chg="add del mod">
+          <ac:chgData name="Erkan ŞİRİN" userId="7f10ce1d6aaf8c5d" providerId="LiveId" clId="{71BE6C37-2B26-4D08-BBBF-96D8C682D5C4}" dt="2019-07-20T04:25:16.227" v="147" actId="478"/>
+          <ac:picMkLst>
+            <pc:docMk/>
+            <pc:sldMk cId="1043619087" sldId="268"/>
+            <ac:picMk id="1026" creationId="{5B06D45E-894E-488E-9747-621A3EFA5DCD}"/>
+          </ac:picMkLst>
+        </pc:picChg>
+        <pc:cxnChg chg="add mod">
+          <ac:chgData name="Erkan ŞİRİN" userId="7f10ce1d6aaf8c5d" providerId="LiveId" clId="{71BE6C37-2B26-4D08-BBBF-96D8C682D5C4}" dt="2019-07-20T04:39:39.961" v="426" actId="1076"/>
+          <ac:cxnSpMkLst>
+            <pc:docMk/>
+            <pc:sldMk cId="1043619087" sldId="268"/>
+            <ac:cxnSpMk id="17" creationId="{F348C6BD-4D5D-4AAF-A818-6DE3451D2AF5}"/>
+          </ac:cxnSpMkLst>
+        </pc:cxnChg>
+        <pc:cxnChg chg="del">
+          <ac:chgData name="Erkan ŞİRİN" userId="7f10ce1d6aaf8c5d" providerId="LiveId" clId="{71BE6C37-2B26-4D08-BBBF-96D8C682D5C4}" dt="2019-07-20T04:23:46.588" v="117" actId="478"/>
+          <ac:cxnSpMkLst>
+            <pc:docMk/>
+            <pc:sldMk cId="1043619087" sldId="268"/>
+            <ac:cxnSpMk id="30" creationId="{41D8DE17-27CD-4DB0-861B-98DA171921D2}"/>
+          </ac:cxnSpMkLst>
+        </pc:cxnChg>
+        <pc:cxnChg chg="del">
+          <ac:chgData name="Erkan ŞİRİN" userId="7f10ce1d6aaf8c5d" providerId="LiveId" clId="{71BE6C37-2B26-4D08-BBBF-96D8C682D5C4}" dt="2019-07-20T04:23:46.588" v="117" actId="478"/>
+          <ac:cxnSpMkLst>
+            <pc:docMk/>
+            <pc:sldMk cId="1043619087" sldId="268"/>
+            <ac:cxnSpMk id="38" creationId="{2C563B99-458E-4E3E-BBB9-29D96925DA10}"/>
+          </ac:cxnSpMkLst>
+        </pc:cxnChg>
+        <pc:cxnChg chg="del">
+          <ac:chgData name="Erkan ŞİRİN" userId="7f10ce1d6aaf8c5d" providerId="LiveId" clId="{71BE6C37-2B26-4D08-BBBF-96D8C682D5C4}" dt="2019-07-20T04:23:46.588" v="117" actId="478"/>
+          <ac:cxnSpMkLst>
+            <pc:docMk/>
+            <pc:sldMk cId="1043619087" sldId="268"/>
+            <ac:cxnSpMk id="46" creationId="{BEF337A5-5BD1-4F92-B2F1-CAF3A9B5E5E3}"/>
+          </ac:cxnSpMkLst>
+        </pc:cxnChg>
+        <pc:cxnChg chg="add mod">
+          <ac:chgData name="Erkan ŞİRİN" userId="7f10ce1d6aaf8c5d" providerId="LiveId" clId="{71BE6C37-2B26-4D08-BBBF-96D8C682D5C4}" dt="2019-07-20T04:39:39.961" v="426" actId="1076"/>
+          <ac:cxnSpMkLst>
+            <pc:docMk/>
+            <pc:sldMk cId="1043619087" sldId="268"/>
+            <ac:cxnSpMk id="57" creationId="{DDE51D89-5C55-48B6-91F7-0D84D79CC377}"/>
+          </ac:cxnSpMkLst>
+        </pc:cxnChg>
+        <pc:cxnChg chg="add mod">
+          <ac:chgData name="Erkan ŞİRİN" userId="7f10ce1d6aaf8c5d" providerId="LiveId" clId="{71BE6C37-2B26-4D08-BBBF-96D8C682D5C4}" dt="2019-07-20T04:39:59.033" v="427" actId="1076"/>
+          <ac:cxnSpMkLst>
+            <pc:docMk/>
+            <pc:sldMk cId="1043619087" sldId="268"/>
+            <ac:cxnSpMk id="58" creationId="{9617B3AF-ED21-49BD-9062-87E55B39E4E8}"/>
+          </ac:cxnSpMkLst>
+        </pc:cxnChg>
+        <pc:cxnChg chg="add mod">
+          <ac:chgData name="Erkan ŞİRİN" userId="7f10ce1d6aaf8c5d" providerId="LiveId" clId="{71BE6C37-2B26-4D08-BBBF-96D8C682D5C4}" dt="2019-07-20T04:39:39.961" v="426" actId="1076"/>
+          <ac:cxnSpMkLst>
+            <pc:docMk/>
+            <pc:sldMk cId="1043619087" sldId="268"/>
+            <ac:cxnSpMk id="60" creationId="{9B54EE08-BA6C-4474-9D8F-5D4DC7BAE870}"/>
+          </ac:cxnSpMkLst>
+        </pc:cxnChg>
+        <pc:cxnChg chg="add mod">
+          <ac:chgData name="Erkan ŞİRİN" userId="7f10ce1d6aaf8c5d" providerId="LiveId" clId="{71BE6C37-2B26-4D08-BBBF-96D8C682D5C4}" dt="2019-07-20T04:48:34.641" v="543" actId="14100"/>
+          <ac:cxnSpMkLst>
+            <pc:docMk/>
+            <pc:sldMk cId="1043619087" sldId="268"/>
+            <ac:cxnSpMk id="72" creationId="{AF5A8CA2-1D62-485D-B662-80FFAD7390B9}"/>
+          </ac:cxnSpMkLst>
+        </pc:cxnChg>
+        <pc:cxnChg chg="add mod">
+          <ac:chgData name="Erkan ŞİRİN" userId="7f10ce1d6aaf8c5d" providerId="LiveId" clId="{71BE6C37-2B26-4D08-BBBF-96D8C682D5C4}" dt="2019-07-20T04:48:34.641" v="543" actId="14100"/>
+          <ac:cxnSpMkLst>
+            <pc:docMk/>
+            <pc:sldMk cId="1043619087" sldId="268"/>
+            <ac:cxnSpMk id="73" creationId="{4AE9AB08-1989-4D88-AB94-F1AC6111F929}"/>
+          </ac:cxnSpMkLst>
+        </pc:cxnChg>
+        <pc:cxnChg chg="add mod">
+          <ac:chgData name="Erkan ŞİRİN" userId="7f10ce1d6aaf8c5d" providerId="LiveId" clId="{71BE6C37-2B26-4D08-BBBF-96D8C682D5C4}" dt="2019-07-20T04:48:34.641" v="543" actId="14100"/>
+          <ac:cxnSpMkLst>
+            <pc:docMk/>
+            <pc:sldMk cId="1043619087" sldId="268"/>
+            <ac:cxnSpMk id="74" creationId="{5DB19DA8-DD0A-4EA6-8633-B9EF02734B89}"/>
+          </ac:cxnSpMkLst>
+        </pc:cxnChg>
+        <pc:cxnChg chg="add mod">
+          <ac:chgData name="Erkan ŞİRİN" userId="7f10ce1d6aaf8c5d" providerId="LiveId" clId="{71BE6C37-2B26-4D08-BBBF-96D8C682D5C4}" dt="2019-07-20T04:48:34.641" v="543" actId="14100"/>
+          <ac:cxnSpMkLst>
+            <pc:docMk/>
+            <pc:sldMk cId="1043619087" sldId="268"/>
+            <ac:cxnSpMk id="75" creationId="{43E0C194-4F1F-4F79-80AC-1370A358E077}"/>
+          </ac:cxnSpMkLst>
+        </pc:cxnChg>
+        <pc:cxnChg chg="add mod">
+          <ac:chgData name="Erkan ŞİRİN" userId="7f10ce1d6aaf8c5d" providerId="LiveId" clId="{71BE6C37-2B26-4D08-BBBF-96D8C682D5C4}" dt="2019-07-20T04:48:47.247" v="544" actId="14100"/>
+          <ac:cxnSpMkLst>
+            <pc:docMk/>
+            <pc:sldMk cId="1043619087" sldId="268"/>
+            <ac:cxnSpMk id="103" creationId="{C7A294CF-447A-4277-8939-C7CE495696F2}"/>
+          </ac:cxnSpMkLst>
+        </pc:cxnChg>
+        <pc:cxnChg chg="add mod">
+          <ac:chgData name="Erkan ŞİRİN" userId="7f10ce1d6aaf8c5d" providerId="LiveId" clId="{71BE6C37-2B26-4D08-BBBF-96D8C682D5C4}" dt="2019-07-20T04:48:47.247" v="544" actId="14100"/>
+          <ac:cxnSpMkLst>
+            <pc:docMk/>
+            <pc:sldMk cId="1043619087" sldId="268"/>
+            <ac:cxnSpMk id="106" creationId="{6E0F697E-58C0-4C0F-9B75-947A80E4FE15}"/>
+          </ac:cxnSpMkLst>
+        </pc:cxnChg>
+        <pc:cxnChg chg="add mod">
+          <ac:chgData name="Erkan ŞİRİN" userId="7f10ce1d6aaf8c5d" providerId="LiveId" clId="{71BE6C37-2B26-4D08-BBBF-96D8C682D5C4}" dt="2019-07-20T04:48:47.247" v="544" actId="14100"/>
+          <ac:cxnSpMkLst>
+            <pc:docMk/>
+            <pc:sldMk cId="1043619087" sldId="268"/>
+            <ac:cxnSpMk id="110" creationId="{40C6AE2E-6799-4EBF-91D6-C8DAA028DE80}"/>
+          </ac:cxnSpMkLst>
+        </pc:cxnChg>
+        <pc:cxnChg chg="add mod">
+          <ac:chgData name="Erkan ŞİRİN" userId="7f10ce1d6aaf8c5d" providerId="LiveId" clId="{71BE6C37-2B26-4D08-BBBF-96D8C682D5C4}" dt="2019-07-20T04:48:47.247" v="544" actId="14100"/>
+          <ac:cxnSpMkLst>
+            <pc:docMk/>
+            <pc:sldMk cId="1043619087" sldId="268"/>
+            <ac:cxnSpMk id="114" creationId="{B2BBC85F-31BF-430F-8F38-4DFDE69FEE8A}"/>
+          </ac:cxnSpMkLst>
+        </pc:cxnChg>
+        <pc:cxnChg chg="add mod">
+          <ac:chgData name="Erkan ŞİRİN" userId="7f10ce1d6aaf8c5d" providerId="LiveId" clId="{71BE6C37-2B26-4D08-BBBF-96D8C682D5C4}" dt="2019-07-20T04:48:47.247" v="544" actId="14100"/>
+          <ac:cxnSpMkLst>
+            <pc:docMk/>
+            <pc:sldMk cId="1043619087" sldId="268"/>
+            <ac:cxnSpMk id="117" creationId="{90414068-40ED-412F-8A1D-1610DEFCB415}"/>
+          </ac:cxnSpMkLst>
+        </pc:cxnChg>
+        <pc:cxnChg chg="add mod">
+          <ac:chgData name="Erkan ŞİRİN" userId="7f10ce1d6aaf8c5d" providerId="LiveId" clId="{71BE6C37-2B26-4D08-BBBF-96D8C682D5C4}" dt="2019-07-20T04:48:47.247" v="544" actId="14100"/>
+          <ac:cxnSpMkLst>
+            <pc:docMk/>
+            <pc:sldMk cId="1043619087" sldId="268"/>
+            <ac:cxnSpMk id="120" creationId="{04465921-01D4-46B9-8491-5F2EB2FD1B06}"/>
+          </ac:cxnSpMkLst>
+        </pc:cxnChg>
+        <pc:cxnChg chg="add mod">
+          <ac:chgData name="Erkan ŞİRİN" userId="7f10ce1d6aaf8c5d" providerId="LiveId" clId="{71BE6C37-2B26-4D08-BBBF-96D8C682D5C4}" dt="2019-07-20T04:49:56.589" v="564" actId="1076"/>
+          <ac:cxnSpMkLst>
+            <pc:docMk/>
+            <pc:sldMk cId="1043619087" sldId="268"/>
+            <ac:cxnSpMk id="145" creationId="{266239EE-B20C-4C73-B2CC-07BB9EE988BD}"/>
+          </ac:cxnSpMkLst>
+        </pc:cxnChg>
+        <pc:cxnChg chg="add mod">
+          <ac:chgData name="Erkan ŞİRİN" userId="7f10ce1d6aaf8c5d" providerId="LiveId" clId="{71BE6C37-2B26-4D08-BBBF-96D8C682D5C4}" dt="2019-07-20T04:50:21.840" v="572" actId="1038"/>
+          <ac:cxnSpMkLst>
+            <pc:docMk/>
+            <pc:sldMk cId="1043619087" sldId="268"/>
+            <ac:cxnSpMk id="149" creationId="{20B773D0-53EA-4682-831C-EA74C2B1557D}"/>
+          </ac:cxnSpMkLst>
+        </pc:cxnChg>
+        <pc:cxnChg chg="add mod">
+          <ac:chgData name="Erkan ŞİRİN" userId="7f10ce1d6aaf8c5d" providerId="LiveId" clId="{71BE6C37-2B26-4D08-BBBF-96D8C682D5C4}" dt="2019-07-20T04:50:59.693" v="582" actId="14100"/>
+          <ac:cxnSpMkLst>
+            <pc:docMk/>
+            <pc:sldMk cId="1043619087" sldId="268"/>
+            <ac:cxnSpMk id="154" creationId="{44814D86-7A29-4636-8955-EEEAFBF21E99}"/>
+          </ac:cxnSpMkLst>
+        </pc:cxnChg>
+        <pc:cxnChg chg="add mod">
+          <ac:chgData name="Erkan ŞİRİN" userId="7f10ce1d6aaf8c5d" providerId="LiveId" clId="{71BE6C37-2B26-4D08-BBBF-96D8C682D5C4}" dt="2019-07-20T04:51:07.280" v="585" actId="14100"/>
+          <ac:cxnSpMkLst>
+            <pc:docMk/>
+            <pc:sldMk cId="1043619087" sldId="268"/>
+            <ac:cxnSpMk id="157" creationId="{99510985-C232-4D8C-A12F-38B0EBF98EFF}"/>
+          </ac:cxnSpMkLst>
+        </pc:cxnChg>
+      </pc:sldChg>
+    </pc:docChg>
+  </pc:docChgLst>
+  <pc:docChgLst>
     <pc:chgData name="Erkan ŞİRİN" userId="7f10ce1d6aaf8c5d" providerId="LiveId" clId="{F779A547-DC96-4CF6-BDAD-400CF67D935B}"/>
   </pc:docChgLst>
 </pc:chgInfo>
@@ -516,7 +1147,7 @@
           <a:p>
             <a:fld id="{6F77F576-AE14-466D-AA6B-335273622B21}" type="datetimeFigureOut">
               <a:rPr lang="en-US" smtClean="0"/>
-              <a:t>7/17/2019</a:t>
+              <a:t>7/20/2019</a:t>
             </a:fld>
             <a:endParaRPr lang="en-US"/>
           </a:p>
@@ -915,7 +1546,7 @@
           <a:p>
             <a:fld id="{54AA066D-271F-4C1A-B89A-0705A7689EE9}" type="datetimeFigureOut">
               <a:rPr lang="en-US" smtClean="0"/>
-              <a:t>7/17/2019</a:t>
+              <a:t>7/20/2019</a:t>
             </a:fld>
             <a:endParaRPr lang="en-US"/>
           </a:p>
@@ -1085,7 +1716,7 @@
           <a:p>
             <a:fld id="{54AA066D-271F-4C1A-B89A-0705A7689EE9}" type="datetimeFigureOut">
               <a:rPr lang="en-US" smtClean="0"/>
-              <a:t>7/17/2019</a:t>
+              <a:t>7/20/2019</a:t>
             </a:fld>
             <a:endParaRPr lang="en-US"/>
           </a:p>
@@ -1265,7 +1896,7 @@
           <a:p>
             <a:fld id="{54AA066D-271F-4C1A-B89A-0705A7689EE9}" type="datetimeFigureOut">
               <a:rPr lang="en-US" smtClean="0"/>
-              <a:t>7/17/2019</a:t>
+              <a:t>7/20/2019</a:t>
             </a:fld>
             <a:endParaRPr lang="en-US"/>
           </a:p>
@@ -1435,7 +2066,7 @@
           <a:p>
             <a:fld id="{54AA066D-271F-4C1A-B89A-0705A7689EE9}" type="datetimeFigureOut">
               <a:rPr lang="en-US" smtClean="0"/>
-              <a:t>7/17/2019</a:t>
+              <a:t>7/20/2019</a:t>
             </a:fld>
             <a:endParaRPr lang="en-US"/>
           </a:p>
@@ -1681,7 +2312,7 @@
           <a:p>
             <a:fld id="{54AA066D-271F-4C1A-B89A-0705A7689EE9}" type="datetimeFigureOut">
               <a:rPr lang="en-US" smtClean="0"/>
-              <a:t>7/17/2019</a:t>
+              <a:t>7/20/2019</a:t>
             </a:fld>
             <a:endParaRPr lang="en-US"/>
           </a:p>
@@ -1913,7 +2544,7 @@
           <a:p>
             <a:fld id="{54AA066D-271F-4C1A-B89A-0705A7689EE9}" type="datetimeFigureOut">
               <a:rPr lang="en-US" smtClean="0"/>
-              <a:t>7/17/2019</a:t>
+              <a:t>7/20/2019</a:t>
             </a:fld>
             <a:endParaRPr lang="en-US"/>
           </a:p>
@@ -2280,7 +2911,7 @@
           <a:p>
             <a:fld id="{54AA066D-271F-4C1A-B89A-0705A7689EE9}" type="datetimeFigureOut">
               <a:rPr lang="en-US" smtClean="0"/>
-              <a:t>7/17/2019</a:t>
+              <a:t>7/20/2019</a:t>
             </a:fld>
             <a:endParaRPr lang="en-US"/>
           </a:p>
@@ -2398,7 +3029,7 @@
           <a:p>
             <a:fld id="{54AA066D-271F-4C1A-B89A-0705A7689EE9}" type="datetimeFigureOut">
               <a:rPr lang="en-US" smtClean="0"/>
-              <a:t>7/17/2019</a:t>
+              <a:t>7/20/2019</a:t>
             </a:fld>
             <a:endParaRPr lang="en-US"/>
           </a:p>
@@ -2493,7 +3124,7 @@
           <a:p>
             <a:fld id="{54AA066D-271F-4C1A-B89A-0705A7689EE9}" type="datetimeFigureOut">
               <a:rPr lang="en-US" smtClean="0"/>
-              <a:t>7/17/2019</a:t>
+              <a:t>7/20/2019</a:t>
             </a:fld>
             <a:endParaRPr lang="en-US"/>
           </a:p>
@@ -2770,7 +3401,7 @@
           <a:p>
             <a:fld id="{54AA066D-271F-4C1A-B89A-0705A7689EE9}" type="datetimeFigureOut">
               <a:rPr lang="en-US" smtClean="0"/>
-              <a:t>7/17/2019</a:t>
+              <a:t>7/20/2019</a:t>
             </a:fld>
             <a:endParaRPr lang="en-US"/>
           </a:p>
@@ -3023,7 +3654,7 @@
           <a:p>
             <a:fld id="{54AA066D-271F-4C1A-B89A-0705A7689EE9}" type="datetimeFigureOut">
               <a:rPr lang="en-US" smtClean="0"/>
-              <a:t>7/17/2019</a:t>
+              <a:t>7/20/2019</a:t>
             </a:fld>
             <a:endParaRPr lang="en-US"/>
           </a:p>
@@ -3236,7 +3867,7 @@
           <a:p>
             <a:fld id="{54AA066D-271F-4C1A-B89A-0705A7689EE9}" type="datetimeFigureOut">
               <a:rPr lang="en-US" smtClean="0"/>
-              <a:t>7/17/2019</a:t>
+              <a:t>7/20/2019</a:t>
             </a:fld>
             <a:endParaRPr lang="en-US"/>
           </a:p>
@@ -4077,7 +4708,7 @@
 </p:sld>
 </file>
 
-<file path=ppt/slides/slide2.xml><?xml version="1.0" encoding="utf-8"?>
+<file path=ppt/slides/slide10.xml><?xml version="1.0" encoding="utf-8"?>
 <p:sld xmlns:a="http://schemas.openxmlformats.org/drawingml/2006/main" xmlns:r="http://schemas.openxmlformats.org/officeDocument/2006/relationships" xmlns:p="http://schemas.openxmlformats.org/presentationml/2006/main">
   <p:cSld>
     <p:spTree>
@@ -4489,165 +5120,13 @@
       </p:grpSp>
       <p:sp>
         <p:nvSpPr>
-          <p:cNvPr id="3" name="Dikdörtgen 2"/>
-          <p:cNvSpPr/>
-          <p:nvPr/>
-        </p:nvSpPr>
-        <p:spPr>
-          <a:xfrm>
-            <a:off x="1040525" y="1359750"/>
-            <a:ext cx="10321157" cy="4467057"/>
-          </a:xfrm>
-          <a:prstGeom prst="rect">
-            <a:avLst/>
-          </a:prstGeom>
-        </p:spPr>
-        <p:txBody>
-          <a:bodyPr wrap="square">
-            <a:spAutoFit/>
-          </a:bodyPr>
-          <a:lstStyle/>
-          <a:p>
-            <a:pPr marL="285750" indent="-285750">
-              <a:lnSpc>
-                <a:spcPct val="150000"/>
-              </a:lnSpc>
-              <a:buFont typeface="Wingdings" panose="05000000000000000000" pitchFamily="2" charset="2"/>
-              <a:buChar char="ü"/>
-            </a:pPr>
-            <a:r>
-              <a:rPr lang="tr-TR" sz="2400" dirty="0">
-                <a:solidFill>
-                  <a:srgbClr val="404041"/>
-                </a:solidFill>
-                <a:latin typeface="Roboto"/>
-              </a:rPr>
-              <a:t>Büyük veri işlemek için bir framework</a:t>
-            </a:r>
-          </a:p>
-          <a:p>
-            <a:pPr marL="285750" indent="-285750">
-              <a:lnSpc>
-                <a:spcPct val="150000"/>
-              </a:lnSpc>
-              <a:buFont typeface="Wingdings" panose="05000000000000000000" pitchFamily="2" charset="2"/>
-              <a:buChar char="ü"/>
-            </a:pPr>
-            <a:r>
-              <a:rPr lang="tr-TR" sz="2400" dirty="0">
-                <a:solidFill>
-                  <a:srgbClr val="404041"/>
-                </a:solidFill>
-                <a:latin typeface="Roboto"/>
-              </a:rPr>
-              <a:t>Google’ın web sayfalarını indeksleme ihtiyacından doğdu</a:t>
-            </a:r>
-          </a:p>
-          <a:p>
-            <a:pPr marL="285750" indent="-285750">
-              <a:lnSpc>
-                <a:spcPct val="150000"/>
-              </a:lnSpc>
-              <a:buFont typeface="Wingdings" panose="05000000000000000000" pitchFamily="2" charset="2"/>
-              <a:buChar char="ü"/>
-            </a:pPr>
-            <a:r>
-              <a:rPr lang="tr-TR" sz="2400" dirty="0">
-                <a:solidFill>
-                  <a:srgbClr val="404041"/>
-                </a:solidFill>
-                <a:latin typeface="Roboto"/>
-              </a:rPr>
-              <a:t>Java tabanlıdır</a:t>
-            </a:r>
-          </a:p>
-          <a:p>
-            <a:pPr marL="285750" indent="-285750">
-              <a:lnSpc>
-                <a:spcPct val="150000"/>
-              </a:lnSpc>
-              <a:buFont typeface="Wingdings" panose="05000000000000000000" pitchFamily="2" charset="2"/>
-              <a:buChar char="ü"/>
-            </a:pPr>
-            <a:r>
-              <a:rPr lang="tr-TR" sz="2400" dirty="0">
-                <a:solidFill>
-                  <a:srgbClr val="404041"/>
-                </a:solidFill>
-                <a:latin typeface="Roboto"/>
-              </a:rPr>
-              <a:t>HDFS ve YARN ile beraber Hadoop’un en temel bileşeninden birisi.</a:t>
-            </a:r>
-          </a:p>
-          <a:p>
-            <a:pPr marL="285750" indent="-285750">
-              <a:lnSpc>
-                <a:spcPct val="150000"/>
-              </a:lnSpc>
-              <a:buFont typeface="Wingdings" panose="05000000000000000000" pitchFamily="2" charset="2"/>
-              <a:buChar char="ü"/>
-            </a:pPr>
-            <a:r>
-              <a:rPr lang="tr-TR" sz="2400" dirty="0">
-                <a:solidFill>
-                  <a:srgbClr val="404041"/>
-                </a:solidFill>
-                <a:latin typeface="Roboto"/>
-              </a:rPr>
-              <a:t>MapReduce mantığı ~ Büyük Veri mantığı</a:t>
-            </a:r>
-          </a:p>
-          <a:p>
-            <a:pPr marL="285750" indent="-285750">
-              <a:lnSpc>
-                <a:spcPct val="150000"/>
-              </a:lnSpc>
-              <a:buFont typeface="Wingdings" panose="05000000000000000000" pitchFamily="2" charset="2"/>
-              <a:buChar char="ü"/>
-            </a:pPr>
-            <a:r>
-              <a:rPr lang="tr-TR" sz="2400" dirty="0">
-                <a:solidFill>
-                  <a:srgbClr val="404041"/>
-                </a:solidFill>
-                <a:latin typeface="Roboto"/>
-              </a:rPr>
-              <a:t>Map() parçala ve hesaplanacak hale dönüştür</a:t>
-            </a:r>
-          </a:p>
-          <a:p>
-            <a:pPr marL="285750" indent="-285750">
-              <a:lnSpc>
-                <a:spcPct val="150000"/>
-              </a:lnSpc>
-              <a:buFont typeface="Wingdings" panose="05000000000000000000" pitchFamily="2" charset="2"/>
-              <a:buChar char="ü"/>
-            </a:pPr>
-            <a:r>
-              <a:rPr lang="tr-TR" sz="2400" dirty="0">
-                <a:solidFill>
-                  <a:srgbClr val="404041"/>
-                </a:solidFill>
-                <a:latin typeface="Roboto"/>
-              </a:rPr>
-              <a:t>Reduce() sonuçları hesapla</a:t>
-            </a:r>
-          </a:p>
-          <a:p>
-            <a:pPr marL="285750" indent="-285750">
-              <a:lnSpc>
-                <a:spcPct val="150000"/>
-              </a:lnSpc>
-              <a:buFont typeface="Wingdings" panose="05000000000000000000" pitchFamily="2" charset="2"/>
-              <a:buChar char="ü"/>
-            </a:pPr>
-            <a:endParaRPr lang="en-US" sz="2400" dirty="0"/>
-          </a:p>
-        </p:txBody>
-      </p:sp>
-      <p:sp>
-        <p:nvSpPr>
-          <p:cNvPr id="16" name="Unvan 1"/>
+          <p:cNvPr id="47" name="Unvan 1">
+            <a:extLst>
+              <a:ext uri="{FF2B5EF4-FFF2-40B4-BE49-F238E27FC236}">
+                <a16:creationId xmlns:a16="http://schemas.microsoft.com/office/drawing/2014/main" id="{4F784242-0C27-4126-B826-78A83FAFFAF8}"/>
+              </a:ext>
+            </a:extLst>
+          </p:cNvPr>
           <p:cNvSpPr>
             <a:spLocks noGrp="1"/>
           </p:cNvSpPr>
@@ -4657,8 +5136,8 @@
         </p:nvSpPr>
         <p:spPr>
           <a:xfrm>
-            <a:off x="1452030" y="208280"/>
-            <a:ext cx="9144000" cy="956733"/>
+            <a:off x="1452030" y="208281"/>
+            <a:ext cx="9144000" cy="646149"/>
           </a:xfrm>
         </p:spPr>
         <p:txBody>
@@ -4668,7 +5147,7 @@
           <a:lstStyle/>
           <a:p>
             <a:r>
-              <a:rPr lang="tr-TR" sz="4200" b="1" dirty="0">
+              <a:rPr lang="tr-TR" sz="3200" b="1" dirty="0">
                 <a:solidFill>
                   <a:srgbClr val="CD1F26"/>
                 </a:solidFill>
@@ -4676,9 +5155,31 @@
                 <a:ea typeface="Verdana" panose="020B0604030504040204" pitchFamily="34" charset="0"/>
                 <a:cs typeface="Arial" panose="020B0604020202020204" pitchFamily="34" charset="0"/>
               </a:rPr>
-              <a:t>MapReduce</a:t>
+              <a:t>MapReduce </a:t>
             </a:r>
-            <a:endParaRPr lang="en-US" sz="4200" b="1" dirty="0">
+            <a:r>
+              <a:rPr lang="tr-TR" sz="3200" b="1" dirty="0" err="1">
+                <a:solidFill>
+                  <a:srgbClr val="CD1F26"/>
+                </a:solidFill>
+                <a:latin typeface="Arial" panose="020B0604020202020204" pitchFamily="34" charset="0"/>
+                <a:ea typeface="Verdana" panose="020B0604030504040204" pitchFamily="34" charset="0"/>
+                <a:cs typeface="Arial" panose="020B0604020202020204" pitchFamily="34" charset="0"/>
+              </a:rPr>
+              <a:t>WordCount</a:t>
+            </a:r>
+            <a:r>
+              <a:rPr lang="tr-TR" sz="3200" b="1" dirty="0">
+                <a:solidFill>
+                  <a:srgbClr val="CD1F26"/>
+                </a:solidFill>
+                <a:latin typeface="Arial" panose="020B0604020202020204" pitchFamily="34" charset="0"/>
+                <a:ea typeface="Verdana" panose="020B0604030504040204" pitchFamily="34" charset="0"/>
+                <a:cs typeface="Arial" panose="020B0604020202020204" pitchFamily="34" charset="0"/>
+              </a:rPr>
+              <a:t> Süreci</a:t>
+            </a:r>
+            <a:endParaRPr lang="en-US" sz="3200" b="1" dirty="0">
               <a:solidFill>
                 <a:srgbClr val="CD1F26"/>
               </a:solidFill>
@@ -4689,20 +5190,3511 @@
           </a:p>
         </p:txBody>
       </p:sp>
+      <p:sp>
+        <p:nvSpPr>
+          <p:cNvPr id="49" name="Dikdörtgen 48">
+            <a:extLst>
+              <a:ext uri="{FF2B5EF4-FFF2-40B4-BE49-F238E27FC236}">
+                <a16:creationId xmlns:a16="http://schemas.microsoft.com/office/drawing/2014/main" id="{9F8D209E-4764-4F25-B565-564CFC2F577D}"/>
+              </a:ext>
+            </a:extLst>
+          </p:cNvPr>
+          <p:cNvSpPr/>
+          <p:nvPr/>
+        </p:nvSpPr>
+        <p:spPr>
+          <a:xfrm>
+            <a:off x="309382" y="2768717"/>
+            <a:ext cx="1701385" cy="1577051"/>
+          </a:xfrm>
+          <a:prstGeom prst="rect">
+            <a:avLst/>
+          </a:prstGeom>
+        </p:spPr>
+        <p:style>
+          <a:lnRef idx="2">
+            <a:schemeClr val="accent1">
+              <a:shade val="50000"/>
+            </a:schemeClr>
+          </a:lnRef>
+          <a:fillRef idx="1">
+            <a:schemeClr val="accent1"/>
+          </a:fillRef>
+          <a:effectRef idx="0">
+            <a:schemeClr val="accent1"/>
+          </a:effectRef>
+          <a:fontRef idx="minor">
+            <a:schemeClr val="lt1"/>
+          </a:fontRef>
+        </p:style>
+        <p:txBody>
+          <a:bodyPr rtlCol="0" anchor="ctr"/>
+          <a:lstStyle/>
+          <a:p>
+            <a:pPr algn="ctr"/>
+            <a:r>
+              <a:rPr lang="tr-TR" sz="1400" dirty="0"/>
+              <a:t>Ceviz, Fındık, Kaju Ceviz, Kaju, Fındık Ceviz, Ceviz, Fındık Kaju, Üzüm, Üzüm</a:t>
+            </a:r>
+          </a:p>
+        </p:txBody>
+      </p:sp>
+      <p:sp>
+        <p:nvSpPr>
+          <p:cNvPr id="50" name="Dikdörtgen 49">
+            <a:extLst>
+              <a:ext uri="{FF2B5EF4-FFF2-40B4-BE49-F238E27FC236}">
+                <a16:creationId xmlns:a16="http://schemas.microsoft.com/office/drawing/2014/main" id="{012FBECA-2C86-418E-8C87-2EB32104424A}"/>
+              </a:ext>
+            </a:extLst>
+          </p:cNvPr>
+          <p:cNvSpPr/>
+          <p:nvPr/>
+        </p:nvSpPr>
+        <p:spPr>
+          <a:xfrm>
+            <a:off x="2692201" y="1921226"/>
+            <a:ext cx="1188222" cy="445497"/>
+          </a:xfrm>
+          <a:prstGeom prst="rect">
+            <a:avLst/>
+          </a:prstGeom>
+        </p:spPr>
+        <p:style>
+          <a:lnRef idx="2">
+            <a:schemeClr val="accent4">
+              <a:shade val="50000"/>
+            </a:schemeClr>
+          </a:lnRef>
+          <a:fillRef idx="1">
+            <a:schemeClr val="accent4"/>
+          </a:fillRef>
+          <a:effectRef idx="0">
+            <a:schemeClr val="accent4"/>
+          </a:effectRef>
+          <a:fontRef idx="minor">
+            <a:schemeClr val="lt1"/>
+          </a:fontRef>
+        </p:style>
+        <p:txBody>
+          <a:bodyPr rtlCol="0" anchor="ctr"/>
+          <a:lstStyle/>
+          <a:p>
+            <a:pPr algn="ctr"/>
+            <a:r>
+              <a:rPr lang="tr-TR" sz="1400" dirty="0"/>
+              <a:t>Ceviz, Fındık, Kaju</a:t>
+            </a:r>
+          </a:p>
+        </p:txBody>
+      </p:sp>
+      <p:sp>
+        <p:nvSpPr>
+          <p:cNvPr id="54" name="Dikdörtgen 53">
+            <a:extLst>
+              <a:ext uri="{FF2B5EF4-FFF2-40B4-BE49-F238E27FC236}">
+                <a16:creationId xmlns:a16="http://schemas.microsoft.com/office/drawing/2014/main" id="{A67C6CDF-2FE2-4C7D-9803-09C9536E340C}"/>
+              </a:ext>
+            </a:extLst>
+          </p:cNvPr>
+          <p:cNvSpPr/>
+          <p:nvPr/>
+        </p:nvSpPr>
+        <p:spPr>
+          <a:xfrm>
+            <a:off x="2676139" y="2857137"/>
+            <a:ext cx="1188222" cy="445497"/>
+          </a:xfrm>
+          <a:prstGeom prst="rect">
+            <a:avLst/>
+          </a:prstGeom>
+        </p:spPr>
+        <p:style>
+          <a:lnRef idx="2">
+            <a:schemeClr val="accent4">
+              <a:shade val="50000"/>
+            </a:schemeClr>
+          </a:lnRef>
+          <a:fillRef idx="1">
+            <a:schemeClr val="accent4"/>
+          </a:fillRef>
+          <a:effectRef idx="0">
+            <a:schemeClr val="accent4"/>
+          </a:effectRef>
+          <a:fontRef idx="minor">
+            <a:schemeClr val="lt1"/>
+          </a:fontRef>
+        </p:style>
+        <p:txBody>
+          <a:bodyPr rtlCol="0" anchor="ctr"/>
+          <a:lstStyle/>
+          <a:p>
+            <a:pPr algn="ctr"/>
+            <a:r>
+              <a:rPr lang="tr-TR" sz="1400" dirty="0"/>
+              <a:t>Ceviz, Kaju, Fındık</a:t>
+            </a:r>
+          </a:p>
+        </p:txBody>
+      </p:sp>
+      <p:sp>
+        <p:nvSpPr>
+          <p:cNvPr id="55" name="Dikdörtgen 54">
+            <a:extLst>
+              <a:ext uri="{FF2B5EF4-FFF2-40B4-BE49-F238E27FC236}">
+                <a16:creationId xmlns:a16="http://schemas.microsoft.com/office/drawing/2014/main" id="{25DAF4DB-CD88-4C1F-BF15-90F121AC8834}"/>
+              </a:ext>
+            </a:extLst>
+          </p:cNvPr>
+          <p:cNvSpPr/>
+          <p:nvPr/>
+        </p:nvSpPr>
+        <p:spPr>
+          <a:xfrm>
+            <a:off x="2676139" y="3798124"/>
+            <a:ext cx="1188222" cy="445497"/>
+          </a:xfrm>
+          <a:prstGeom prst="rect">
+            <a:avLst/>
+          </a:prstGeom>
+        </p:spPr>
+        <p:style>
+          <a:lnRef idx="2">
+            <a:schemeClr val="accent4">
+              <a:shade val="50000"/>
+            </a:schemeClr>
+          </a:lnRef>
+          <a:fillRef idx="1">
+            <a:schemeClr val="accent4"/>
+          </a:fillRef>
+          <a:effectRef idx="0">
+            <a:schemeClr val="accent4"/>
+          </a:effectRef>
+          <a:fontRef idx="minor">
+            <a:schemeClr val="lt1"/>
+          </a:fontRef>
+        </p:style>
+        <p:txBody>
+          <a:bodyPr rtlCol="0" anchor="ctr"/>
+          <a:lstStyle/>
+          <a:p>
+            <a:pPr algn="ctr"/>
+            <a:r>
+              <a:rPr lang="tr-TR" sz="1400" dirty="0"/>
+              <a:t>Ceviz, Ceviz, Fındık</a:t>
+            </a:r>
+          </a:p>
+        </p:txBody>
+      </p:sp>
+      <p:sp>
+        <p:nvSpPr>
+          <p:cNvPr id="56" name="Dikdörtgen 55">
+            <a:extLst>
+              <a:ext uri="{FF2B5EF4-FFF2-40B4-BE49-F238E27FC236}">
+                <a16:creationId xmlns:a16="http://schemas.microsoft.com/office/drawing/2014/main" id="{8C7A3A2E-E9E9-4D7E-806B-650007FBFEF6}"/>
+              </a:ext>
+            </a:extLst>
+          </p:cNvPr>
+          <p:cNvSpPr/>
+          <p:nvPr/>
+        </p:nvSpPr>
+        <p:spPr>
+          <a:xfrm>
+            <a:off x="2692201" y="4736573"/>
+            <a:ext cx="1188222" cy="445497"/>
+          </a:xfrm>
+          <a:prstGeom prst="rect">
+            <a:avLst/>
+          </a:prstGeom>
+        </p:spPr>
+        <p:style>
+          <a:lnRef idx="2">
+            <a:schemeClr val="accent4">
+              <a:shade val="50000"/>
+            </a:schemeClr>
+          </a:lnRef>
+          <a:fillRef idx="1">
+            <a:schemeClr val="accent4"/>
+          </a:fillRef>
+          <a:effectRef idx="0">
+            <a:schemeClr val="accent4"/>
+          </a:effectRef>
+          <a:fontRef idx="minor">
+            <a:schemeClr val="lt1"/>
+          </a:fontRef>
+        </p:style>
+        <p:txBody>
+          <a:bodyPr rtlCol="0" anchor="ctr"/>
+          <a:lstStyle/>
+          <a:p>
+            <a:pPr algn="ctr"/>
+            <a:r>
+              <a:rPr lang="tr-TR" sz="1400" dirty="0"/>
+              <a:t>Kaju, Üzüm, Üzüm</a:t>
+            </a:r>
+          </a:p>
+        </p:txBody>
+      </p:sp>
+      <p:cxnSp>
+        <p:nvCxnSpPr>
+          <p:cNvPr id="17" name="Düz Ok Bağlayıcısı 16">
+            <a:extLst>
+              <a:ext uri="{FF2B5EF4-FFF2-40B4-BE49-F238E27FC236}">
+                <a16:creationId xmlns:a16="http://schemas.microsoft.com/office/drawing/2014/main" id="{F348C6BD-4D5D-4AAF-A818-6DE3451D2AF5}"/>
+              </a:ext>
+            </a:extLst>
+          </p:cNvPr>
+          <p:cNvCxnSpPr>
+            <a:stCxn id="49" idx="3"/>
+            <a:endCxn id="50" idx="1"/>
+          </p:cNvCxnSpPr>
+          <p:nvPr/>
+        </p:nvCxnSpPr>
+        <p:spPr>
+          <a:xfrm flipV="1">
+            <a:off x="2010767" y="2143975"/>
+            <a:ext cx="681434" cy="1413268"/>
+          </a:xfrm>
+          <a:prstGeom prst="straightConnector1">
+            <a:avLst/>
+          </a:prstGeom>
+          <a:ln>
+            <a:tailEnd type="triangle"/>
+          </a:ln>
+        </p:spPr>
+        <p:style>
+          <a:lnRef idx="3">
+            <a:schemeClr val="accent2"/>
+          </a:lnRef>
+          <a:fillRef idx="0">
+            <a:schemeClr val="accent2"/>
+          </a:fillRef>
+          <a:effectRef idx="2">
+            <a:schemeClr val="accent2"/>
+          </a:effectRef>
+          <a:fontRef idx="minor">
+            <a:schemeClr val="tx1"/>
+          </a:fontRef>
+        </p:style>
+      </p:cxnSp>
+      <p:cxnSp>
+        <p:nvCxnSpPr>
+          <p:cNvPr id="57" name="Düz Ok Bağlayıcısı 56">
+            <a:extLst>
+              <a:ext uri="{FF2B5EF4-FFF2-40B4-BE49-F238E27FC236}">
+                <a16:creationId xmlns:a16="http://schemas.microsoft.com/office/drawing/2014/main" id="{DDE51D89-5C55-48B6-91F7-0D84D79CC377}"/>
+              </a:ext>
+            </a:extLst>
+          </p:cNvPr>
+          <p:cNvCxnSpPr>
+            <a:cxnSpLocks/>
+            <a:stCxn id="49" idx="3"/>
+            <a:endCxn id="54" idx="1"/>
+          </p:cNvCxnSpPr>
+          <p:nvPr/>
+        </p:nvCxnSpPr>
+        <p:spPr>
+          <a:xfrm flipV="1">
+            <a:off x="2010767" y="3079886"/>
+            <a:ext cx="665372" cy="477357"/>
+          </a:xfrm>
+          <a:prstGeom prst="straightConnector1">
+            <a:avLst/>
+          </a:prstGeom>
+          <a:ln>
+            <a:tailEnd type="triangle"/>
+          </a:ln>
+        </p:spPr>
+        <p:style>
+          <a:lnRef idx="3">
+            <a:schemeClr val="accent2"/>
+          </a:lnRef>
+          <a:fillRef idx="0">
+            <a:schemeClr val="accent2"/>
+          </a:fillRef>
+          <a:effectRef idx="2">
+            <a:schemeClr val="accent2"/>
+          </a:effectRef>
+          <a:fontRef idx="minor">
+            <a:schemeClr val="tx1"/>
+          </a:fontRef>
+        </p:style>
+      </p:cxnSp>
+      <p:cxnSp>
+        <p:nvCxnSpPr>
+          <p:cNvPr id="58" name="Düz Ok Bağlayıcısı 57">
+            <a:extLst>
+              <a:ext uri="{FF2B5EF4-FFF2-40B4-BE49-F238E27FC236}">
+                <a16:creationId xmlns:a16="http://schemas.microsoft.com/office/drawing/2014/main" id="{9617B3AF-ED21-49BD-9062-87E55B39E4E8}"/>
+              </a:ext>
+            </a:extLst>
+          </p:cNvPr>
+          <p:cNvCxnSpPr>
+            <a:cxnSpLocks/>
+            <a:stCxn id="49" idx="3"/>
+            <a:endCxn id="55" idx="1"/>
+          </p:cNvCxnSpPr>
+          <p:nvPr/>
+        </p:nvCxnSpPr>
+        <p:spPr>
+          <a:xfrm>
+            <a:off x="2010767" y="3557243"/>
+            <a:ext cx="665372" cy="463630"/>
+          </a:xfrm>
+          <a:prstGeom prst="straightConnector1">
+            <a:avLst/>
+          </a:prstGeom>
+          <a:ln>
+            <a:tailEnd type="triangle"/>
+          </a:ln>
+        </p:spPr>
+        <p:style>
+          <a:lnRef idx="3">
+            <a:schemeClr val="accent2"/>
+          </a:lnRef>
+          <a:fillRef idx="0">
+            <a:schemeClr val="accent2"/>
+          </a:fillRef>
+          <a:effectRef idx="2">
+            <a:schemeClr val="accent2"/>
+          </a:effectRef>
+          <a:fontRef idx="minor">
+            <a:schemeClr val="tx1"/>
+          </a:fontRef>
+        </p:style>
+      </p:cxnSp>
+      <p:cxnSp>
+        <p:nvCxnSpPr>
+          <p:cNvPr id="60" name="Düz Ok Bağlayıcısı 59">
+            <a:extLst>
+              <a:ext uri="{FF2B5EF4-FFF2-40B4-BE49-F238E27FC236}">
+                <a16:creationId xmlns:a16="http://schemas.microsoft.com/office/drawing/2014/main" id="{9B54EE08-BA6C-4474-9D8F-5D4DC7BAE870}"/>
+              </a:ext>
+            </a:extLst>
+          </p:cNvPr>
+          <p:cNvCxnSpPr>
+            <a:cxnSpLocks/>
+            <a:stCxn id="49" idx="3"/>
+            <a:endCxn id="56" idx="1"/>
+          </p:cNvCxnSpPr>
+          <p:nvPr/>
+        </p:nvCxnSpPr>
+        <p:spPr>
+          <a:xfrm>
+            <a:off x="2010767" y="3557243"/>
+            <a:ext cx="681434" cy="1402079"/>
+          </a:xfrm>
+          <a:prstGeom prst="straightConnector1">
+            <a:avLst/>
+          </a:prstGeom>
+          <a:ln>
+            <a:tailEnd type="triangle"/>
+          </a:ln>
+        </p:spPr>
+        <p:style>
+          <a:lnRef idx="3">
+            <a:schemeClr val="accent2"/>
+          </a:lnRef>
+          <a:fillRef idx="0">
+            <a:schemeClr val="accent2"/>
+          </a:fillRef>
+          <a:effectRef idx="2">
+            <a:schemeClr val="accent2"/>
+          </a:effectRef>
+          <a:fontRef idx="minor">
+            <a:schemeClr val="tx1"/>
+          </a:fontRef>
+        </p:style>
+      </p:cxnSp>
+      <p:sp>
+        <p:nvSpPr>
+          <p:cNvPr id="63" name="Dikdörtgen 62">
+            <a:extLst>
+              <a:ext uri="{FF2B5EF4-FFF2-40B4-BE49-F238E27FC236}">
+                <a16:creationId xmlns:a16="http://schemas.microsoft.com/office/drawing/2014/main" id="{B8D24E76-CE80-401B-B214-8A1D128F2D2E}"/>
+              </a:ext>
+            </a:extLst>
+          </p:cNvPr>
+          <p:cNvSpPr/>
+          <p:nvPr/>
+        </p:nvSpPr>
+        <p:spPr>
+          <a:xfrm>
+            <a:off x="565964" y="959727"/>
+            <a:ext cx="1188222" cy="400043"/>
+          </a:xfrm>
+          <a:prstGeom prst="rect">
+            <a:avLst/>
+          </a:prstGeom>
+        </p:spPr>
+        <p:style>
+          <a:lnRef idx="1">
+            <a:schemeClr val="accent3"/>
+          </a:lnRef>
+          <a:fillRef idx="2">
+            <a:schemeClr val="accent3"/>
+          </a:fillRef>
+          <a:effectRef idx="1">
+            <a:schemeClr val="accent3"/>
+          </a:effectRef>
+          <a:fontRef idx="minor">
+            <a:schemeClr val="dk1"/>
+          </a:fontRef>
+        </p:style>
+        <p:txBody>
+          <a:bodyPr rtlCol="0" anchor="ctr"/>
+          <a:lstStyle/>
+          <a:p>
+            <a:pPr algn="ctr"/>
+            <a:r>
+              <a:rPr lang="tr-TR" dirty="0" err="1"/>
+              <a:t>Input</a:t>
+            </a:r>
+            <a:endParaRPr lang="tr-TR" dirty="0"/>
+          </a:p>
+        </p:txBody>
+      </p:sp>
+      <p:sp>
+        <p:nvSpPr>
+          <p:cNvPr id="64" name="Dikdörtgen 63">
+            <a:extLst>
+              <a:ext uri="{FF2B5EF4-FFF2-40B4-BE49-F238E27FC236}">
+                <a16:creationId xmlns:a16="http://schemas.microsoft.com/office/drawing/2014/main" id="{700A4804-C89B-49A7-BC4A-C5852DEA5A97}"/>
+              </a:ext>
+            </a:extLst>
+          </p:cNvPr>
+          <p:cNvSpPr/>
+          <p:nvPr/>
+        </p:nvSpPr>
+        <p:spPr>
+          <a:xfrm>
+            <a:off x="2692201" y="975796"/>
+            <a:ext cx="1188222" cy="400043"/>
+          </a:xfrm>
+          <a:prstGeom prst="rect">
+            <a:avLst/>
+          </a:prstGeom>
+        </p:spPr>
+        <p:style>
+          <a:lnRef idx="1">
+            <a:schemeClr val="accent3"/>
+          </a:lnRef>
+          <a:fillRef idx="2">
+            <a:schemeClr val="accent3"/>
+          </a:fillRef>
+          <a:effectRef idx="1">
+            <a:schemeClr val="accent3"/>
+          </a:effectRef>
+          <a:fontRef idx="minor">
+            <a:schemeClr val="dk1"/>
+          </a:fontRef>
+        </p:style>
+        <p:txBody>
+          <a:bodyPr rtlCol="0" anchor="ctr"/>
+          <a:lstStyle/>
+          <a:p>
+            <a:pPr algn="ctr"/>
+            <a:r>
+              <a:rPr lang="tr-TR" dirty="0" err="1"/>
+              <a:t>Split</a:t>
+            </a:r>
+            <a:endParaRPr lang="tr-TR" dirty="0"/>
+          </a:p>
+        </p:txBody>
+      </p:sp>
+      <p:sp>
+        <p:nvSpPr>
+          <p:cNvPr id="65" name="Dikdörtgen 64">
+            <a:extLst>
+              <a:ext uri="{FF2B5EF4-FFF2-40B4-BE49-F238E27FC236}">
+                <a16:creationId xmlns:a16="http://schemas.microsoft.com/office/drawing/2014/main" id="{FCD785B9-A74E-49B3-855F-B97D408200AB}"/>
+              </a:ext>
+            </a:extLst>
+          </p:cNvPr>
+          <p:cNvSpPr/>
+          <p:nvPr/>
+        </p:nvSpPr>
+        <p:spPr>
+          <a:xfrm>
+            <a:off x="4500303" y="975796"/>
+            <a:ext cx="1188222" cy="400043"/>
+          </a:xfrm>
+          <a:prstGeom prst="rect">
+            <a:avLst/>
+          </a:prstGeom>
+        </p:spPr>
+        <p:style>
+          <a:lnRef idx="1">
+            <a:schemeClr val="accent3"/>
+          </a:lnRef>
+          <a:fillRef idx="2">
+            <a:schemeClr val="accent3"/>
+          </a:fillRef>
+          <a:effectRef idx="1">
+            <a:schemeClr val="accent3"/>
+          </a:effectRef>
+          <a:fontRef idx="minor">
+            <a:schemeClr val="dk1"/>
+          </a:fontRef>
+        </p:style>
+        <p:txBody>
+          <a:bodyPr rtlCol="0" anchor="ctr"/>
+          <a:lstStyle/>
+          <a:p>
+            <a:pPr algn="ctr"/>
+            <a:r>
+              <a:rPr lang="tr-TR" dirty="0"/>
+              <a:t>Map</a:t>
+            </a:r>
+          </a:p>
+        </p:txBody>
+      </p:sp>
+      <p:sp>
+        <p:nvSpPr>
+          <p:cNvPr id="66" name="Dikdörtgen 65">
+            <a:extLst>
+              <a:ext uri="{FF2B5EF4-FFF2-40B4-BE49-F238E27FC236}">
+                <a16:creationId xmlns:a16="http://schemas.microsoft.com/office/drawing/2014/main" id="{41444FFC-FD56-41BC-8E9A-C3C501E80BAA}"/>
+              </a:ext>
+            </a:extLst>
+          </p:cNvPr>
+          <p:cNvSpPr/>
+          <p:nvPr/>
+        </p:nvSpPr>
+        <p:spPr>
+          <a:xfrm>
+            <a:off x="6582330" y="1000984"/>
+            <a:ext cx="1644850" cy="400043"/>
+          </a:xfrm>
+          <a:prstGeom prst="rect">
+            <a:avLst/>
+          </a:prstGeom>
+        </p:spPr>
+        <p:style>
+          <a:lnRef idx="1">
+            <a:schemeClr val="accent3"/>
+          </a:lnRef>
+          <a:fillRef idx="2">
+            <a:schemeClr val="accent3"/>
+          </a:fillRef>
+          <a:effectRef idx="1">
+            <a:schemeClr val="accent3"/>
+          </a:effectRef>
+          <a:fontRef idx="minor">
+            <a:schemeClr val="dk1"/>
+          </a:fontRef>
+        </p:style>
+        <p:txBody>
+          <a:bodyPr rtlCol="0" anchor="ctr"/>
+          <a:lstStyle/>
+          <a:p>
+            <a:pPr algn="ctr"/>
+            <a:r>
+              <a:rPr lang="tr-TR" dirty="0" err="1"/>
+              <a:t>Shuffle-Sort</a:t>
+            </a:r>
+            <a:endParaRPr lang="tr-TR" dirty="0"/>
+          </a:p>
+        </p:txBody>
+      </p:sp>
+      <p:sp>
+        <p:nvSpPr>
+          <p:cNvPr id="67" name="Dikdörtgen 66">
+            <a:extLst>
+              <a:ext uri="{FF2B5EF4-FFF2-40B4-BE49-F238E27FC236}">
+                <a16:creationId xmlns:a16="http://schemas.microsoft.com/office/drawing/2014/main" id="{B21CF81C-138B-4C66-AE08-63494932E3BE}"/>
+              </a:ext>
+            </a:extLst>
+          </p:cNvPr>
+          <p:cNvSpPr/>
+          <p:nvPr/>
+        </p:nvSpPr>
+        <p:spPr>
+          <a:xfrm>
+            <a:off x="8664417" y="1014286"/>
+            <a:ext cx="1188222" cy="400043"/>
+          </a:xfrm>
+          <a:prstGeom prst="rect">
+            <a:avLst/>
+          </a:prstGeom>
+        </p:spPr>
+        <p:style>
+          <a:lnRef idx="1">
+            <a:schemeClr val="accent3"/>
+          </a:lnRef>
+          <a:fillRef idx="2">
+            <a:schemeClr val="accent3"/>
+          </a:fillRef>
+          <a:effectRef idx="1">
+            <a:schemeClr val="accent3"/>
+          </a:effectRef>
+          <a:fontRef idx="minor">
+            <a:schemeClr val="dk1"/>
+          </a:fontRef>
+        </p:style>
+        <p:txBody>
+          <a:bodyPr rtlCol="0" anchor="ctr"/>
+          <a:lstStyle/>
+          <a:p>
+            <a:pPr algn="ctr"/>
+            <a:r>
+              <a:rPr lang="tr-TR" dirty="0"/>
+              <a:t>Reduce</a:t>
+            </a:r>
+          </a:p>
+        </p:txBody>
+      </p:sp>
+      <p:sp>
+        <p:nvSpPr>
+          <p:cNvPr id="68" name="Dikdörtgen 67">
+            <a:extLst>
+              <a:ext uri="{FF2B5EF4-FFF2-40B4-BE49-F238E27FC236}">
+                <a16:creationId xmlns:a16="http://schemas.microsoft.com/office/drawing/2014/main" id="{2E2C7163-CD6F-44BA-85D8-D41C04BA2B27}"/>
+              </a:ext>
+            </a:extLst>
+          </p:cNvPr>
+          <p:cNvSpPr/>
+          <p:nvPr/>
+        </p:nvSpPr>
+        <p:spPr>
+          <a:xfrm>
+            <a:off x="4689728" y="1783975"/>
+            <a:ext cx="809372" cy="720000"/>
+          </a:xfrm>
+          <a:prstGeom prst="rect">
+            <a:avLst/>
+          </a:prstGeom>
+        </p:spPr>
+        <p:style>
+          <a:lnRef idx="2">
+            <a:schemeClr val="accent2">
+              <a:shade val="50000"/>
+            </a:schemeClr>
+          </a:lnRef>
+          <a:fillRef idx="1">
+            <a:schemeClr val="accent2"/>
+          </a:fillRef>
+          <a:effectRef idx="0">
+            <a:schemeClr val="accent2"/>
+          </a:effectRef>
+          <a:fontRef idx="minor">
+            <a:schemeClr val="lt1"/>
+          </a:fontRef>
+        </p:style>
+        <p:txBody>
+          <a:bodyPr rtlCol="0" anchor="ctr"/>
+          <a:lstStyle/>
+          <a:p>
+            <a:pPr algn="ctr"/>
+            <a:r>
+              <a:rPr lang="tr-TR" sz="1400" dirty="0"/>
+              <a:t>Ceviz, 1 Fındık, 1</a:t>
+            </a:r>
+          </a:p>
+          <a:p>
+            <a:pPr algn="ctr"/>
+            <a:r>
+              <a:rPr lang="tr-TR" sz="1400" dirty="0"/>
+              <a:t>Kaju, 1</a:t>
+            </a:r>
+          </a:p>
+        </p:txBody>
+      </p:sp>
+      <p:sp>
+        <p:nvSpPr>
+          <p:cNvPr id="69" name="Dikdörtgen 68">
+            <a:extLst>
+              <a:ext uri="{FF2B5EF4-FFF2-40B4-BE49-F238E27FC236}">
+                <a16:creationId xmlns:a16="http://schemas.microsoft.com/office/drawing/2014/main" id="{A752CFD7-095A-4A94-8392-FBC47F26A54C}"/>
+              </a:ext>
+            </a:extLst>
+          </p:cNvPr>
+          <p:cNvSpPr/>
+          <p:nvPr/>
+        </p:nvSpPr>
+        <p:spPr>
+          <a:xfrm>
+            <a:off x="4689728" y="2722424"/>
+            <a:ext cx="809372" cy="720000"/>
+          </a:xfrm>
+          <a:prstGeom prst="rect">
+            <a:avLst/>
+          </a:prstGeom>
+        </p:spPr>
+        <p:style>
+          <a:lnRef idx="2">
+            <a:schemeClr val="accent2">
+              <a:shade val="50000"/>
+            </a:schemeClr>
+          </a:lnRef>
+          <a:fillRef idx="1">
+            <a:schemeClr val="accent2"/>
+          </a:fillRef>
+          <a:effectRef idx="0">
+            <a:schemeClr val="accent2"/>
+          </a:effectRef>
+          <a:fontRef idx="minor">
+            <a:schemeClr val="lt1"/>
+          </a:fontRef>
+        </p:style>
+        <p:txBody>
+          <a:bodyPr rtlCol="0" anchor="ctr"/>
+          <a:lstStyle/>
+          <a:p>
+            <a:pPr algn="ctr"/>
+            <a:r>
+              <a:rPr lang="tr-TR" sz="1400" dirty="0"/>
+              <a:t>Ceviz, 1</a:t>
+            </a:r>
+          </a:p>
+          <a:p>
+            <a:pPr algn="ctr"/>
+            <a:r>
+              <a:rPr lang="tr-TR" sz="1400" dirty="0"/>
+              <a:t>Kaju, 1</a:t>
+            </a:r>
+          </a:p>
+          <a:p>
+            <a:pPr algn="ctr"/>
+            <a:r>
+              <a:rPr lang="tr-TR" sz="1400" dirty="0"/>
+              <a:t>Fındık, 1</a:t>
+            </a:r>
+          </a:p>
+        </p:txBody>
+      </p:sp>
+      <p:sp>
+        <p:nvSpPr>
+          <p:cNvPr id="70" name="Dikdörtgen 69">
+            <a:extLst>
+              <a:ext uri="{FF2B5EF4-FFF2-40B4-BE49-F238E27FC236}">
+                <a16:creationId xmlns:a16="http://schemas.microsoft.com/office/drawing/2014/main" id="{24C1350E-CE7E-4FF1-A004-75217644EECB}"/>
+              </a:ext>
+            </a:extLst>
+          </p:cNvPr>
+          <p:cNvSpPr/>
+          <p:nvPr/>
+        </p:nvSpPr>
+        <p:spPr>
+          <a:xfrm>
+            <a:off x="4689728" y="3660873"/>
+            <a:ext cx="809372" cy="720000"/>
+          </a:xfrm>
+          <a:prstGeom prst="rect">
+            <a:avLst/>
+          </a:prstGeom>
+        </p:spPr>
+        <p:style>
+          <a:lnRef idx="2">
+            <a:schemeClr val="accent2">
+              <a:shade val="50000"/>
+            </a:schemeClr>
+          </a:lnRef>
+          <a:fillRef idx="1">
+            <a:schemeClr val="accent2"/>
+          </a:fillRef>
+          <a:effectRef idx="0">
+            <a:schemeClr val="accent2"/>
+          </a:effectRef>
+          <a:fontRef idx="minor">
+            <a:schemeClr val="lt1"/>
+          </a:fontRef>
+        </p:style>
+        <p:txBody>
+          <a:bodyPr rtlCol="0" anchor="ctr"/>
+          <a:lstStyle/>
+          <a:p>
+            <a:pPr algn="ctr"/>
+            <a:r>
+              <a:rPr lang="tr-TR" sz="1400" dirty="0"/>
+              <a:t>Ceviz, 1</a:t>
+            </a:r>
+          </a:p>
+          <a:p>
+            <a:pPr algn="ctr"/>
+            <a:r>
+              <a:rPr lang="tr-TR" sz="1400" dirty="0"/>
+              <a:t>Ceviz, 1</a:t>
+            </a:r>
+          </a:p>
+          <a:p>
+            <a:pPr algn="ctr"/>
+            <a:r>
+              <a:rPr lang="tr-TR" sz="1400" dirty="0"/>
+              <a:t>Fındık, 1</a:t>
+            </a:r>
+          </a:p>
+        </p:txBody>
+      </p:sp>
+      <p:sp>
+        <p:nvSpPr>
+          <p:cNvPr id="71" name="Dikdörtgen 70">
+            <a:extLst>
+              <a:ext uri="{FF2B5EF4-FFF2-40B4-BE49-F238E27FC236}">
+                <a16:creationId xmlns:a16="http://schemas.microsoft.com/office/drawing/2014/main" id="{2CB0062A-5A52-40CD-99D5-3D229C9F0F99}"/>
+              </a:ext>
+            </a:extLst>
+          </p:cNvPr>
+          <p:cNvSpPr/>
+          <p:nvPr/>
+        </p:nvSpPr>
+        <p:spPr>
+          <a:xfrm>
+            <a:off x="4689728" y="4599322"/>
+            <a:ext cx="809372" cy="720000"/>
+          </a:xfrm>
+          <a:prstGeom prst="rect">
+            <a:avLst/>
+          </a:prstGeom>
+        </p:spPr>
+        <p:style>
+          <a:lnRef idx="2">
+            <a:schemeClr val="accent2">
+              <a:shade val="50000"/>
+            </a:schemeClr>
+          </a:lnRef>
+          <a:fillRef idx="1">
+            <a:schemeClr val="accent2"/>
+          </a:fillRef>
+          <a:effectRef idx="0">
+            <a:schemeClr val="accent2"/>
+          </a:effectRef>
+          <a:fontRef idx="minor">
+            <a:schemeClr val="lt1"/>
+          </a:fontRef>
+        </p:style>
+        <p:txBody>
+          <a:bodyPr rtlCol="0" anchor="ctr"/>
+          <a:lstStyle/>
+          <a:p>
+            <a:pPr algn="ctr"/>
+            <a:r>
+              <a:rPr lang="tr-TR" sz="1400" dirty="0"/>
+              <a:t>Kaju, 1</a:t>
+            </a:r>
+          </a:p>
+          <a:p>
+            <a:pPr algn="ctr"/>
+            <a:r>
+              <a:rPr lang="tr-TR" sz="1400" dirty="0"/>
+              <a:t>Üzüm, 1 Üzüm, 1</a:t>
+            </a:r>
+          </a:p>
+        </p:txBody>
+      </p:sp>
+      <p:cxnSp>
+        <p:nvCxnSpPr>
+          <p:cNvPr id="72" name="Düz Ok Bağlayıcısı 71">
+            <a:extLst>
+              <a:ext uri="{FF2B5EF4-FFF2-40B4-BE49-F238E27FC236}">
+                <a16:creationId xmlns:a16="http://schemas.microsoft.com/office/drawing/2014/main" id="{AF5A8CA2-1D62-485D-B662-80FFAD7390B9}"/>
+              </a:ext>
+            </a:extLst>
+          </p:cNvPr>
+          <p:cNvCxnSpPr>
+            <a:cxnSpLocks/>
+            <a:stCxn id="56" idx="3"/>
+            <a:endCxn id="71" idx="1"/>
+          </p:cNvCxnSpPr>
+          <p:nvPr/>
+        </p:nvCxnSpPr>
+        <p:spPr>
+          <a:xfrm>
+            <a:off x="3880423" y="4959322"/>
+            <a:ext cx="809305" cy="0"/>
+          </a:xfrm>
+          <a:prstGeom prst="straightConnector1">
+            <a:avLst/>
+          </a:prstGeom>
+          <a:ln>
+            <a:tailEnd type="triangle"/>
+          </a:ln>
+        </p:spPr>
+        <p:style>
+          <a:lnRef idx="3">
+            <a:schemeClr val="accent2"/>
+          </a:lnRef>
+          <a:fillRef idx="0">
+            <a:schemeClr val="accent2"/>
+          </a:fillRef>
+          <a:effectRef idx="2">
+            <a:schemeClr val="accent2"/>
+          </a:effectRef>
+          <a:fontRef idx="minor">
+            <a:schemeClr val="tx1"/>
+          </a:fontRef>
+        </p:style>
+      </p:cxnSp>
+      <p:cxnSp>
+        <p:nvCxnSpPr>
+          <p:cNvPr id="73" name="Düz Ok Bağlayıcısı 72">
+            <a:extLst>
+              <a:ext uri="{FF2B5EF4-FFF2-40B4-BE49-F238E27FC236}">
+                <a16:creationId xmlns:a16="http://schemas.microsoft.com/office/drawing/2014/main" id="{4AE9AB08-1989-4D88-AB94-F1AC6111F929}"/>
+              </a:ext>
+            </a:extLst>
+          </p:cNvPr>
+          <p:cNvCxnSpPr>
+            <a:cxnSpLocks/>
+            <a:stCxn id="55" idx="3"/>
+            <a:endCxn id="70" idx="1"/>
+          </p:cNvCxnSpPr>
+          <p:nvPr/>
+        </p:nvCxnSpPr>
+        <p:spPr>
+          <a:xfrm>
+            <a:off x="3864361" y="4020873"/>
+            <a:ext cx="825367" cy="0"/>
+          </a:xfrm>
+          <a:prstGeom prst="straightConnector1">
+            <a:avLst/>
+          </a:prstGeom>
+          <a:ln>
+            <a:tailEnd type="triangle"/>
+          </a:ln>
+        </p:spPr>
+        <p:style>
+          <a:lnRef idx="3">
+            <a:schemeClr val="accent2"/>
+          </a:lnRef>
+          <a:fillRef idx="0">
+            <a:schemeClr val="accent2"/>
+          </a:fillRef>
+          <a:effectRef idx="2">
+            <a:schemeClr val="accent2"/>
+          </a:effectRef>
+          <a:fontRef idx="minor">
+            <a:schemeClr val="tx1"/>
+          </a:fontRef>
+        </p:style>
+      </p:cxnSp>
+      <p:cxnSp>
+        <p:nvCxnSpPr>
+          <p:cNvPr id="74" name="Düz Ok Bağlayıcısı 73">
+            <a:extLst>
+              <a:ext uri="{FF2B5EF4-FFF2-40B4-BE49-F238E27FC236}">
+                <a16:creationId xmlns:a16="http://schemas.microsoft.com/office/drawing/2014/main" id="{5DB19DA8-DD0A-4EA6-8633-B9EF02734B89}"/>
+              </a:ext>
+            </a:extLst>
+          </p:cNvPr>
+          <p:cNvCxnSpPr>
+            <a:cxnSpLocks/>
+            <a:stCxn id="54" idx="3"/>
+            <a:endCxn id="69" idx="1"/>
+          </p:cNvCxnSpPr>
+          <p:nvPr/>
+        </p:nvCxnSpPr>
+        <p:spPr>
+          <a:xfrm>
+            <a:off x="3864361" y="3079886"/>
+            <a:ext cx="825367" cy="2538"/>
+          </a:xfrm>
+          <a:prstGeom prst="straightConnector1">
+            <a:avLst/>
+          </a:prstGeom>
+          <a:ln>
+            <a:tailEnd type="triangle"/>
+          </a:ln>
+        </p:spPr>
+        <p:style>
+          <a:lnRef idx="3">
+            <a:schemeClr val="accent2"/>
+          </a:lnRef>
+          <a:fillRef idx="0">
+            <a:schemeClr val="accent2"/>
+          </a:fillRef>
+          <a:effectRef idx="2">
+            <a:schemeClr val="accent2"/>
+          </a:effectRef>
+          <a:fontRef idx="minor">
+            <a:schemeClr val="tx1"/>
+          </a:fontRef>
+        </p:style>
+      </p:cxnSp>
+      <p:cxnSp>
+        <p:nvCxnSpPr>
+          <p:cNvPr id="75" name="Düz Ok Bağlayıcısı 74">
+            <a:extLst>
+              <a:ext uri="{FF2B5EF4-FFF2-40B4-BE49-F238E27FC236}">
+                <a16:creationId xmlns:a16="http://schemas.microsoft.com/office/drawing/2014/main" id="{43E0C194-4F1F-4F79-80AC-1370A358E077}"/>
+              </a:ext>
+            </a:extLst>
+          </p:cNvPr>
+          <p:cNvCxnSpPr>
+            <a:cxnSpLocks/>
+            <a:stCxn id="50" idx="3"/>
+            <a:endCxn id="68" idx="1"/>
+          </p:cNvCxnSpPr>
+          <p:nvPr/>
+        </p:nvCxnSpPr>
+        <p:spPr>
+          <a:xfrm>
+            <a:off x="3880423" y="2143975"/>
+            <a:ext cx="809305" cy="0"/>
+          </a:xfrm>
+          <a:prstGeom prst="straightConnector1">
+            <a:avLst/>
+          </a:prstGeom>
+          <a:ln>
+            <a:tailEnd type="triangle"/>
+          </a:ln>
+        </p:spPr>
+        <p:style>
+          <a:lnRef idx="3">
+            <a:schemeClr val="accent2"/>
+          </a:lnRef>
+          <a:fillRef idx="0">
+            <a:schemeClr val="accent2"/>
+          </a:fillRef>
+          <a:effectRef idx="2">
+            <a:schemeClr val="accent2"/>
+          </a:effectRef>
+          <a:fontRef idx="minor">
+            <a:schemeClr val="tx1"/>
+          </a:fontRef>
+        </p:style>
+      </p:cxnSp>
+      <p:sp>
+        <p:nvSpPr>
+          <p:cNvPr id="101" name="Dikdörtgen 100">
+            <a:extLst>
+              <a:ext uri="{FF2B5EF4-FFF2-40B4-BE49-F238E27FC236}">
+                <a16:creationId xmlns:a16="http://schemas.microsoft.com/office/drawing/2014/main" id="{CC4F0812-E9CA-4930-ABAF-B9C6DD0A32FA}"/>
+              </a:ext>
+            </a:extLst>
+          </p:cNvPr>
+          <p:cNvSpPr/>
+          <p:nvPr/>
+        </p:nvSpPr>
+        <p:spPr>
+          <a:xfrm>
+            <a:off x="6774005" y="2709000"/>
+            <a:ext cx="1261501" cy="720000"/>
+          </a:xfrm>
+          <a:prstGeom prst="rect">
+            <a:avLst/>
+          </a:prstGeom>
+        </p:spPr>
+        <p:style>
+          <a:lnRef idx="2">
+            <a:schemeClr val="accent6">
+              <a:shade val="50000"/>
+            </a:schemeClr>
+          </a:lnRef>
+          <a:fillRef idx="1">
+            <a:schemeClr val="accent6"/>
+          </a:fillRef>
+          <a:effectRef idx="0">
+            <a:schemeClr val="accent6"/>
+          </a:effectRef>
+          <a:fontRef idx="minor">
+            <a:schemeClr val="lt1"/>
+          </a:fontRef>
+        </p:style>
+        <p:txBody>
+          <a:bodyPr rtlCol="0" anchor="ctr"/>
+          <a:lstStyle/>
+          <a:p>
+            <a:pPr algn="ctr"/>
+            <a:r>
+              <a:rPr lang="tr-TR" sz="1400" dirty="0"/>
+              <a:t>Ceviz, (1,1,1,1)</a:t>
+            </a:r>
+          </a:p>
+          <a:p>
+            <a:pPr algn="ctr"/>
+            <a:r>
+              <a:rPr lang="tr-TR" sz="1400" dirty="0"/>
+              <a:t>Fındık,  (1,1,1)</a:t>
+            </a:r>
+          </a:p>
+        </p:txBody>
+      </p:sp>
+      <p:sp>
+        <p:nvSpPr>
+          <p:cNvPr id="102" name="Dikdörtgen 101">
+            <a:extLst>
+              <a:ext uri="{FF2B5EF4-FFF2-40B4-BE49-F238E27FC236}">
+                <a16:creationId xmlns:a16="http://schemas.microsoft.com/office/drawing/2014/main" id="{44C0A076-2542-42C1-AC43-CEB42D6B4A78}"/>
+              </a:ext>
+            </a:extLst>
+          </p:cNvPr>
+          <p:cNvSpPr/>
+          <p:nvPr/>
+        </p:nvSpPr>
+        <p:spPr>
+          <a:xfrm>
+            <a:off x="6774007" y="3647449"/>
+            <a:ext cx="1261500" cy="720000"/>
+          </a:xfrm>
+          <a:prstGeom prst="rect">
+            <a:avLst/>
+          </a:prstGeom>
+        </p:spPr>
+        <p:style>
+          <a:lnRef idx="2">
+            <a:schemeClr val="accent6">
+              <a:shade val="50000"/>
+            </a:schemeClr>
+          </a:lnRef>
+          <a:fillRef idx="1">
+            <a:schemeClr val="accent6"/>
+          </a:fillRef>
+          <a:effectRef idx="0">
+            <a:schemeClr val="accent6"/>
+          </a:effectRef>
+          <a:fontRef idx="minor">
+            <a:schemeClr val="lt1"/>
+          </a:fontRef>
+        </p:style>
+        <p:txBody>
+          <a:bodyPr rtlCol="0" anchor="ctr"/>
+          <a:lstStyle/>
+          <a:p>
+            <a:pPr algn="ctr"/>
+            <a:r>
+              <a:rPr lang="tr-TR" sz="1400" dirty="0"/>
+              <a:t>Kaju, (1,1,1) </a:t>
+            </a:r>
+          </a:p>
+          <a:p>
+            <a:pPr algn="ctr"/>
+            <a:r>
+              <a:rPr lang="tr-TR" sz="1400" dirty="0"/>
+              <a:t>Üzüm, (1,1)</a:t>
+            </a:r>
+          </a:p>
+        </p:txBody>
+      </p:sp>
+      <p:cxnSp>
+        <p:nvCxnSpPr>
+          <p:cNvPr id="103" name="Düz Ok Bağlayıcısı 102">
+            <a:extLst>
+              <a:ext uri="{FF2B5EF4-FFF2-40B4-BE49-F238E27FC236}">
+                <a16:creationId xmlns:a16="http://schemas.microsoft.com/office/drawing/2014/main" id="{C7A294CF-447A-4277-8939-C7CE495696F2}"/>
+              </a:ext>
+            </a:extLst>
+          </p:cNvPr>
+          <p:cNvCxnSpPr>
+            <a:cxnSpLocks/>
+            <a:stCxn id="68" idx="3"/>
+            <a:endCxn id="101" idx="1"/>
+          </p:cNvCxnSpPr>
+          <p:nvPr/>
+        </p:nvCxnSpPr>
+        <p:spPr>
+          <a:xfrm>
+            <a:off x="5499100" y="2143975"/>
+            <a:ext cx="1274905" cy="925025"/>
+          </a:xfrm>
+          <a:prstGeom prst="straightConnector1">
+            <a:avLst/>
+          </a:prstGeom>
+          <a:ln>
+            <a:tailEnd type="triangle"/>
+          </a:ln>
+        </p:spPr>
+        <p:style>
+          <a:lnRef idx="3">
+            <a:schemeClr val="accent2"/>
+          </a:lnRef>
+          <a:fillRef idx="0">
+            <a:schemeClr val="accent2"/>
+          </a:fillRef>
+          <a:effectRef idx="2">
+            <a:schemeClr val="accent2"/>
+          </a:effectRef>
+          <a:fontRef idx="minor">
+            <a:schemeClr val="tx1"/>
+          </a:fontRef>
+        </p:style>
+      </p:cxnSp>
+      <p:cxnSp>
+        <p:nvCxnSpPr>
+          <p:cNvPr id="106" name="Düz Ok Bağlayıcısı 105">
+            <a:extLst>
+              <a:ext uri="{FF2B5EF4-FFF2-40B4-BE49-F238E27FC236}">
+                <a16:creationId xmlns:a16="http://schemas.microsoft.com/office/drawing/2014/main" id="{6E0F697E-58C0-4C0F-9B75-947A80E4FE15}"/>
+              </a:ext>
+            </a:extLst>
+          </p:cNvPr>
+          <p:cNvCxnSpPr>
+            <a:cxnSpLocks/>
+            <a:stCxn id="69" idx="3"/>
+            <a:endCxn id="101" idx="1"/>
+          </p:cNvCxnSpPr>
+          <p:nvPr/>
+        </p:nvCxnSpPr>
+        <p:spPr>
+          <a:xfrm flipV="1">
+            <a:off x="5499100" y="3069000"/>
+            <a:ext cx="1274905" cy="13424"/>
+          </a:xfrm>
+          <a:prstGeom prst="straightConnector1">
+            <a:avLst/>
+          </a:prstGeom>
+          <a:ln>
+            <a:tailEnd type="triangle"/>
+          </a:ln>
+        </p:spPr>
+        <p:style>
+          <a:lnRef idx="3">
+            <a:schemeClr val="accent2"/>
+          </a:lnRef>
+          <a:fillRef idx="0">
+            <a:schemeClr val="accent2"/>
+          </a:fillRef>
+          <a:effectRef idx="2">
+            <a:schemeClr val="accent2"/>
+          </a:effectRef>
+          <a:fontRef idx="minor">
+            <a:schemeClr val="tx1"/>
+          </a:fontRef>
+        </p:style>
+      </p:cxnSp>
+      <p:cxnSp>
+        <p:nvCxnSpPr>
+          <p:cNvPr id="110" name="Düz Ok Bağlayıcısı 109">
+            <a:extLst>
+              <a:ext uri="{FF2B5EF4-FFF2-40B4-BE49-F238E27FC236}">
+                <a16:creationId xmlns:a16="http://schemas.microsoft.com/office/drawing/2014/main" id="{40C6AE2E-6799-4EBF-91D6-C8DAA028DE80}"/>
+              </a:ext>
+            </a:extLst>
+          </p:cNvPr>
+          <p:cNvCxnSpPr>
+            <a:cxnSpLocks/>
+            <a:stCxn id="70" idx="3"/>
+            <a:endCxn id="101" idx="1"/>
+          </p:cNvCxnSpPr>
+          <p:nvPr/>
+        </p:nvCxnSpPr>
+        <p:spPr>
+          <a:xfrm flipV="1">
+            <a:off x="5499100" y="3069000"/>
+            <a:ext cx="1274905" cy="951873"/>
+          </a:xfrm>
+          <a:prstGeom prst="straightConnector1">
+            <a:avLst/>
+          </a:prstGeom>
+          <a:ln>
+            <a:tailEnd type="triangle"/>
+          </a:ln>
+        </p:spPr>
+        <p:style>
+          <a:lnRef idx="3">
+            <a:schemeClr val="accent2"/>
+          </a:lnRef>
+          <a:fillRef idx="0">
+            <a:schemeClr val="accent2"/>
+          </a:fillRef>
+          <a:effectRef idx="2">
+            <a:schemeClr val="accent2"/>
+          </a:effectRef>
+          <a:fontRef idx="minor">
+            <a:schemeClr val="tx1"/>
+          </a:fontRef>
+        </p:style>
+      </p:cxnSp>
+      <p:cxnSp>
+        <p:nvCxnSpPr>
+          <p:cNvPr id="114" name="Düz Ok Bağlayıcısı 113">
+            <a:extLst>
+              <a:ext uri="{FF2B5EF4-FFF2-40B4-BE49-F238E27FC236}">
+                <a16:creationId xmlns:a16="http://schemas.microsoft.com/office/drawing/2014/main" id="{B2BBC85F-31BF-430F-8F38-4DFDE69FEE8A}"/>
+              </a:ext>
+            </a:extLst>
+          </p:cNvPr>
+          <p:cNvCxnSpPr>
+            <a:cxnSpLocks/>
+            <a:stCxn id="68" idx="3"/>
+            <a:endCxn id="102" idx="1"/>
+          </p:cNvCxnSpPr>
+          <p:nvPr/>
+        </p:nvCxnSpPr>
+        <p:spPr>
+          <a:xfrm>
+            <a:off x="5499100" y="2143975"/>
+            <a:ext cx="1274907" cy="1863474"/>
+          </a:xfrm>
+          <a:prstGeom prst="straightConnector1">
+            <a:avLst/>
+          </a:prstGeom>
+          <a:ln>
+            <a:tailEnd type="triangle"/>
+          </a:ln>
+        </p:spPr>
+        <p:style>
+          <a:lnRef idx="3">
+            <a:schemeClr val="accent2"/>
+          </a:lnRef>
+          <a:fillRef idx="0">
+            <a:schemeClr val="accent2"/>
+          </a:fillRef>
+          <a:effectRef idx="2">
+            <a:schemeClr val="accent2"/>
+          </a:effectRef>
+          <a:fontRef idx="minor">
+            <a:schemeClr val="tx1"/>
+          </a:fontRef>
+        </p:style>
+      </p:cxnSp>
+      <p:cxnSp>
+        <p:nvCxnSpPr>
+          <p:cNvPr id="117" name="Düz Ok Bağlayıcısı 116">
+            <a:extLst>
+              <a:ext uri="{FF2B5EF4-FFF2-40B4-BE49-F238E27FC236}">
+                <a16:creationId xmlns:a16="http://schemas.microsoft.com/office/drawing/2014/main" id="{90414068-40ED-412F-8A1D-1610DEFCB415}"/>
+              </a:ext>
+            </a:extLst>
+          </p:cNvPr>
+          <p:cNvCxnSpPr>
+            <a:cxnSpLocks/>
+            <a:stCxn id="69" idx="3"/>
+            <a:endCxn id="102" idx="1"/>
+          </p:cNvCxnSpPr>
+          <p:nvPr/>
+        </p:nvCxnSpPr>
+        <p:spPr>
+          <a:xfrm>
+            <a:off x="5499100" y="3082424"/>
+            <a:ext cx="1274907" cy="925025"/>
+          </a:xfrm>
+          <a:prstGeom prst="straightConnector1">
+            <a:avLst/>
+          </a:prstGeom>
+          <a:ln>
+            <a:tailEnd type="triangle"/>
+          </a:ln>
+        </p:spPr>
+        <p:style>
+          <a:lnRef idx="3">
+            <a:schemeClr val="accent2"/>
+          </a:lnRef>
+          <a:fillRef idx="0">
+            <a:schemeClr val="accent2"/>
+          </a:fillRef>
+          <a:effectRef idx="2">
+            <a:schemeClr val="accent2"/>
+          </a:effectRef>
+          <a:fontRef idx="minor">
+            <a:schemeClr val="tx1"/>
+          </a:fontRef>
+        </p:style>
+      </p:cxnSp>
+      <p:cxnSp>
+        <p:nvCxnSpPr>
+          <p:cNvPr id="120" name="Düz Ok Bağlayıcısı 119">
+            <a:extLst>
+              <a:ext uri="{FF2B5EF4-FFF2-40B4-BE49-F238E27FC236}">
+                <a16:creationId xmlns:a16="http://schemas.microsoft.com/office/drawing/2014/main" id="{04465921-01D4-46B9-8491-5F2EB2FD1B06}"/>
+              </a:ext>
+            </a:extLst>
+          </p:cNvPr>
+          <p:cNvCxnSpPr>
+            <a:cxnSpLocks/>
+            <a:stCxn id="71" idx="3"/>
+            <a:endCxn id="102" idx="1"/>
+          </p:cNvCxnSpPr>
+          <p:nvPr/>
+        </p:nvCxnSpPr>
+        <p:spPr>
+          <a:xfrm flipV="1">
+            <a:off x="5499100" y="4007449"/>
+            <a:ext cx="1274907" cy="951873"/>
+          </a:xfrm>
+          <a:prstGeom prst="straightConnector1">
+            <a:avLst/>
+          </a:prstGeom>
+          <a:ln>
+            <a:tailEnd type="triangle"/>
+          </a:ln>
+        </p:spPr>
+        <p:style>
+          <a:lnRef idx="3">
+            <a:schemeClr val="accent2"/>
+          </a:lnRef>
+          <a:fillRef idx="0">
+            <a:schemeClr val="accent2"/>
+          </a:fillRef>
+          <a:effectRef idx="2">
+            <a:schemeClr val="accent2"/>
+          </a:effectRef>
+          <a:fontRef idx="minor">
+            <a:schemeClr val="tx1"/>
+          </a:fontRef>
+        </p:style>
+      </p:cxnSp>
+      <p:sp>
+        <p:nvSpPr>
+          <p:cNvPr id="126" name="Dikdörtgen 125">
+            <a:extLst>
+              <a:ext uri="{FF2B5EF4-FFF2-40B4-BE49-F238E27FC236}">
+                <a16:creationId xmlns:a16="http://schemas.microsoft.com/office/drawing/2014/main" id="{39190291-19A1-4EE7-9C74-6EB369415874}"/>
+              </a:ext>
+            </a:extLst>
+          </p:cNvPr>
+          <p:cNvSpPr/>
+          <p:nvPr/>
+        </p:nvSpPr>
+        <p:spPr>
+          <a:xfrm>
+            <a:off x="8894149" y="2709000"/>
+            <a:ext cx="832523" cy="720000"/>
+          </a:xfrm>
+          <a:prstGeom prst="rect">
+            <a:avLst/>
+          </a:prstGeom>
+        </p:spPr>
+        <p:style>
+          <a:lnRef idx="2">
+            <a:schemeClr val="accent5">
+              <a:shade val="50000"/>
+            </a:schemeClr>
+          </a:lnRef>
+          <a:fillRef idx="1">
+            <a:schemeClr val="accent5"/>
+          </a:fillRef>
+          <a:effectRef idx="0">
+            <a:schemeClr val="accent5"/>
+          </a:effectRef>
+          <a:fontRef idx="minor">
+            <a:schemeClr val="lt1"/>
+          </a:fontRef>
+        </p:style>
+        <p:txBody>
+          <a:bodyPr rtlCol="0" anchor="ctr"/>
+          <a:lstStyle/>
+          <a:p>
+            <a:pPr algn="ctr"/>
+            <a:r>
+              <a:rPr lang="tr-TR" sz="1400" dirty="0"/>
+              <a:t>Ceviz, 4</a:t>
+            </a:r>
+          </a:p>
+          <a:p>
+            <a:pPr algn="ctr"/>
+            <a:r>
+              <a:rPr lang="tr-TR" sz="1400" dirty="0"/>
+              <a:t>Fındık, 3</a:t>
+            </a:r>
+          </a:p>
+        </p:txBody>
+      </p:sp>
+      <p:sp>
+        <p:nvSpPr>
+          <p:cNvPr id="127" name="Dikdörtgen 126">
+            <a:extLst>
+              <a:ext uri="{FF2B5EF4-FFF2-40B4-BE49-F238E27FC236}">
+                <a16:creationId xmlns:a16="http://schemas.microsoft.com/office/drawing/2014/main" id="{755FA4EB-9246-46A1-ACAF-36408D6480AB}"/>
+              </a:ext>
+            </a:extLst>
+          </p:cNvPr>
+          <p:cNvSpPr/>
+          <p:nvPr/>
+        </p:nvSpPr>
+        <p:spPr>
+          <a:xfrm>
+            <a:off x="8893067" y="3660873"/>
+            <a:ext cx="832522" cy="720000"/>
+          </a:xfrm>
+          <a:prstGeom prst="rect">
+            <a:avLst/>
+          </a:prstGeom>
+        </p:spPr>
+        <p:style>
+          <a:lnRef idx="2">
+            <a:schemeClr val="accent5">
+              <a:shade val="50000"/>
+            </a:schemeClr>
+          </a:lnRef>
+          <a:fillRef idx="1">
+            <a:schemeClr val="accent5"/>
+          </a:fillRef>
+          <a:effectRef idx="0">
+            <a:schemeClr val="accent5"/>
+          </a:effectRef>
+          <a:fontRef idx="minor">
+            <a:schemeClr val="lt1"/>
+          </a:fontRef>
+        </p:style>
+        <p:txBody>
+          <a:bodyPr rtlCol="0" anchor="ctr"/>
+          <a:lstStyle/>
+          <a:p>
+            <a:pPr algn="ctr"/>
+            <a:r>
+              <a:rPr lang="tr-TR" sz="1400" dirty="0"/>
+              <a:t>Kaju, 3</a:t>
+            </a:r>
+          </a:p>
+          <a:p>
+            <a:pPr algn="ctr"/>
+            <a:r>
+              <a:rPr lang="tr-TR" sz="1400" dirty="0"/>
+              <a:t>Üzüm, 2</a:t>
+            </a:r>
+          </a:p>
+        </p:txBody>
+      </p:sp>
+      <p:sp>
+        <p:nvSpPr>
+          <p:cNvPr id="144" name="Dikdörtgen 143">
+            <a:extLst>
+              <a:ext uri="{FF2B5EF4-FFF2-40B4-BE49-F238E27FC236}">
+                <a16:creationId xmlns:a16="http://schemas.microsoft.com/office/drawing/2014/main" id="{7CB7795E-BD62-487E-A9B2-B5833EFA1464}"/>
+              </a:ext>
+            </a:extLst>
+          </p:cNvPr>
+          <p:cNvSpPr/>
+          <p:nvPr/>
+        </p:nvSpPr>
+        <p:spPr>
+          <a:xfrm>
+            <a:off x="10437814" y="1014286"/>
+            <a:ext cx="1188222" cy="400043"/>
+          </a:xfrm>
+          <a:prstGeom prst="rect">
+            <a:avLst/>
+          </a:prstGeom>
+        </p:spPr>
+        <p:style>
+          <a:lnRef idx="1">
+            <a:schemeClr val="accent3"/>
+          </a:lnRef>
+          <a:fillRef idx="2">
+            <a:schemeClr val="accent3"/>
+          </a:fillRef>
+          <a:effectRef idx="1">
+            <a:schemeClr val="accent3"/>
+          </a:effectRef>
+          <a:fontRef idx="minor">
+            <a:schemeClr val="dk1"/>
+          </a:fontRef>
+        </p:style>
+        <p:txBody>
+          <a:bodyPr rtlCol="0" anchor="ctr"/>
+          <a:lstStyle/>
+          <a:p>
+            <a:pPr algn="ctr"/>
+            <a:r>
+              <a:rPr lang="tr-TR" dirty="0" err="1"/>
+              <a:t>Result</a:t>
+            </a:r>
+            <a:endParaRPr lang="tr-TR" dirty="0"/>
+          </a:p>
+        </p:txBody>
+      </p:sp>
+      <p:cxnSp>
+        <p:nvCxnSpPr>
+          <p:cNvPr id="145" name="Düz Ok Bağlayıcısı 144">
+            <a:extLst>
+              <a:ext uri="{FF2B5EF4-FFF2-40B4-BE49-F238E27FC236}">
+                <a16:creationId xmlns:a16="http://schemas.microsoft.com/office/drawing/2014/main" id="{266239EE-B20C-4C73-B2CC-07BB9EE988BD}"/>
+              </a:ext>
+            </a:extLst>
+          </p:cNvPr>
+          <p:cNvCxnSpPr>
+            <a:cxnSpLocks/>
+            <a:stCxn id="101" idx="3"/>
+            <a:endCxn id="126" idx="1"/>
+          </p:cNvCxnSpPr>
+          <p:nvPr/>
+        </p:nvCxnSpPr>
+        <p:spPr>
+          <a:xfrm>
+            <a:off x="8035506" y="3069000"/>
+            <a:ext cx="858643" cy="0"/>
+          </a:xfrm>
+          <a:prstGeom prst="straightConnector1">
+            <a:avLst/>
+          </a:prstGeom>
+          <a:ln>
+            <a:tailEnd type="triangle"/>
+          </a:ln>
+        </p:spPr>
+        <p:style>
+          <a:lnRef idx="3">
+            <a:schemeClr val="accent2"/>
+          </a:lnRef>
+          <a:fillRef idx="0">
+            <a:schemeClr val="accent2"/>
+          </a:fillRef>
+          <a:effectRef idx="2">
+            <a:schemeClr val="accent2"/>
+          </a:effectRef>
+          <a:fontRef idx="minor">
+            <a:schemeClr val="tx1"/>
+          </a:fontRef>
+        </p:style>
+      </p:cxnSp>
+      <p:cxnSp>
+        <p:nvCxnSpPr>
+          <p:cNvPr id="149" name="Düz Ok Bağlayıcısı 148">
+            <a:extLst>
+              <a:ext uri="{FF2B5EF4-FFF2-40B4-BE49-F238E27FC236}">
+                <a16:creationId xmlns:a16="http://schemas.microsoft.com/office/drawing/2014/main" id="{20B773D0-53EA-4682-831C-EA74C2B1557D}"/>
+              </a:ext>
+            </a:extLst>
+          </p:cNvPr>
+          <p:cNvCxnSpPr>
+            <a:cxnSpLocks/>
+            <a:stCxn id="102" idx="3"/>
+            <a:endCxn id="127" idx="1"/>
+          </p:cNvCxnSpPr>
+          <p:nvPr/>
+        </p:nvCxnSpPr>
+        <p:spPr>
+          <a:xfrm>
+            <a:off x="8035507" y="4007449"/>
+            <a:ext cx="857560" cy="13424"/>
+          </a:xfrm>
+          <a:prstGeom prst="straightConnector1">
+            <a:avLst/>
+          </a:prstGeom>
+          <a:ln>
+            <a:tailEnd type="triangle"/>
+          </a:ln>
+        </p:spPr>
+        <p:style>
+          <a:lnRef idx="3">
+            <a:schemeClr val="accent2"/>
+          </a:lnRef>
+          <a:fillRef idx="0">
+            <a:schemeClr val="accent2"/>
+          </a:fillRef>
+          <a:effectRef idx="2">
+            <a:schemeClr val="accent2"/>
+          </a:effectRef>
+          <a:fontRef idx="minor">
+            <a:schemeClr val="tx1"/>
+          </a:fontRef>
+        </p:style>
+      </p:cxnSp>
+      <p:sp>
+        <p:nvSpPr>
+          <p:cNvPr id="153" name="Dikdörtgen 152">
+            <a:extLst>
+              <a:ext uri="{FF2B5EF4-FFF2-40B4-BE49-F238E27FC236}">
+                <a16:creationId xmlns:a16="http://schemas.microsoft.com/office/drawing/2014/main" id="{2DC541EF-0867-4666-816A-5DEC49E8ABBC}"/>
+              </a:ext>
+            </a:extLst>
+          </p:cNvPr>
+          <p:cNvSpPr/>
+          <p:nvPr/>
+        </p:nvSpPr>
+        <p:spPr>
+          <a:xfrm>
+            <a:off x="10583149" y="2994225"/>
+            <a:ext cx="832523" cy="1195935"/>
+          </a:xfrm>
+          <a:prstGeom prst="rect">
+            <a:avLst/>
+          </a:prstGeom>
+        </p:spPr>
+        <p:style>
+          <a:lnRef idx="1">
+            <a:schemeClr val="accent2"/>
+          </a:lnRef>
+          <a:fillRef idx="2">
+            <a:schemeClr val="accent2"/>
+          </a:fillRef>
+          <a:effectRef idx="1">
+            <a:schemeClr val="accent2"/>
+          </a:effectRef>
+          <a:fontRef idx="minor">
+            <a:schemeClr val="dk1"/>
+          </a:fontRef>
+        </p:style>
+        <p:txBody>
+          <a:bodyPr rtlCol="0" anchor="ctr"/>
+          <a:lstStyle/>
+          <a:p>
+            <a:pPr algn="ctr"/>
+            <a:r>
+              <a:rPr lang="tr-TR" sz="1400" dirty="0"/>
+              <a:t>Ceviz, 4</a:t>
+            </a:r>
+          </a:p>
+          <a:p>
+            <a:pPr algn="ctr"/>
+            <a:r>
+              <a:rPr lang="tr-TR" sz="1400" dirty="0"/>
+              <a:t>Fındık, 3</a:t>
+            </a:r>
+          </a:p>
+          <a:p>
+            <a:pPr algn="ctr"/>
+            <a:r>
+              <a:rPr lang="tr-TR" sz="1400" dirty="0"/>
+              <a:t>Kaju, 3</a:t>
+            </a:r>
+          </a:p>
+          <a:p>
+            <a:pPr algn="ctr"/>
+            <a:r>
+              <a:rPr lang="tr-TR" sz="1400" dirty="0"/>
+              <a:t>Üzüm, 2</a:t>
+            </a:r>
+          </a:p>
+        </p:txBody>
+      </p:sp>
+      <p:cxnSp>
+        <p:nvCxnSpPr>
+          <p:cNvPr id="154" name="Düz Ok Bağlayıcısı 153">
+            <a:extLst>
+              <a:ext uri="{FF2B5EF4-FFF2-40B4-BE49-F238E27FC236}">
+                <a16:creationId xmlns:a16="http://schemas.microsoft.com/office/drawing/2014/main" id="{44814D86-7A29-4636-8955-EEEAFBF21E99}"/>
+              </a:ext>
+            </a:extLst>
+          </p:cNvPr>
+          <p:cNvCxnSpPr>
+            <a:cxnSpLocks/>
+            <a:stCxn id="127" idx="3"/>
+            <a:endCxn id="153" idx="1"/>
+          </p:cNvCxnSpPr>
+          <p:nvPr/>
+        </p:nvCxnSpPr>
+        <p:spPr>
+          <a:xfrm flipV="1">
+            <a:off x="9725589" y="3592193"/>
+            <a:ext cx="857560" cy="428680"/>
+          </a:xfrm>
+          <a:prstGeom prst="straightConnector1">
+            <a:avLst/>
+          </a:prstGeom>
+          <a:ln>
+            <a:tailEnd type="triangle"/>
+          </a:ln>
+        </p:spPr>
+        <p:style>
+          <a:lnRef idx="3">
+            <a:schemeClr val="accent2"/>
+          </a:lnRef>
+          <a:fillRef idx="0">
+            <a:schemeClr val="accent2"/>
+          </a:fillRef>
+          <a:effectRef idx="2">
+            <a:schemeClr val="accent2"/>
+          </a:effectRef>
+          <a:fontRef idx="minor">
+            <a:schemeClr val="tx1"/>
+          </a:fontRef>
+        </p:style>
+      </p:cxnSp>
+      <p:cxnSp>
+        <p:nvCxnSpPr>
+          <p:cNvPr id="157" name="Düz Ok Bağlayıcısı 156">
+            <a:extLst>
+              <a:ext uri="{FF2B5EF4-FFF2-40B4-BE49-F238E27FC236}">
+                <a16:creationId xmlns:a16="http://schemas.microsoft.com/office/drawing/2014/main" id="{99510985-C232-4D8C-A12F-38B0EBF98EFF}"/>
+              </a:ext>
+            </a:extLst>
+          </p:cNvPr>
+          <p:cNvCxnSpPr>
+            <a:cxnSpLocks/>
+            <a:stCxn id="126" idx="3"/>
+            <a:endCxn id="153" idx="1"/>
+          </p:cNvCxnSpPr>
+          <p:nvPr/>
+        </p:nvCxnSpPr>
+        <p:spPr>
+          <a:xfrm>
+            <a:off x="9726672" y="3069000"/>
+            <a:ext cx="856477" cy="523193"/>
+          </a:xfrm>
+          <a:prstGeom prst="straightConnector1">
+            <a:avLst/>
+          </a:prstGeom>
+          <a:ln>
+            <a:tailEnd type="triangle"/>
+          </a:ln>
+        </p:spPr>
+        <p:style>
+          <a:lnRef idx="3">
+            <a:schemeClr val="accent2"/>
+          </a:lnRef>
+          <a:fillRef idx="0">
+            <a:schemeClr val="accent2"/>
+          </a:fillRef>
+          <a:effectRef idx="2">
+            <a:schemeClr val="accent2"/>
+          </a:effectRef>
+          <a:fontRef idx="minor">
+            <a:schemeClr val="tx1"/>
+          </a:fontRef>
+        </p:style>
+      </p:cxnSp>
     </p:spTree>
     <p:extLst>
       <p:ext uri="{BB962C8B-B14F-4D97-AF65-F5344CB8AC3E}">
-        <p14:creationId xmlns:p14="http://schemas.microsoft.com/office/powerpoint/2010/main" val="2116207015"/>
+        <p14:creationId xmlns:p14="http://schemas.microsoft.com/office/powerpoint/2010/main" val="1043619087"/>
       </p:ext>
     </p:extLst>
   </p:cSld>
   <p:clrMapOvr>
     <a:masterClrMapping/>
   </p:clrMapOvr>
+  <p:timing>
+    <p:tnLst>
+      <p:par>
+        <p:cTn id="1" dur="indefinite" restart="never" nodeType="tmRoot">
+          <p:childTnLst>
+            <p:seq concurrent="1" nextAc="seek">
+              <p:cTn id="2" dur="indefinite" nodeType="mainSeq">
+                <p:childTnLst>
+                  <p:par>
+                    <p:cTn id="3" fill="hold">
+                      <p:stCondLst>
+                        <p:cond delay="indefinite"/>
+                      </p:stCondLst>
+                      <p:childTnLst>
+                        <p:par>
+                          <p:cTn id="4" fill="hold">
+                            <p:stCondLst>
+                              <p:cond delay="0"/>
+                            </p:stCondLst>
+                            <p:childTnLst>
+                              <p:par>
+                                <p:cTn id="5" presetID="53" presetClass="entr" presetSubtype="16" fill="hold" grpId="0" nodeType="clickEffect">
+                                  <p:stCondLst>
+                                    <p:cond delay="0"/>
+                                  </p:stCondLst>
+                                  <p:childTnLst>
+                                    <p:set>
+                                      <p:cBhvr>
+                                        <p:cTn id="6" dur="1" fill="hold">
+                                          <p:stCondLst>
+                                            <p:cond delay="0"/>
+                                          </p:stCondLst>
+                                        </p:cTn>
+                                        <p:tgtEl>
+                                          <p:spTgt spid="63"/>
+                                        </p:tgtEl>
+                                        <p:attrNameLst>
+                                          <p:attrName>style.visibility</p:attrName>
+                                        </p:attrNameLst>
+                                      </p:cBhvr>
+                                      <p:to>
+                                        <p:strVal val="visible"/>
+                                      </p:to>
+                                    </p:set>
+                                    <p:anim calcmode="lin" valueType="num">
+                                      <p:cBhvr>
+                                        <p:cTn id="7" dur="500" fill="hold"/>
+                                        <p:tgtEl>
+                                          <p:spTgt spid="63"/>
+                                        </p:tgtEl>
+                                        <p:attrNameLst>
+                                          <p:attrName>ppt_w</p:attrName>
+                                        </p:attrNameLst>
+                                      </p:cBhvr>
+                                      <p:tavLst>
+                                        <p:tav tm="0">
+                                          <p:val>
+                                            <p:fltVal val="0"/>
+                                          </p:val>
+                                        </p:tav>
+                                        <p:tav tm="100000">
+                                          <p:val>
+                                            <p:strVal val="#ppt_w"/>
+                                          </p:val>
+                                        </p:tav>
+                                      </p:tavLst>
+                                    </p:anim>
+                                    <p:anim calcmode="lin" valueType="num">
+                                      <p:cBhvr>
+                                        <p:cTn id="8" dur="500" fill="hold"/>
+                                        <p:tgtEl>
+                                          <p:spTgt spid="63"/>
+                                        </p:tgtEl>
+                                        <p:attrNameLst>
+                                          <p:attrName>ppt_h</p:attrName>
+                                        </p:attrNameLst>
+                                      </p:cBhvr>
+                                      <p:tavLst>
+                                        <p:tav tm="0">
+                                          <p:val>
+                                            <p:fltVal val="0"/>
+                                          </p:val>
+                                        </p:tav>
+                                        <p:tav tm="100000">
+                                          <p:val>
+                                            <p:strVal val="#ppt_h"/>
+                                          </p:val>
+                                        </p:tav>
+                                      </p:tavLst>
+                                    </p:anim>
+                                    <p:animEffect transition="in" filter="fade">
+                                      <p:cBhvr>
+                                        <p:cTn id="9" dur="500"/>
+                                        <p:tgtEl>
+                                          <p:spTgt spid="63"/>
+                                        </p:tgtEl>
+                                      </p:cBhvr>
+                                    </p:animEffect>
+                                  </p:childTnLst>
+                                </p:cTn>
+                              </p:par>
+                              <p:par>
+                                <p:cTn id="10" presetID="53" presetClass="entr" presetSubtype="16" fill="hold" grpId="0" nodeType="withEffect">
+                                  <p:stCondLst>
+                                    <p:cond delay="0"/>
+                                  </p:stCondLst>
+                                  <p:childTnLst>
+                                    <p:set>
+                                      <p:cBhvr>
+                                        <p:cTn id="11" dur="1" fill="hold">
+                                          <p:stCondLst>
+                                            <p:cond delay="0"/>
+                                          </p:stCondLst>
+                                        </p:cTn>
+                                        <p:tgtEl>
+                                          <p:spTgt spid="49"/>
+                                        </p:tgtEl>
+                                        <p:attrNameLst>
+                                          <p:attrName>style.visibility</p:attrName>
+                                        </p:attrNameLst>
+                                      </p:cBhvr>
+                                      <p:to>
+                                        <p:strVal val="visible"/>
+                                      </p:to>
+                                    </p:set>
+                                    <p:anim calcmode="lin" valueType="num">
+                                      <p:cBhvr>
+                                        <p:cTn id="12" dur="500" fill="hold"/>
+                                        <p:tgtEl>
+                                          <p:spTgt spid="49"/>
+                                        </p:tgtEl>
+                                        <p:attrNameLst>
+                                          <p:attrName>ppt_w</p:attrName>
+                                        </p:attrNameLst>
+                                      </p:cBhvr>
+                                      <p:tavLst>
+                                        <p:tav tm="0">
+                                          <p:val>
+                                            <p:fltVal val="0"/>
+                                          </p:val>
+                                        </p:tav>
+                                        <p:tav tm="100000">
+                                          <p:val>
+                                            <p:strVal val="#ppt_w"/>
+                                          </p:val>
+                                        </p:tav>
+                                      </p:tavLst>
+                                    </p:anim>
+                                    <p:anim calcmode="lin" valueType="num">
+                                      <p:cBhvr>
+                                        <p:cTn id="13" dur="500" fill="hold"/>
+                                        <p:tgtEl>
+                                          <p:spTgt spid="49"/>
+                                        </p:tgtEl>
+                                        <p:attrNameLst>
+                                          <p:attrName>ppt_h</p:attrName>
+                                        </p:attrNameLst>
+                                      </p:cBhvr>
+                                      <p:tavLst>
+                                        <p:tav tm="0">
+                                          <p:val>
+                                            <p:fltVal val="0"/>
+                                          </p:val>
+                                        </p:tav>
+                                        <p:tav tm="100000">
+                                          <p:val>
+                                            <p:strVal val="#ppt_h"/>
+                                          </p:val>
+                                        </p:tav>
+                                      </p:tavLst>
+                                    </p:anim>
+                                    <p:animEffect transition="in" filter="fade">
+                                      <p:cBhvr>
+                                        <p:cTn id="14" dur="500"/>
+                                        <p:tgtEl>
+                                          <p:spTgt spid="49"/>
+                                        </p:tgtEl>
+                                      </p:cBhvr>
+                                    </p:animEffect>
+                                  </p:childTnLst>
+                                </p:cTn>
+                              </p:par>
+                            </p:childTnLst>
+                          </p:cTn>
+                        </p:par>
+                      </p:childTnLst>
+                    </p:cTn>
+                  </p:par>
+                  <p:par>
+                    <p:cTn id="15" fill="hold">
+                      <p:stCondLst>
+                        <p:cond delay="indefinite"/>
+                      </p:stCondLst>
+                      <p:childTnLst>
+                        <p:par>
+                          <p:cTn id="16" fill="hold">
+                            <p:stCondLst>
+                              <p:cond delay="0"/>
+                            </p:stCondLst>
+                            <p:childTnLst>
+                              <p:par>
+                                <p:cTn id="17" presetID="22" presetClass="entr" presetSubtype="8" fill="hold" nodeType="clickEffect">
+                                  <p:stCondLst>
+                                    <p:cond delay="0"/>
+                                  </p:stCondLst>
+                                  <p:childTnLst>
+                                    <p:set>
+                                      <p:cBhvr>
+                                        <p:cTn id="18" dur="1" fill="hold">
+                                          <p:stCondLst>
+                                            <p:cond delay="0"/>
+                                          </p:stCondLst>
+                                        </p:cTn>
+                                        <p:tgtEl>
+                                          <p:spTgt spid="17"/>
+                                        </p:tgtEl>
+                                        <p:attrNameLst>
+                                          <p:attrName>style.visibility</p:attrName>
+                                        </p:attrNameLst>
+                                      </p:cBhvr>
+                                      <p:to>
+                                        <p:strVal val="visible"/>
+                                      </p:to>
+                                    </p:set>
+                                    <p:animEffect transition="in" filter="wipe(left)">
+                                      <p:cBhvr>
+                                        <p:cTn id="19" dur="500"/>
+                                        <p:tgtEl>
+                                          <p:spTgt spid="17"/>
+                                        </p:tgtEl>
+                                      </p:cBhvr>
+                                    </p:animEffect>
+                                  </p:childTnLst>
+                                </p:cTn>
+                              </p:par>
+                              <p:par>
+                                <p:cTn id="20" presetID="22" presetClass="entr" presetSubtype="8" fill="hold" nodeType="withEffect">
+                                  <p:stCondLst>
+                                    <p:cond delay="0"/>
+                                  </p:stCondLst>
+                                  <p:childTnLst>
+                                    <p:set>
+                                      <p:cBhvr>
+                                        <p:cTn id="21" dur="1" fill="hold">
+                                          <p:stCondLst>
+                                            <p:cond delay="0"/>
+                                          </p:stCondLst>
+                                        </p:cTn>
+                                        <p:tgtEl>
+                                          <p:spTgt spid="57"/>
+                                        </p:tgtEl>
+                                        <p:attrNameLst>
+                                          <p:attrName>style.visibility</p:attrName>
+                                        </p:attrNameLst>
+                                      </p:cBhvr>
+                                      <p:to>
+                                        <p:strVal val="visible"/>
+                                      </p:to>
+                                    </p:set>
+                                    <p:animEffect transition="in" filter="wipe(left)">
+                                      <p:cBhvr>
+                                        <p:cTn id="22" dur="500"/>
+                                        <p:tgtEl>
+                                          <p:spTgt spid="57"/>
+                                        </p:tgtEl>
+                                      </p:cBhvr>
+                                    </p:animEffect>
+                                  </p:childTnLst>
+                                </p:cTn>
+                              </p:par>
+                              <p:par>
+                                <p:cTn id="23" presetID="22" presetClass="entr" presetSubtype="8" fill="hold" nodeType="withEffect">
+                                  <p:stCondLst>
+                                    <p:cond delay="0"/>
+                                  </p:stCondLst>
+                                  <p:childTnLst>
+                                    <p:set>
+                                      <p:cBhvr>
+                                        <p:cTn id="24" dur="1" fill="hold">
+                                          <p:stCondLst>
+                                            <p:cond delay="0"/>
+                                          </p:stCondLst>
+                                        </p:cTn>
+                                        <p:tgtEl>
+                                          <p:spTgt spid="58"/>
+                                        </p:tgtEl>
+                                        <p:attrNameLst>
+                                          <p:attrName>style.visibility</p:attrName>
+                                        </p:attrNameLst>
+                                      </p:cBhvr>
+                                      <p:to>
+                                        <p:strVal val="visible"/>
+                                      </p:to>
+                                    </p:set>
+                                    <p:animEffect transition="in" filter="wipe(left)">
+                                      <p:cBhvr>
+                                        <p:cTn id="25" dur="500"/>
+                                        <p:tgtEl>
+                                          <p:spTgt spid="58"/>
+                                        </p:tgtEl>
+                                      </p:cBhvr>
+                                    </p:animEffect>
+                                  </p:childTnLst>
+                                </p:cTn>
+                              </p:par>
+                              <p:par>
+                                <p:cTn id="26" presetID="22" presetClass="entr" presetSubtype="8" fill="hold" nodeType="withEffect">
+                                  <p:stCondLst>
+                                    <p:cond delay="0"/>
+                                  </p:stCondLst>
+                                  <p:childTnLst>
+                                    <p:set>
+                                      <p:cBhvr>
+                                        <p:cTn id="27" dur="1" fill="hold">
+                                          <p:stCondLst>
+                                            <p:cond delay="0"/>
+                                          </p:stCondLst>
+                                        </p:cTn>
+                                        <p:tgtEl>
+                                          <p:spTgt spid="60"/>
+                                        </p:tgtEl>
+                                        <p:attrNameLst>
+                                          <p:attrName>style.visibility</p:attrName>
+                                        </p:attrNameLst>
+                                      </p:cBhvr>
+                                      <p:to>
+                                        <p:strVal val="visible"/>
+                                      </p:to>
+                                    </p:set>
+                                    <p:animEffect transition="in" filter="wipe(left)">
+                                      <p:cBhvr>
+                                        <p:cTn id="28" dur="500"/>
+                                        <p:tgtEl>
+                                          <p:spTgt spid="60"/>
+                                        </p:tgtEl>
+                                      </p:cBhvr>
+                                    </p:animEffect>
+                                  </p:childTnLst>
+                                </p:cTn>
+                              </p:par>
+                              <p:par>
+                                <p:cTn id="29" presetID="22" presetClass="entr" presetSubtype="8" fill="hold" grpId="0" nodeType="withEffect">
+                                  <p:stCondLst>
+                                    <p:cond delay="0"/>
+                                  </p:stCondLst>
+                                  <p:childTnLst>
+                                    <p:set>
+                                      <p:cBhvr>
+                                        <p:cTn id="30" dur="1" fill="hold">
+                                          <p:stCondLst>
+                                            <p:cond delay="0"/>
+                                          </p:stCondLst>
+                                        </p:cTn>
+                                        <p:tgtEl>
+                                          <p:spTgt spid="50"/>
+                                        </p:tgtEl>
+                                        <p:attrNameLst>
+                                          <p:attrName>style.visibility</p:attrName>
+                                        </p:attrNameLst>
+                                      </p:cBhvr>
+                                      <p:to>
+                                        <p:strVal val="visible"/>
+                                      </p:to>
+                                    </p:set>
+                                    <p:animEffect transition="in" filter="wipe(left)">
+                                      <p:cBhvr>
+                                        <p:cTn id="31" dur="500"/>
+                                        <p:tgtEl>
+                                          <p:spTgt spid="50"/>
+                                        </p:tgtEl>
+                                      </p:cBhvr>
+                                    </p:animEffect>
+                                  </p:childTnLst>
+                                </p:cTn>
+                              </p:par>
+                              <p:par>
+                                <p:cTn id="32" presetID="22" presetClass="entr" presetSubtype="8" fill="hold" grpId="0" nodeType="withEffect">
+                                  <p:stCondLst>
+                                    <p:cond delay="0"/>
+                                  </p:stCondLst>
+                                  <p:childTnLst>
+                                    <p:set>
+                                      <p:cBhvr>
+                                        <p:cTn id="33" dur="1" fill="hold">
+                                          <p:stCondLst>
+                                            <p:cond delay="0"/>
+                                          </p:stCondLst>
+                                        </p:cTn>
+                                        <p:tgtEl>
+                                          <p:spTgt spid="54"/>
+                                        </p:tgtEl>
+                                        <p:attrNameLst>
+                                          <p:attrName>style.visibility</p:attrName>
+                                        </p:attrNameLst>
+                                      </p:cBhvr>
+                                      <p:to>
+                                        <p:strVal val="visible"/>
+                                      </p:to>
+                                    </p:set>
+                                    <p:animEffect transition="in" filter="wipe(left)">
+                                      <p:cBhvr>
+                                        <p:cTn id="34" dur="500"/>
+                                        <p:tgtEl>
+                                          <p:spTgt spid="54"/>
+                                        </p:tgtEl>
+                                      </p:cBhvr>
+                                    </p:animEffect>
+                                  </p:childTnLst>
+                                </p:cTn>
+                              </p:par>
+                              <p:par>
+                                <p:cTn id="35" presetID="22" presetClass="entr" presetSubtype="8" fill="hold" grpId="0" nodeType="withEffect">
+                                  <p:stCondLst>
+                                    <p:cond delay="0"/>
+                                  </p:stCondLst>
+                                  <p:childTnLst>
+                                    <p:set>
+                                      <p:cBhvr>
+                                        <p:cTn id="36" dur="1" fill="hold">
+                                          <p:stCondLst>
+                                            <p:cond delay="0"/>
+                                          </p:stCondLst>
+                                        </p:cTn>
+                                        <p:tgtEl>
+                                          <p:spTgt spid="55"/>
+                                        </p:tgtEl>
+                                        <p:attrNameLst>
+                                          <p:attrName>style.visibility</p:attrName>
+                                        </p:attrNameLst>
+                                      </p:cBhvr>
+                                      <p:to>
+                                        <p:strVal val="visible"/>
+                                      </p:to>
+                                    </p:set>
+                                    <p:animEffect transition="in" filter="wipe(left)">
+                                      <p:cBhvr>
+                                        <p:cTn id="37" dur="500"/>
+                                        <p:tgtEl>
+                                          <p:spTgt spid="55"/>
+                                        </p:tgtEl>
+                                      </p:cBhvr>
+                                    </p:animEffect>
+                                  </p:childTnLst>
+                                </p:cTn>
+                              </p:par>
+                              <p:par>
+                                <p:cTn id="38" presetID="22" presetClass="entr" presetSubtype="8" fill="hold" grpId="0" nodeType="withEffect">
+                                  <p:stCondLst>
+                                    <p:cond delay="0"/>
+                                  </p:stCondLst>
+                                  <p:childTnLst>
+                                    <p:set>
+                                      <p:cBhvr>
+                                        <p:cTn id="39" dur="1" fill="hold">
+                                          <p:stCondLst>
+                                            <p:cond delay="0"/>
+                                          </p:stCondLst>
+                                        </p:cTn>
+                                        <p:tgtEl>
+                                          <p:spTgt spid="56"/>
+                                        </p:tgtEl>
+                                        <p:attrNameLst>
+                                          <p:attrName>style.visibility</p:attrName>
+                                        </p:attrNameLst>
+                                      </p:cBhvr>
+                                      <p:to>
+                                        <p:strVal val="visible"/>
+                                      </p:to>
+                                    </p:set>
+                                    <p:animEffect transition="in" filter="wipe(left)">
+                                      <p:cBhvr>
+                                        <p:cTn id="40" dur="500"/>
+                                        <p:tgtEl>
+                                          <p:spTgt spid="56"/>
+                                        </p:tgtEl>
+                                      </p:cBhvr>
+                                    </p:animEffect>
+                                  </p:childTnLst>
+                                </p:cTn>
+                              </p:par>
+                              <p:par>
+                                <p:cTn id="41" presetID="22" presetClass="entr" presetSubtype="8" fill="hold" grpId="0" nodeType="withEffect">
+                                  <p:stCondLst>
+                                    <p:cond delay="0"/>
+                                  </p:stCondLst>
+                                  <p:childTnLst>
+                                    <p:set>
+                                      <p:cBhvr>
+                                        <p:cTn id="42" dur="1" fill="hold">
+                                          <p:stCondLst>
+                                            <p:cond delay="0"/>
+                                          </p:stCondLst>
+                                        </p:cTn>
+                                        <p:tgtEl>
+                                          <p:spTgt spid="64"/>
+                                        </p:tgtEl>
+                                        <p:attrNameLst>
+                                          <p:attrName>style.visibility</p:attrName>
+                                        </p:attrNameLst>
+                                      </p:cBhvr>
+                                      <p:to>
+                                        <p:strVal val="visible"/>
+                                      </p:to>
+                                    </p:set>
+                                    <p:animEffect transition="in" filter="wipe(left)">
+                                      <p:cBhvr>
+                                        <p:cTn id="43" dur="500"/>
+                                        <p:tgtEl>
+                                          <p:spTgt spid="64"/>
+                                        </p:tgtEl>
+                                      </p:cBhvr>
+                                    </p:animEffect>
+                                  </p:childTnLst>
+                                </p:cTn>
+                              </p:par>
+                            </p:childTnLst>
+                          </p:cTn>
+                        </p:par>
+                      </p:childTnLst>
+                    </p:cTn>
+                  </p:par>
+                  <p:par>
+                    <p:cTn id="44" fill="hold">
+                      <p:stCondLst>
+                        <p:cond delay="indefinite"/>
+                      </p:stCondLst>
+                      <p:childTnLst>
+                        <p:par>
+                          <p:cTn id="45" fill="hold">
+                            <p:stCondLst>
+                              <p:cond delay="0"/>
+                            </p:stCondLst>
+                            <p:childTnLst>
+                              <p:par>
+                                <p:cTn id="46" presetID="22" presetClass="entr" presetSubtype="8" fill="hold" nodeType="clickEffect">
+                                  <p:stCondLst>
+                                    <p:cond delay="0"/>
+                                  </p:stCondLst>
+                                  <p:childTnLst>
+                                    <p:set>
+                                      <p:cBhvr>
+                                        <p:cTn id="47" dur="1" fill="hold">
+                                          <p:stCondLst>
+                                            <p:cond delay="0"/>
+                                          </p:stCondLst>
+                                        </p:cTn>
+                                        <p:tgtEl>
+                                          <p:spTgt spid="75"/>
+                                        </p:tgtEl>
+                                        <p:attrNameLst>
+                                          <p:attrName>style.visibility</p:attrName>
+                                        </p:attrNameLst>
+                                      </p:cBhvr>
+                                      <p:to>
+                                        <p:strVal val="visible"/>
+                                      </p:to>
+                                    </p:set>
+                                    <p:animEffect transition="in" filter="wipe(left)">
+                                      <p:cBhvr>
+                                        <p:cTn id="48" dur="500"/>
+                                        <p:tgtEl>
+                                          <p:spTgt spid="75"/>
+                                        </p:tgtEl>
+                                      </p:cBhvr>
+                                    </p:animEffect>
+                                  </p:childTnLst>
+                                </p:cTn>
+                              </p:par>
+                              <p:par>
+                                <p:cTn id="49" presetID="22" presetClass="entr" presetSubtype="8" fill="hold" nodeType="withEffect">
+                                  <p:stCondLst>
+                                    <p:cond delay="0"/>
+                                  </p:stCondLst>
+                                  <p:childTnLst>
+                                    <p:set>
+                                      <p:cBhvr>
+                                        <p:cTn id="50" dur="1" fill="hold">
+                                          <p:stCondLst>
+                                            <p:cond delay="0"/>
+                                          </p:stCondLst>
+                                        </p:cTn>
+                                        <p:tgtEl>
+                                          <p:spTgt spid="74"/>
+                                        </p:tgtEl>
+                                        <p:attrNameLst>
+                                          <p:attrName>style.visibility</p:attrName>
+                                        </p:attrNameLst>
+                                      </p:cBhvr>
+                                      <p:to>
+                                        <p:strVal val="visible"/>
+                                      </p:to>
+                                    </p:set>
+                                    <p:animEffect transition="in" filter="wipe(left)">
+                                      <p:cBhvr>
+                                        <p:cTn id="51" dur="500"/>
+                                        <p:tgtEl>
+                                          <p:spTgt spid="74"/>
+                                        </p:tgtEl>
+                                      </p:cBhvr>
+                                    </p:animEffect>
+                                  </p:childTnLst>
+                                </p:cTn>
+                              </p:par>
+                              <p:par>
+                                <p:cTn id="52" presetID="22" presetClass="entr" presetSubtype="8" fill="hold" nodeType="withEffect">
+                                  <p:stCondLst>
+                                    <p:cond delay="0"/>
+                                  </p:stCondLst>
+                                  <p:childTnLst>
+                                    <p:set>
+                                      <p:cBhvr>
+                                        <p:cTn id="53" dur="1" fill="hold">
+                                          <p:stCondLst>
+                                            <p:cond delay="0"/>
+                                          </p:stCondLst>
+                                        </p:cTn>
+                                        <p:tgtEl>
+                                          <p:spTgt spid="73"/>
+                                        </p:tgtEl>
+                                        <p:attrNameLst>
+                                          <p:attrName>style.visibility</p:attrName>
+                                        </p:attrNameLst>
+                                      </p:cBhvr>
+                                      <p:to>
+                                        <p:strVal val="visible"/>
+                                      </p:to>
+                                    </p:set>
+                                    <p:animEffect transition="in" filter="wipe(left)">
+                                      <p:cBhvr>
+                                        <p:cTn id="54" dur="500"/>
+                                        <p:tgtEl>
+                                          <p:spTgt spid="73"/>
+                                        </p:tgtEl>
+                                      </p:cBhvr>
+                                    </p:animEffect>
+                                  </p:childTnLst>
+                                </p:cTn>
+                              </p:par>
+                              <p:par>
+                                <p:cTn id="55" presetID="22" presetClass="entr" presetSubtype="8" fill="hold" nodeType="withEffect">
+                                  <p:stCondLst>
+                                    <p:cond delay="0"/>
+                                  </p:stCondLst>
+                                  <p:childTnLst>
+                                    <p:set>
+                                      <p:cBhvr>
+                                        <p:cTn id="56" dur="1" fill="hold">
+                                          <p:stCondLst>
+                                            <p:cond delay="0"/>
+                                          </p:stCondLst>
+                                        </p:cTn>
+                                        <p:tgtEl>
+                                          <p:spTgt spid="72"/>
+                                        </p:tgtEl>
+                                        <p:attrNameLst>
+                                          <p:attrName>style.visibility</p:attrName>
+                                        </p:attrNameLst>
+                                      </p:cBhvr>
+                                      <p:to>
+                                        <p:strVal val="visible"/>
+                                      </p:to>
+                                    </p:set>
+                                    <p:animEffect transition="in" filter="wipe(left)">
+                                      <p:cBhvr>
+                                        <p:cTn id="57" dur="500"/>
+                                        <p:tgtEl>
+                                          <p:spTgt spid="72"/>
+                                        </p:tgtEl>
+                                      </p:cBhvr>
+                                    </p:animEffect>
+                                  </p:childTnLst>
+                                </p:cTn>
+                              </p:par>
+                              <p:par>
+                                <p:cTn id="58" presetID="22" presetClass="entr" presetSubtype="8" fill="hold" grpId="0" nodeType="withEffect">
+                                  <p:stCondLst>
+                                    <p:cond delay="0"/>
+                                  </p:stCondLst>
+                                  <p:childTnLst>
+                                    <p:set>
+                                      <p:cBhvr>
+                                        <p:cTn id="59" dur="1" fill="hold">
+                                          <p:stCondLst>
+                                            <p:cond delay="0"/>
+                                          </p:stCondLst>
+                                        </p:cTn>
+                                        <p:tgtEl>
+                                          <p:spTgt spid="65"/>
+                                        </p:tgtEl>
+                                        <p:attrNameLst>
+                                          <p:attrName>style.visibility</p:attrName>
+                                        </p:attrNameLst>
+                                      </p:cBhvr>
+                                      <p:to>
+                                        <p:strVal val="visible"/>
+                                      </p:to>
+                                    </p:set>
+                                    <p:animEffect transition="in" filter="wipe(left)">
+                                      <p:cBhvr>
+                                        <p:cTn id="60" dur="500"/>
+                                        <p:tgtEl>
+                                          <p:spTgt spid="65"/>
+                                        </p:tgtEl>
+                                      </p:cBhvr>
+                                    </p:animEffect>
+                                  </p:childTnLst>
+                                </p:cTn>
+                              </p:par>
+                              <p:par>
+                                <p:cTn id="61" presetID="22" presetClass="entr" presetSubtype="8" fill="hold" grpId="0" nodeType="withEffect">
+                                  <p:stCondLst>
+                                    <p:cond delay="0"/>
+                                  </p:stCondLst>
+                                  <p:childTnLst>
+                                    <p:set>
+                                      <p:cBhvr>
+                                        <p:cTn id="62" dur="1" fill="hold">
+                                          <p:stCondLst>
+                                            <p:cond delay="0"/>
+                                          </p:stCondLst>
+                                        </p:cTn>
+                                        <p:tgtEl>
+                                          <p:spTgt spid="68"/>
+                                        </p:tgtEl>
+                                        <p:attrNameLst>
+                                          <p:attrName>style.visibility</p:attrName>
+                                        </p:attrNameLst>
+                                      </p:cBhvr>
+                                      <p:to>
+                                        <p:strVal val="visible"/>
+                                      </p:to>
+                                    </p:set>
+                                    <p:animEffect transition="in" filter="wipe(left)">
+                                      <p:cBhvr>
+                                        <p:cTn id="63" dur="500"/>
+                                        <p:tgtEl>
+                                          <p:spTgt spid="68"/>
+                                        </p:tgtEl>
+                                      </p:cBhvr>
+                                    </p:animEffect>
+                                  </p:childTnLst>
+                                </p:cTn>
+                              </p:par>
+                              <p:par>
+                                <p:cTn id="64" presetID="22" presetClass="entr" presetSubtype="8" fill="hold" grpId="0" nodeType="withEffect">
+                                  <p:stCondLst>
+                                    <p:cond delay="0"/>
+                                  </p:stCondLst>
+                                  <p:childTnLst>
+                                    <p:set>
+                                      <p:cBhvr>
+                                        <p:cTn id="65" dur="1" fill="hold">
+                                          <p:stCondLst>
+                                            <p:cond delay="0"/>
+                                          </p:stCondLst>
+                                        </p:cTn>
+                                        <p:tgtEl>
+                                          <p:spTgt spid="69"/>
+                                        </p:tgtEl>
+                                        <p:attrNameLst>
+                                          <p:attrName>style.visibility</p:attrName>
+                                        </p:attrNameLst>
+                                      </p:cBhvr>
+                                      <p:to>
+                                        <p:strVal val="visible"/>
+                                      </p:to>
+                                    </p:set>
+                                    <p:animEffect transition="in" filter="wipe(left)">
+                                      <p:cBhvr>
+                                        <p:cTn id="66" dur="500"/>
+                                        <p:tgtEl>
+                                          <p:spTgt spid="69"/>
+                                        </p:tgtEl>
+                                      </p:cBhvr>
+                                    </p:animEffect>
+                                  </p:childTnLst>
+                                </p:cTn>
+                              </p:par>
+                              <p:par>
+                                <p:cTn id="67" presetID="22" presetClass="entr" presetSubtype="8" fill="hold" grpId="0" nodeType="withEffect">
+                                  <p:stCondLst>
+                                    <p:cond delay="0"/>
+                                  </p:stCondLst>
+                                  <p:childTnLst>
+                                    <p:set>
+                                      <p:cBhvr>
+                                        <p:cTn id="68" dur="1" fill="hold">
+                                          <p:stCondLst>
+                                            <p:cond delay="0"/>
+                                          </p:stCondLst>
+                                        </p:cTn>
+                                        <p:tgtEl>
+                                          <p:spTgt spid="70"/>
+                                        </p:tgtEl>
+                                        <p:attrNameLst>
+                                          <p:attrName>style.visibility</p:attrName>
+                                        </p:attrNameLst>
+                                      </p:cBhvr>
+                                      <p:to>
+                                        <p:strVal val="visible"/>
+                                      </p:to>
+                                    </p:set>
+                                    <p:animEffect transition="in" filter="wipe(left)">
+                                      <p:cBhvr>
+                                        <p:cTn id="69" dur="500"/>
+                                        <p:tgtEl>
+                                          <p:spTgt spid="70"/>
+                                        </p:tgtEl>
+                                      </p:cBhvr>
+                                    </p:animEffect>
+                                  </p:childTnLst>
+                                </p:cTn>
+                              </p:par>
+                              <p:par>
+                                <p:cTn id="70" presetID="22" presetClass="entr" presetSubtype="8" fill="hold" grpId="0" nodeType="withEffect">
+                                  <p:stCondLst>
+                                    <p:cond delay="0"/>
+                                  </p:stCondLst>
+                                  <p:childTnLst>
+                                    <p:set>
+                                      <p:cBhvr>
+                                        <p:cTn id="71" dur="1" fill="hold">
+                                          <p:stCondLst>
+                                            <p:cond delay="0"/>
+                                          </p:stCondLst>
+                                        </p:cTn>
+                                        <p:tgtEl>
+                                          <p:spTgt spid="71"/>
+                                        </p:tgtEl>
+                                        <p:attrNameLst>
+                                          <p:attrName>style.visibility</p:attrName>
+                                        </p:attrNameLst>
+                                      </p:cBhvr>
+                                      <p:to>
+                                        <p:strVal val="visible"/>
+                                      </p:to>
+                                    </p:set>
+                                    <p:animEffect transition="in" filter="wipe(left)">
+                                      <p:cBhvr>
+                                        <p:cTn id="72" dur="500"/>
+                                        <p:tgtEl>
+                                          <p:spTgt spid="71"/>
+                                        </p:tgtEl>
+                                      </p:cBhvr>
+                                    </p:animEffect>
+                                  </p:childTnLst>
+                                </p:cTn>
+                              </p:par>
+                            </p:childTnLst>
+                          </p:cTn>
+                        </p:par>
+                      </p:childTnLst>
+                    </p:cTn>
+                  </p:par>
+                  <p:par>
+                    <p:cTn id="73" fill="hold">
+                      <p:stCondLst>
+                        <p:cond delay="indefinite"/>
+                      </p:stCondLst>
+                      <p:childTnLst>
+                        <p:par>
+                          <p:cTn id="74" fill="hold">
+                            <p:stCondLst>
+                              <p:cond delay="0"/>
+                            </p:stCondLst>
+                            <p:childTnLst>
+                              <p:par>
+                                <p:cTn id="75" presetID="22" presetClass="entr" presetSubtype="8" fill="hold" nodeType="clickEffect">
+                                  <p:stCondLst>
+                                    <p:cond delay="0"/>
+                                  </p:stCondLst>
+                                  <p:childTnLst>
+                                    <p:set>
+                                      <p:cBhvr>
+                                        <p:cTn id="76" dur="1" fill="hold">
+                                          <p:stCondLst>
+                                            <p:cond delay="0"/>
+                                          </p:stCondLst>
+                                        </p:cTn>
+                                        <p:tgtEl>
+                                          <p:spTgt spid="103"/>
+                                        </p:tgtEl>
+                                        <p:attrNameLst>
+                                          <p:attrName>style.visibility</p:attrName>
+                                        </p:attrNameLst>
+                                      </p:cBhvr>
+                                      <p:to>
+                                        <p:strVal val="visible"/>
+                                      </p:to>
+                                    </p:set>
+                                    <p:animEffect transition="in" filter="wipe(left)">
+                                      <p:cBhvr>
+                                        <p:cTn id="77" dur="500"/>
+                                        <p:tgtEl>
+                                          <p:spTgt spid="103"/>
+                                        </p:tgtEl>
+                                      </p:cBhvr>
+                                    </p:animEffect>
+                                  </p:childTnLst>
+                                </p:cTn>
+                              </p:par>
+                              <p:par>
+                                <p:cTn id="78" presetID="22" presetClass="entr" presetSubtype="8" fill="hold" nodeType="withEffect">
+                                  <p:stCondLst>
+                                    <p:cond delay="0"/>
+                                  </p:stCondLst>
+                                  <p:childTnLst>
+                                    <p:set>
+                                      <p:cBhvr>
+                                        <p:cTn id="79" dur="1" fill="hold">
+                                          <p:stCondLst>
+                                            <p:cond delay="0"/>
+                                          </p:stCondLst>
+                                        </p:cTn>
+                                        <p:tgtEl>
+                                          <p:spTgt spid="114"/>
+                                        </p:tgtEl>
+                                        <p:attrNameLst>
+                                          <p:attrName>style.visibility</p:attrName>
+                                        </p:attrNameLst>
+                                      </p:cBhvr>
+                                      <p:to>
+                                        <p:strVal val="visible"/>
+                                      </p:to>
+                                    </p:set>
+                                    <p:animEffect transition="in" filter="wipe(left)">
+                                      <p:cBhvr>
+                                        <p:cTn id="80" dur="500"/>
+                                        <p:tgtEl>
+                                          <p:spTgt spid="114"/>
+                                        </p:tgtEl>
+                                      </p:cBhvr>
+                                    </p:animEffect>
+                                  </p:childTnLst>
+                                </p:cTn>
+                              </p:par>
+                              <p:par>
+                                <p:cTn id="81" presetID="22" presetClass="entr" presetSubtype="8" fill="hold" nodeType="withEffect">
+                                  <p:stCondLst>
+                                    <p:cond delay="0"/>
+                                  </p:stCondLst>
+                                  <p:childTnLst>
+                                    <p:set>
+                                      <p:cBhvr>
+                                        <p:cTn id="82" dur="1" fill="hold">
+                                          <p:stCondLst>
+                                            <p:cond delay="0"/>
+                                          </p:stCondLst>
+                                        </p:cTn>
+                                        <p:tgtEl>
+                                          <p:spTgt spid="106"/>
+                                        </p:tgtEl>
+                                        <p:attrNameLst>
+                                          <p:attrName>style.visibility</p:attrName>
+                                        </p:attrNameLst>
+                                      </p:cBhvr>
+                                      <p:to>
+                                        <p:strVal val="visible"/>
+                                      </p:to>
+                                    </p:set>
+                                    <p:animEffect transition="in" filter="wipe(left)">
+                                      <p:cBhvr>
+                                        <p:cTn id="83" dur="500"/>
+                                        <p:tgtEl>
+                                          <p:spTgt spid="106"/>
+                                        </p:tgtEl>
+                                      </p:cBhvr>
+                                    </p:animEffect>
+                                  </p:childTnLst>
+                                </p:cTn>
+                              </p:par>
+                              <p:par>
+                                <p:cTn id="84" presetID="22" presetClass="entr" presetSubtype="8" fill="hold" nodeType="withEffect">
+                                  <p:stCondLst>
+                                    <p:cond delay="0"/>
+                                  </p:stCondLst>
+                                  <p:childTnLst>
+                                    <p:set>
+                                      <p:cBhvr>
+                                        <p:cTn id="85" dur="1" fill="hold">
+                                          <p:stCondLst>
+                                            <p:cond delay="0"/>
+                                          </p:stCondLst>
+                                        </p:cTn>
+                                        <p:tgtEl>
+                                          <p:spTgt spid="117"/>
+                                        </p:tgtEl>
+                                        <p:attrNameLst>
+                                          <p:attrName>style.visibility</p:attrName>
+                                        </p:attrNameLst>
+                                      </p:cBhvr>
+                                      <p:to>
+                                        <p:strVal val="visible"/>
+                                      </p:to>
+                                    </p:set>
+                                    <p:animEffect transition="in" filter="wipe(left)">
+                                      <p:cBhvr>
+                                        <p:cTn id="86" dur="500"/>
+                                        <p:tgtEl>
+                                          <p:spTgt spid="117"/>
+                                        </p:tgtEl>
+                                      </p:cBhvr>
+                                    </p:animEffect>
+                                  </p:childTnLst>
+                                </p:cTn>
+                              </p:par>
+                              <p:par>
+                                <p:cTn id="87" presetID="22" presetClass="entr" presetSubtype="8" fill="hold" nodeType="withEffect">
+                                  <p:stCondLst>
+                                    <p:cond delay="0"/>
+                                  </p:stCondLst>
+                                  <p:childTnLst>
+                                    <p:set>
+                                      <p:cBhvr>
+                                        <p:cTn id="88" dur="1" fill="hold">
+                                          <p:stCondLst>
+                                            <p:cond delay="0"/>
+                                          </p:stCondLst>
+                                        </p:cTn>
+                                        <p:tgtEl>
+                                          <p:spTgt spid="110"/>
+                                        </p:tgtEl>
+                                        <p:attrNameLst>
+                                          <p:attrName>style.visibility</p:attrName>
+                                        </p:attrNameLst>
+                                      </p:cBhvr>
+                                      <p:to>
+                                        <p:strVal val="visible"/>
+                                      </p:to>
+                                    </p:set>
+                                    <p:animEffect transition="in" filter="wipe(left)">
+                                      <p:cBhvr>
+                                        <p:cTn id="89" dur="500"/>
+                                        <p:tgtEl>
+                                          <p:spTgt spid="110"/>
+                                        </p:tgtEl>
+                                      </p:cBhvr>
+                                    </p:animEffect>
+                                  </p:childTnLst>
+                                </p:cTn>
+                              </p:par>
+                              <p:par>
+                                <p:cTn id="90" presetID="22" presetClass="entr" presetSubtype="8" fill="hold" nodeType="withEffect">
+                                  <p:stCondLst>
+                                    <p:cond delay="0"/>
+                                  </p:stCondLst>
+                                  <p:childTnLst>
+                                    <p:set>
+                                      <p:cBhvr>
+                                        <p:cTn id="91" dur="1" fill="hold">
+                                          <p:stCondLst>
+                                            <p:cond delay="0"/>
+                                          </p:stCondLst>
+                                        </p:cTn>
+                                        <p:tgtEl>
+                                          <p:spTgt spid="120"/>
+                                        </p:tgtEl>
+                                        <p:attrNameLst>
+                                          <p:attrName>style.visibility</p:attrName>
+                                        </p:attrNameLst>
+                                      </p:cBhvr>
+                                      <p:to>
+                                        <p:strVal val="visible"/>
+                                      </p:to>
+                                    </p:set>
+                                    <p:animEffect transition="in" filter="wipe(left)">
+                                      <p:cBhvr>
+                                        <p:cTn id="92" dur="500"/>
+                                        <p:tgtEl>
+                                          <p:spTgt spid="120"/>
+                                        </p:tgtEl>
+                                      </p:cBhvr>
+                                    </p:animEffect>
+                                  </p:childTnLst>
+                                </p:cTn>
+                              </p:par>
+                              <p:par>
+                                <p:cTn id="93" presetID="22" presetClass="entr" presetSubtype="8" fill="hold" grpId="0" nodeType="withEffect">
+                                  <p:stCondLst>
+                                    <p:cond delay="0"/>
+                                  </p:stCondLst>
+                                  <p:childTnLst>
+                                    <p:set>
+                                      <p:cBhvr>
+                                        <p:cTn id="94" dur="1" fill="hold">
+                                          <p:stCondLst>
+                                            <p:cond delay="0"/>
+                                          </p:stCondLst>
+                                        </p:cTn>
+                                        <p:tgtEl>
+                                          <p:spTgt spid="102"/>
+                                        </p:tgtEl>
+                                        <p:attrNameLst>
+                                          <p:attrName>style.visibility</p:attrName>
+                                        </p:attrNameLst>
+                                      </p:cBhvr>
+                                      <p:to>
+                                        <p:strVal val="visible"/>
+                                      </p:to>
+                                    </p:set>
+                                    <p:animEffect transition="in" filter="wipe(left)">
+                                      <p:cBhvr>
+                                        <p:cTn id="95" dur="500"/>
+                                        <p:tgtEl>
+                                          <p:spTgt spid="102"/>
+                                        </p:tgtEl>
+                                      </p:cBhvr>
+                                    </p:animEffect>
+                                  </p:childTnLst>
+                                </p:cTn>
+                              </p:par>
+                              <p:par>
+                                <p:cTn id="96" presetID="22" presetClass="entr" presetSubtype="8" fill="hold" grpId="0" nodeType="withEffect">
+                                  <p:stCondLst>
+                                    <p:cond delay="0"/>
+                                  </p:stCondLst>
+                                  <p:childTnLst>
+                                    <p:set>
+                                      <p:cBhvr>
+                                        <p:cTn id="97" dur="1" fill="hold">
+                                          <p:stCondLst>
+                                            <p:cond delay="0"/>
+                                          </p:stCondLst>
+                                        </p:cTn>
+                                        <p:tgtEl>
+                                          <p:spTgt spid="101"/>
+                                        </p:tgtEl>
+                                        <p:attrNameLst>
+                                          <p:attrName>style.visibility</p:attrName>
+                                        </p:attrNameLst>
+                                      </p:cBhvr>
+                                      <p:to>
+                                        <p:strVal val="visible"/>
+                                      </p:to>
+                                    </p:set>
+                                    <p:animEffect transition="in" filter="wipe(left)">
+                                      <p:cBhvr>
+                                        <p:cTn id="98" dur="500"/>
+                                        <p:tgtEl>
+                                          <p:spTgt spid="101"/>
+                                        </p:tgtEl>
+                                      </p:cBhvr>
+                                    </p:animEffect>
+                                  </p:childTnLst>
+                                </p:cTn>
+                              </p:par>
+                              <p:par>
+                                <p:cTn id="99" presetID="22" presetClass="entr" presetSubtype="8" fill="hold" grpId="0" nodeType="withEffect">
+                                  <p:stCondLst>
+                                    <p:cond delay="0"/>
+                                  </p:stCondLst>
+                                  <p:childTnLst>
+                                    <p:set>
+                                      <p:cBhvr>
+                                        <p:cTn id="100" dur="1" fill="hold">
+                                          <p:stCondLst>
+                                            <p:cond delay="0"/>
+                                          </p:stCondLst>
+                                        </p:cTn>
+                                        <p:tgtEl>
+                                          <p:spTgt spid="66"/>
+                                        </p:tgtEl>
+                                        <p:attrNameLst>
+                                          <p:attrName>style.visibility</p:attrName>
+                                        </p:attrNameLst>
+                                      </p:cBhvr>
+                                      <p:to>
+                                        <p:strVal val="visible"/>
+                                      </p:to>
+                                    </p:set>
+                                    <p:animEffect transition="in" filter="wipe(left)">
+                                      <p:cBhvr>
+                                        <p:cTn id="101" dur="500"/>
+                                        <p:tgtEl>
+                                          <p:spTgt spid="66"/>
+                                        </p:tgtEl>
+                                      </p:cBhvr>
+                                    </p:animEffect>
+                                  </p:childTnLst>
+                                </p:cTn>
+                              </p:par>
+                            </p:childTnLst>
+                          </p:cTn>
+                        </p:par>
+                      </p:childTnLst>
+                    </p:cTn>
+                  </p:par>
+                  <p:par>
+                    <p:cTn id="102" fill="hold">
+                      <p:stCondLst>
+                        <p:cond delay="indefinite"/>
+                      </p:stCondLst>
+                      <p:childTnLst>
+                        <p:par>
+                          <p:cTn id="103" fill="hold">
+                            <p:stCondLst>
+                              <p:cond delay="0"/>
+                            </p:stCondLst>
+                            <p:childTnLst>
+                              <p:par>
+                                <p:cTn id="104" presetID="22" presetClass="entr" presetSubtype="8" fill="hold" nodeType="clickEffect">
+                                  <p:stCondLst>
+                                    <p:cond delay="0"/>
+                                  </p:stCondLst>
+                                  <p:childTnLst>
+                                    <p:set>
+                                      <p:cBhvr>
+                                        <p:cTn id="105" dur="1" fill="hold">
+                                          <p:stCondLst>
+                                            <p:cond delay="0"/>
+                                          </p:stCondLst>
+                                        </p:cTn>
+                                        <p:tgtEl>
+                                          <p:spTgt spid="145"/>
+                                        </p:tgtEl>
+                                        <p:attrNameLst>
+                                          <p:attrName>style.visibility</p:attrName>
+                                        </p:attrNameLst>
+                                      </p:cBhvr>
+                                      <p:to>
+                                        <p:strVal val="visible"/>
+                                      </p:to>
+                                    </p:set>
+                                    <p:animEffect transition="in" filter="wipe(left)">
+                                      <p:cBhvr>
+                                        <p:cTn id="106" dur="500"/>
+                                        <p:tgtEl>
+                                          <p:spTgt spid="145"/>
+                                        </p:tgtEl>
+                                      </p:cBhvr>
+                                    </p:animEffect>
+                                  </p:childTnLst>
+                                </p:cTn>
+                              </p:par>
+                              <p:par>
+                                <p:cTn id="107" presetID="22" presetClass="entr" presetSubtype="8" fill="hold" nodeType="withEffect">
+                                  <p:stCondLst>
+                                    <p:cond delay="0"/>
+                                  </p:stCondLst>
+                                  <p:childTnLst>
+                                    <p:set>
+                                      <p:cBhvr>
+                                        <p:cTn id="108" dur="1" fill="hold">
+                                          <p:stCondLst>
+                                            <p:cond delay="0"/>
+                                          </p:stCondLst>
+                                        </p:cTn>
+                                        <p:tgtEl>
+                                          <p:spTgt spid="149"/>
+                                        </p:tgtEl>
+                                        <p:attrNameLst>
+                                          <p:attrName>style.visibility</p:attrName>
+                                        </p:attrNameLst>
+                                      </p:cBhvr>
+                                      <p:to>
+                                        <p:strVal val="visible"/>
+                                      </p:to>
+                                    </p:set>
+                                    <p:animEffect transition="in" filter="wipe(left)">
+                                      <p:cBhvr>
+                                        <p:cTn id="109" dur="500"/>
+                                        <p:tgtEl>
+                                          <p:spTgt spid="149"/>
+                                        </p:tgtEl>
+                                      </p:cBhvr>
+                                    </p:animEffect>
+                                  </p:childTnLst>
+                                </p:cTn>
+                              </p:par>
+                              <p:par>
+                                <p:cTn id="110" presetID="22" presetClass="entr" presetSubtype="8" fill="hold" grpId="0" nodeType="withEffect">
+                                  <p:stCondLst>
+                                    <p:cond delay="0"/>
+                                  </p:stCondLst>
+                                  <p:childTnLst>
+                                    <p:set>
+                                      <p:cBhvr>
+                                        <p:cTn id="111" dur="1" fill="hold">
+                                          <p:stCondLst>
+                                            <p:cond delay="0"/>
+                                          </p:stCondLst>
+                                        </p:cTn>
+                                        <p:tgtEl>
+                                          <p:spTgt spid="127"/>
+                                        </p:tgtEl>
+                                        <p:attrNameLst>
+                                          <p:attrName>style.visibility</p:attrName>
+                                        </p:attrNameLst>
+                                      </p:cBhvr>
+                                      <p:to>
+                                        <p:strVal val="visible"/>
+                                      </p:to>
+                                    </p:set>
+                                    <p:animEffect transition="in" filter="wipe(left)">
+                                      <p:cBhvr>
+                                        <p:cTn id="112" dur="500"/>
+                                        <p:tgtEl>
+                                          <p:spTgt spid="127"/>
+                                        </p:tgtEl>
+                                      </p:cBhvr>
+                                    </p:animEffect>
+                                  </p:childTnLst>
+                                </p:cTn>
+                              </p:par>
+                              <p:par>
+                                <p:cTn id="113" presetID="22" presetClass="entr" presetSubtype="8" fill="hold" grpId="0" nodeType="withEffect">
+                                  <p:stCondLst>
+                                    <p:cond delay="0"/>
+                                  </p:stCondLst>
+                                  <p:childTnLst>
+                                    <p:set>
+                                      <p:cBhvr>
+                                        <p:cTn id="114" dur="1" fill="hold">
+                                          <p:stCondLst>
+                                            <p:cond delay="0"/>
+                                          </p:stCondLst>
+                                        </p:cTn>
+                                        <p:tgtEl>
+                                          <p:spTgt spid="126"/>
+                                        </p:tgtEl>
+                                        <p:attrNameLst>
+                                          <p:attrName>style.visibility</p:attrName>
+                                        </p:attrNameLst>
+                                      </p:cBhvr>
+                                      <p:to>
+                                        <p:strVal val="visible"/>
+                                      </p:to>
+                                    </p:set>
+                                    <p:animEffect transition="in" filter="wipe(left)">
+                                      <p:cBhvr>
+                                        <p:cTn id="115" dur="500"/>
+                                        <p:tgtEl>
+                                          <p:spTgt spid="126"/>
+                                        </p:tgtEl>
+                                      </p:cBhvr>
+                                    </p:animEffect>
+                                  </p:childTnLst>
+                                </p:cTn>
+                              </p:par>
+                              <p:par>
+                                <p:cTn id="116" presetID="22" presetClass="entr" presetSubtype="8" fill="hold" grpId="0" nodeType="withEffect">
+                                  <p:stCondLst>
+                                    <p:cond delay="0"/>
+                                  </p:stCondLst>
+                                  <p:childTnLst>
+                                    <p:set>
+                                      <p:cBhvr>
+                                        <p:cTn id="117" dur="1" fill="hold">
+                                          <p:stCondLst>
+                                            <p:cond delay="0"/>
+                                          </p:stCondLst>
+                                        </p:cTn>
+                                        <p:tgtEl>
+                                          <p:spTgt spid="67"/>
+                                        </p:tgtEl>
+                                        <p:attrNameLst>
+                                          <p:attrName>style.visibility</p:attrName>
+                                        </p:attrNameLst>
+                                      </p:cBhvr>
+                                      <p:to>
+                                        <p:strVal val="visible"/>
+                                      </p:to>
+                                    </p:set>
+                                    <p:animEffect transition="in" filter="wipe(left)">
+                                      <p:cBhvr>
+                                        <p:cTn id="118" dur="500"/>
+                                        <p:tgtEl>
+                                          <p:spTgt spid="67"/>
+                                        </p:tgtEl>
+                                      </p:cBhvr>
+                                    </p:animEffect>
+                                  </p:childTnLst>
+                                </p:cTn>
+                              </p:par>
+                            </p:childTnLst>
+                          </p:cTn>
+                        </p:par>
+                      </p:childTnLst>
+                    </p:cTn>
+                  </p:par>
+                  <p:par>
+                    <p:cTn id="119" fill="hold">
+                      <p:stCondLst>
+                        <p:cond delay="indefinite"/>
+                      </p:stCondLst>
+                      <p:childTnLst>
+                        <p:par>
+                          <p:cTn id="120" fill="hold">
+                            <p:stCondLst>
+                              <p:cond delay="0"/>
+                            </p:stCondLst>
+                            <p:childTnLst>
+                              <p:par>
+                                <p:cTn id="121" presetID="22" presetClass="entr" presetSubtype="8" fill="hold" nodeType="clickEffect">
+                                  <p:stCondLst>
+                                    <p:cond delay="0"/>
+                                  </p:stCondLst>
+                                  <p:childTnLst>
+                                    <p:set>
+                                      <p:cBhvr>
+                                        <p:cTn id="122" dur="1" fill="hold">
+                                          <p:stCondLst>
+                                            <p:cond delay="0"/>
+                                          </p:stCondLst>
+                                        </p:cTn>
+                                        <p:tgtEl>
+                                          <p:spTgt spid="157"/>
+                                        </p:tgtEl>
+                                        <p:attrNameLst>
+                                          <p:attrName>style.visibility</p:attrName>
+                                        </p:attrNameLst>
+                                      </p:cBhvr>
+                                      <p:to>
+                                        <p:strVal val="visible"/>
+                                      </p:to>
+                                    </p:set>
+                                    <p:animEffect transition="in" filter="wipe(left)">
+                                      <p:cBhvr>
+                                        <p:cTn id="123" dur="500"/>
+                                        <p:tgtEl>
+                                          <p:spTgt spid="157"/>
+                                        </p:tgtEl>
+                                      </p:cBhvr>
+                                    </p:animEffect>
+                                  </p:childTnLst>
+                                </p:cTn>
+                              </p:par>
+                              <p:par>
+                                <p:cTn id="124" presetID="22" presetClass="entr" presetSubtype="8" fill="hold" nodeType="withEffect">
+                                  <p:stCondLst>
+                                    <p:cond delay="0"/>
+                                  </p:stCondLst>
+                                  <p:childTnLst>
+                                    <p:set>
+                                      <p:cBhvr>
+                                        <p:cTn id="125" dur="1" fill="hold">
+                                          <p:stCondLst>
+                                            <p:cond delay="0"/>
+                                          </p:stCondLst>
+                                        </p:cTn>
+                                        <p:tgtEl>
+                                          <p:spTgt spid="154"/>
+                                        </p:tgtEl>
+                                        <p:attrNameLst>
+                                          <p:attrName>style.visibility</p:attrName>
+                                        </p:attrNameLst>
+                                      </p:cBhvr>
+                                      <p:to>
+                                        <p:strVal val="visible"/>
+                                      </p:to>
+                                    </p:set>
+                                    <p:animEffect transition="in" filter="wipe(left)">
+                                      <p:cBhvr>
+                                        <p:cTn id="126" dur="500"/>
+                                        <p:tgtEl>
+                                          <p:spTgt spid="154"/>
+                                        </p:tgtEl>
+                                      </p:cBhvr>
+                                    </p:animEffect>
+                                  </p:childTnLst>
+                                </p:cTn>
+                              </p:par>
+                              <p:par>
+                                <p:cTn id="127" presetID="22" presetClass="entr" presetSubtype="8" fill="hold" grpId="0" nodeType="withEffect">
+                                  <p:stCondLst>
+                                    <p:cond delay="0"/>
+                                  </p:stCondLst>
+                                  <p:iterate type="lt">
+                                    <p:tmPct val="0"/>
+                                  </p:iterate>
+                                  <p:childTnLst>
+                                    <p:set>
+                                      <p:cBhvr>
+                                        <p:cTn id="128" dur="1" fill="hold">
+                                          <p:stCondLst>
+                                            <p:cond delay="0"/>
+                                          </p:stCondLst>
+                                        </p:cTn>
+                                        <p:tgtEl>
+                                          <p:spTgt spid="153"/>
+                                        </p:tgtEl>
+                                        <p:attrNameLst>
+                                          <p:attrName>style.visibility</p:attrName>
+                                        </p:attrNameLst>
+                                      </p:cBhvr>
+                                      <p:to>
+                                        <p:strVal val="visible"/>
+                                      </p:to>
+                                    </p:set>
+                                    <p:animEffect transition="in" filter="wipe(left)">
+                                      <p:cBhvr>
+                                        <p:cTn id="129" dur="500"/>
+                                        <p:tgtEl>
+                                          <p:spTgt spid="153"/>
+                                        </p:tgtEl>
+                                      </p:cBhvr>
+                                    </p:animEffect>
+                                  </p:childTnLst>
+                                </p:cTn>
+                              </p:par>
+                              <p:par>
+                                <p:cTn id="130" presetID="22" presetClass="entr" presetSubtype="8" fill="hold" grpId="0" nodeType="withEffect">
+                                  <p:stCondLst>
+                                    <p:cond delay="0"/>
+                                  </p:stCondLst>
+                                  <p:iterate type="lt">
+                                    <p:tmPct val="0"/>
+                                  </p:iterate>
+                                  <p:childTnLst>
+                                    <p:set>
+                                      <p:cBhvr>
+                                        <p:cTn id="131" dur="1" fill="hold">
+                                          <p:stCondLst>
+                                            <p:cond delay="0"/>
+                                          </p:stCondLst>
+                                        </p:cTn>
+                                        <p:tgtEl>
+                                          <p:spTgt spid="144"/>
+                                        </p:tgtEl>
+                                        <p:attrNameLst>
+                                          <p:attrName>style.visibility</p:attrName>
+                                        </p:attrNameLst>
+                                      </p:cBhvr>
+                                      <p:to>
+                                        <p:strVal val="visible"/>
+                                      </p:to>
+                                    </p:set>
+                                    <p:animEffect transition="in" filter="wipe(left)">
+                                      <p:cBhvr>
+                                        <p:cTn id="132" dur="500"/>
+                                        <p:tgtEl>
+                                          <p:spTgt spid="144"/>
+                                        </p:tgtEl>
+                                      </p:cBhvr>
+                                    </p:animEffect>
+                                  </p:childTnLst>
+                                </p:cTn>
+                              </p:par>
+                            </p:childTnLst>
+                          </p:cTn>
+                        </p:par>
+                        <p:par>
+                          <p:cTn id="133" fill="hold">
+                            <p:stCondLst>
+                              <p:cond delay="500"/>
+                            </p:stCondLst>
+                            <p:childTnLst>
+                              <p:par>
+                                <p:cTn id="134" presetID="26" presetClass="emph" presetSubtype="0" fill="hold" grpId="1" nodeType="afterEffect">
+                                  <p:stCondLst>
+                                    <p:cond delay="0"/>
+                                  </p:stCondLst>
+                                  <p:iterate type="lt">
+                                    <p:tmPct val="0"/>
+                                  </p:iterate>
+                                  <p:childTnLst>
+                                    <p:animEffect transition="out" filter="fade">
+                                      <p:cBhvr>
+                                        <p:cTn id="135" dur="500" tmFilter="0, 0; .2, .5; .8, .5; 1, 0"/>
+                                        <p:tgtEl>
+                                          <p:spTgt spid="153"/>
+                                        </p:tgtEl>
+                                      </p:cBhvr>
+                                    </p:animEffect>
+                                    <p:animScale>
+                                      <p:cBhvr>
+                                        <p:cTn id="136" dur="250" autoRev="1" fill="hold"/>
+                                        <p:tgtEl>
+                                          <p:spTgt spid="153"/>
+                                        </p:tgtEl>
+                                      </p:cBhvr>
+                                      <p:by x="105000" y="105000"/>
+                                    </p:animScale>
+                                  </p:childTnLst>
+                                </p:cTn>
+                              </p:par>
+                              <p:par>
+                                <p:cTn id="137" presetID="26" presetClass="emph" presetSubtype="0" fill="hold" grpId="1" nodeType="withEffect">
+                                  <p:stCondLst>
+                                    <p:cond delay="0"/>
+                                  </p:stCondLst>
+                                  <p:iterate type="lt">
+                                    <p:tmPct val="0"/>
+                                  </p:iterate>
+                                  <p:childTnLst>
+                                    <p:animEffect transition="out" filter="fade">
+                                      <p:cBhvr>
+                                        <p:cTn id="138" dur="500" tmFilter="0, 0; .2, .5; .8, .5; 1, 0"/>
+                                        <p:tgtEl>
+                                          <p:spTgt spid="144"/>
+                                        </p:tgtEl>
+                                      </p:cBhvr>
+                                    </p:animEffect>
+                                    <p:animScale>
+                                      <p:cBhvr>
+                                        <p:cTn id="139" dur="250" autoRev="1" fill="hold"/>
+                                        <p:tgtEl>
+                                          <p:spTgt spid="144"/>
+                                        </p:tgtEl>
+                                      </p:cBhvr>
+                                      <p:by x="105000" y="105000"/>
+                                    </p:animScale>
+                                  </p:childTnLst>
+                                </p:cTn>
+                              </p:par>
+                            </p:childTnLst>
+                          </p:cTn>
+                        </p:par>
+                      </p:childTnLst>
+                    </p:cTn>
+                  </p:par>
+                </p:childTnLst>
+              </p:cTn>
+              <p:prevCondLst>
+                <p:cond evt="onPrev" delay="0">
+                  <p:tgtEl>
+                    <p:sldTgt/>
+                  </p:tgtEl>
+                </p:cond>
+              </p:prevCondLst>
+              <p:nextCondLst>
+                <p:cond evt="onNext" delay="0">
+                  <p:tgtEl>
+                    <p:sldTgt/>
+                  </p:tgtEl>
+                </p:cond>
+              </p:nextCondLst>
+            </p:seq>
+          </p:childTnLst>
+        </p:cTn>
+      </p:par>
+    </p:tnLst>
+    <p:bldLst>
+      <p:bldP spid="49" grpId="0" animBg="1"/>
+      <p:bldP spid="50" grpId="0" animBg="1"/>
+      <p:bldP spid="54" grpId="0" animBg="1"/>
+      <p:bldP spid="55" grpId="0" animBg="1"/>
+      <p:bldP spid="56" grpId="0" animBg="1"/>
+      <p:bldP spid="63" grpId="0" animBg="1"/>
+      <p:bldP spid="64" grpId="0" animBg="1"/>
+      <p:bldP spid="65" grpId="0" animBg="1"/>
+      <p:bldP spid="66" grpId="0" animBg="1"/>
+      <p:bldP spid="67" grpId="0" animBg="1"/>
+      <p:bldP spid="68" grpId="0" animBg="1"/>
+      <p:bldP spid="69" grpId="0" animBg="1"/>
+      <p:bldP spid="70" grpId="0" animBg="1"/>
+      <p:bldP spid="71" grpId="0" animBg="1"/>
+      <p:bldP spid="101" grpId="0" animBg="1"/>
+      <p:bldP spid="102" grpId="0" animBg="1"/>
+      <p:bldP spid="126" grpId="0" animBg="1"/>
+      <p:bldP spid="127" grpId="0" animBg="1"/>
+      <p:bldP spid="144" grpId="0" animBg="1"/>
+      <p:bldP spid="144" grpId="1" animBg="1"/>
+      <p:bldP spid="153" grpId="0" animBg="1"/>
+      <p:bldP spid="153" grpId="1" animBg="1"/>
+    </p:bldLst>
+  </p:timing>
 </p:sld>
 </file>
 
-<file path=ppt/slides/slide3.xml><?xml version="1.0" encoding="utf-8"?>
+<file path=ppt/slides/slide2.xml><?xml version="1.0" encoding="utf-8"?>
 <p:sld xmlns:a="http://schemas.openxmlformats.org/drawingml/2006/main" xmlns:r="http://schemas.openxmlformats.org/officeDocument/2006/relationships" xmlns:p="http://schemas.openxmlformats.org/presentationml/2006/main">
   <p:cSld>
     <p:spTree>
@@ -5120,8 +9112,8 @@
         </p:nvSpPr>
         <p:spPr>
           <a:xfrm>
-            <a:off x="1040525" y="1359750"/>
-            <a:ext cx="10321157" cy="3416320"/>
+            <a:off x="1058455" y="1047188"/>
+            <a:ext cx="10321157" cy="4467057"/>
           </a:xfrm>
           <a:prstGeom prst="rect">
             <a:avLst/>
@@ -5147,9 +9139,1073 @@
                 </a:solidFill>
                 <a:latin typeface="Roboto"/>
               </a:rPr>
-              <a:t>Veri işlemek için bir programlama modeli</a:t>
+              <a:t>HDFS ve YARN ile beraber Hadoop’un en temel bileşeninden birisidir.</a:t>
             </a:r>
           </a:p>
+          <a:p>
+            <a:pPr marL="285750" indent="-285750">
+              <a:lnSpc>
+                <a:spcPct val="150000"/>
+              </a:lnSpc>
+              <a:buFont typeface="Wingdings" panose="05000000000000000000" pitchFamily="2" charset="2"/>
+              <a:buChar char="ü"/>
+            </a:pPr>
+            <a:r>
+              <a:rPr lang="tr-TR" sz="2400" dirty="0">
+                <a:solidFill>
+                  <a:srgbClr val="404041"/>
+                </a:solidFill>
+                <a:latin typeface="Roboto"/>
+              </a:rPr>
+              <a:t>Büyük veri işlemek için bir framework</a:t>
+            </a:r>
+          </a:p>
+          <a:p>
+            <a:pPr marL="285750" indent="-285750">
+              <a:lnSpc>
+                <a:spcPct val="150000"/>
+              </a:lnSpc>
+              <a:buFont typeface="Wingdings" panose="05000000000000000000" pitchFamily="2" charset="2"/>
+              <a:buChar char="ü"/>
+            </a:pPr>
+            <a:r>
+              <a:rPr lang="tr-TR" sz="2400" dirty="0">
+                <a:solidFill>
+                  <a:srgbClr val="404041"/>
+                </a:solidFill>
+                <a:latin typeface="Roboto"/>
+              </a:rPr>
+              <a:t>Google’ın web sayfalarını indeksleme ihtiyacından doğdu</a:t>
+            </a:r>
+          </a:p>
+          <a:p>
+            <a:pPr marL="285750" indent="-285750">
+              <a:lnSpc>
+                <a:spcPct val="150000"/>
+              </a:lnSpc>
+              <a:buFont typeface="Wingdings" panose="05000000000000000000" pitchFamily="2" charset="2"/>
+              <a:buChar char="ü"/>
+            </a:pPr>
+            <a:r>
+              <a:rPr lang="tr-TR" sz="2400" dirty="0">
+                <a:solidFill>
+                  <a:srgbClr val="404041"/>
+                </a:solidFill>
+                <a:latin typeface="Roboto"/>
+              </a:rPr>
+              <a:t>Java tabanlıdır</a:t>
+            </a:r>
+          </a:p>
+          <a:p>
+            <a:pPr marL="285750" indent="-285750">
+              <a:lnSpc>
+                <a:spcPct val="150000"/>
+              </a:lnSpc>
+              <a:buFont typeface="Wingdings" panose="05000000000000000000" pitchFamily="2" charset="2"/>
+              <a:buChar char="ü"/>
+            </a:pPr>
+            <a:r>
+              <a:rPr lang="tr-TR" sz="2400" dirty="0">
+                <a:solidFill>
+                  <a:srgbClr val="404041"/>
+                </a:solidFill>
+                <a:latin typeface="Roboto"/>
+              </a:rPr>
+              <a:t>MapReduce mantığı ~ Büyük Veri - Hadoop mantığı</a:t>
+            </a:r>
+          </a:p>
+          <a:p>
+            <a:pPr marL="285750" indent="-285750">
+              <a:lnSpc>
+                <a:spcPct val="150000"/>
+              </a:lnSpc>
+              <a:buFont typeface="Wingdings" panose="05000000000000000000" pitchFamily="2" charset="2"/>
+              <a:buChar char="ü"/>
+            </a:pPr>
+            <a:r>
+              <a:rPr lang="tr-TR" sz="2400" dirty="0">
+                <a:solidFill>
+                  <a:srgbClr val="404041"/>
+                </a:solidFill>
+                <a:latin typeface="Roboto"/>
+              </a:rPr>
+              <a:t>Map() parçala ve hesaplanacak hale dönüştür</a:t>
+            </a:r>
+          </a:p>
+          <a:p>
+            <a:pPr marL="285750" indent="-285750">
+              <a:lnSpc>
+                <a:spcPct val="150000"/>
+              </a:lnSpc>
+              <a:buFont typeface="Wingdings" panose="05000000000000000000" pitchFamily="2" charset="2"/>
+              <a:buChar char="ü"/>
+            </a:pPr>
+            <a:r>
+              <a:rPr lang="tr-TR" sz="2400" dirty="0">
+                <a:solidFill>
+                  <a:srgbClr val="404041"/>
+                </a:solidFill>
+                <a:latin typeface="Roboto"/>
+              </a:rPr>
+              <a:t>Reduce() sonuçları hesapla</a:t>
+            </a:r>
+          </a:p>
+          <a:p>
+            <a:pPr marL="285750" indent="-285750">
+              <a:lnSpc>
+                <a:spcPct val="150000"/>
+              </a:lnSpc>
+              <a:buFont typeface="Wingdings" panose="05000000000000000000" pitchFamily="2" charset="2"/>
+              <a:buChar char="ü"/>
+            </a:pPr>
+            <a:endParaRPr lang="en-US" sz="2400" dirty="0"/>
+          </a:p>
+        </p:txBody>
+      </p:sp>
+      <p:sp>
+        <p:nvSpPr>
+          <p:cNvPr id="16" name="Unvan 1"/>
+          <p:cNvSpPr>
+            <a:spLocks noGrp="1"/>
+          </p:cNvSpPr>
+          <p:nvPr>
+            <p:ph type="ctrTitle"/>
+          </p:nvPr>
+        </p:nvSpPr>
+        <p:spPr>
+          <a:xfrm>
+            <a:off x="1434101" y="231850"/>
+            <a:ext cx="9144000" cy="687818"/>
+          </a:xfrm>
+        </p:spPr>
+        <p:txBody>
+          <a:bodyPr>
+            <a:normAutofit/>
+          </a:bodyPr>
+          <a:lstStyle/>
+          <a:p>
+            <a:r>
+              <a:rPr lang="tr-TR" sz="4200" b="1" dirty="0">
+                <a:solidFill>
+                  <a:srgbClr val="CD1F26"/>
+                </a:solidFill>
+                <a:latin typeface="Arial" panose="020B0604020202020204" pitchFamily="34" charset="0"/>
+                <a:ea typeface="Verdana" panose="020B0604030504040204" pitchFamily="34" charset="0"/>
+                <a:cs typeface="Arial" panose="020B0604020202020204" pitchFamily="34" charset="0"/>
+              </a:rPr>
+              <a:t>MapReduce</a:t>
+            </a:r>
+            <a:endParaRPr lang="en-US" sz="4200" b="1" dirty="0">
+              <a:solidFill>
+                <a:srgbClr val="CD1F26"/>
+              </a:solidFill>
+              <a:latin typeface="Arial" panose="020B0604020202020204" pitchFamily="34" charset="0"/>
+              <a:ea typeface="Verdana" panose="020B0604030504040204" pitchFamily="34" charset="0"/>
+              <a:cs typeface="Arial" panose="020B0604020202020204" pitchFamily="34" charset="0"/>
+            </a:endParaRPr>
+          </a:p>
+        </p:txBody>
+      </p:sp>
+    </p:spTree>
+    <p:extLst>
+      <p:ext uri="{BB962C8B-B14F-4D97-AF65-F5344CB8AC3E}">
+        <p14:creationId xmlns:p14="http://schemas.microsoft.com/office/powerpoint/2010/main" val="2116207015"/>
+      </p:ext>
+    </p:extLst>
+  </p:cSld>
+  <p:clrMapOvr>
+    <a:masterClrMapping/>
+  </p:clrMapOvr>
+  <p:timing>
+    <p:tnLst>
+      <p:par>
+        <p:cTn id="1" dur="indefinite" restart="never" nodeType="tmRoot">
+          <p:childTnLst>
+            <p:seq concurrent="1" nextAc="seek">
+              <p:cTn id="2" dur="indefinite" nodeType="mainSeq">
+                <p:childTnLst>
+                  <p:par>
+                    <p:cTn id="3" fill="hold">
+                      <p:stCondLst>
+                        <p:cond delay="indefinite"/>
+                      </p:stCondLst>
+                      <p:childTnLst>
+                        <p:par>
+                          <p:cTn id="4" fill="hold">
+                            <p:stCondLst>
+                              <p:cond delay="0"/>
+                            </p:stCondLst>
+                            <p:childTnLst>
+                              <p:par>
+                                <p:cTn id="5" presetID="22" presetClass="entr" presetSubtype="8" fill="hold" nodeType="clickEffect">
+                                  <p:stCondLst>
+                                    <p:cond delay="0"/>
+                                  </p:stCondLst>
+                                  <p:childTnLst>
+                                    <p:set>
+                                      <p:cBhvr>
+                                        <p:cTn id="6" dur="1" fill="hold">
+                                          <p:stCondLst>
+                                            <p:cond delay="0"/>
+                                          </p:stCondLst>
+                                        </p:cTn>
+                                        <p:tgtEl>
+                                          <p:spTgt spid="3">
+                                            <p:txEl>
+                                              <p:pRg st="0" end="0"/>
+                                            </p:txEl>
+                                          </p:spTgt>
+                                        </p:tgtEl>
+                                        <p:attrNameLst>
+                                          <p:attrName>style.visibility</p:attrName>
+                                        </p:attrNameLst>
+                                      </p:cBhvr>
+                                      <p:to>
+                                        <p:strVal val="visible"/>
+                                      </p:to>
+                                    </p:set>
+                                    <p:animEffect transition="in" filter="wipe(left)">
+                                      <p:cBhvr>
+                                        <p:cTn id="7" dur="500"/>
+                                        <p:tgtEl>
+                                          <p:spTgt spid="3">
+                                            <p:txEl>
+                                              <p:pRg st="0" end="0"/>
+                                            </p:txEl>
+                                          </p:spTgt>
+                                        </p:tgtEl>
+                                      </p:cBhvr>
+                                    </p:animEffect>
+                                  </p:childTnLst>
+                                </p:cTn>
+                              </p:par>
+                            </p:childTnLst>
+                          </p:cTn>
+                        </p:par>
+                      </p:childTnLst>
+                    </p:cTn>
+                  </p:par>
+                  <p:par>
+                    <p:cTn id="8" fill="hold">
+                      <p:stCondLst>
+                        <p:cond delay="indefinite"/>
+                      </p:stCondLst>
+                      <p:childTnLst>
+                        <p:par>
+                          <p:cTn id="9" fill="hold">
+                            <p:stCondLst>
+                              <p:cond delay="0"/>
+                            </p:stCondLst>
+                            <p:childTnLst>
+                              <p:par>
+                                <p:cTn id="10" presetID="22" presetClass="entr" presetSubtype="8" fill="hold" nodeType="clickEffect">
+                                  <p:stCondLst>
+                                    <p:cond delay="0"/>
+                                  </p:stCondLst>
+                                  <p:childTnLst>
+                                    <p:set>
+                                      <p:cBhvr>
+                                        <p:cTn id="11" dur="1" fill="hold">
+                                          <p:stCondLst>
+                                            <p:cond delay="0"/>
+                                          </p:stCondLst>
+                                        </p:cTn>
+                                        <p:tgtEl>
+                                          <p:spTgt spid="3">
+                                            <p:txEl>
+                                              <p:pRg st="1" end="1"/>
+                                            </p:txEl>
+                                          </p:spTgt>
+                                        </p:tgtEl>
+                                        <p:attrNameLst>
+                                          <p:attrName>style.visibility</p:attrName>
+                                        </p:attrNameLst>
+                                      </p:cBhvr>
+                                      <p:to>
+                                        <p:strVal val="visible"/>
+                                      </p:to>
+                                    </p:set>
+                                    <p:animEffect transition="in" filter="wipe(left)">
+                                      <p:cBhvr>
+                                        <p:cTn id="12" dur="500"/>
+                                        <p:tgtEl>
+                                          <p:spTgt spid="3">
+                                            <p:txEl>
+                                              <p:pRg st="1" end="1"/>
+                                            </p:txEl>
+                                          </p:spTgt>
+                                        </p:tgtEl>
+                                      </p:cBhvr>
+                                    </p:animEffect>
+                                  </p:childTnLst>
+                                </p:cTn>
+                              </p:par>
+                            </p:childTnLst>
+                          </p:cTn>
+                        </p:par>
+                      </p:childTnLst>
+                    </p:cTn>
+                  </p:par>
+                  <p:par>
+                    <p:cTn id="13" fill="hold">
+                      <p:stCondLst>
+                        <p:cond delay="indefinite"/>
+                      </p:stCondLst>
+                      <p:childTnLst>
+                        <p:par>
+                          <p:cTn id="14" fill="hold">
+                            <p:stCondLst>
+                              <p:cond delay="0"/>
+                            </p:stCondLst>
+                            <p:childTnLst>
+                              <p:par>
+                                <p:cTn id="15" presetID="22" presetClass="entr" presetSubtype="8" fill="hold" nodeType="clickEffect">
+                                  <p:stCondLst>
+                                    <p:cond delay="0"/>
+                                  </p:stCondLst>
+                                  <p:childTnLst>
+                                    <p:set>
+                                      <p:cBhvr>
+                                        <p:cTn id="16" dur="1" fill="hold">
+                                          <p:stCondLst>
+                                            <p:cond delay="0"/>
+                                          </p:stCondLst>
+                                        </p:cTn>
+                                        <p:tgtEl>
+                                          <p:spTgt spid="3">
+                                            <p:txEl>
+                                              <p:pRg st="2" end="2"/>
+                                            </p:txEl>
+                                          </p:spTgt>
+                                        </p:tgtEl>
+                                        <p:attrNameLst>
+                                          <p:attrName>style.visibility</p:attrName>
+                                        </p:attrNameLst>
+                                      </p:cBhvr>
+                                      <p:to>
+                                        <p:strVal val="visible"/>
+                                      </p:to>
+                                    </p:set>
+                                    <p:animEffect transition="in" filter="wipe(left)">
+                                      <p:cBhvr>
+                                        <p:cTn id="17" dur="500"/>
+                                        <p:tgtEl>
+                                          <p:spTgt spid="3">
+                                            <p:txEl>
+                                              <p:pRg st="2" end="2"/>
+                                            </p:txEl>
+                                          </p:spTgt>
+                                        </p:tgtEl>
+                                      </p:cBhvr>
+                                    </p:animEffect>
+                                  </p:childTnLst>
+                                </p:cTn>
+                              </p:par>
+                            </p:childTnLst>
+                          </p:cTn>
+                        </p:par>
+                      </p:childTnLst>
+                    </p:cTn>
+                  </p:par>
+                  <p:par>
+                    <p:cTn id="18" fill="hold">
+                      <p:stCondLst>
+                        <p:cond delay="indefinite"/>
+                      </p:stCondLst>
+                      <p:childTnLst>
+                        <p:par>
+                          <p:cTn id="19" fill="hold">
+                            <p:stCondLst>
+                              <p:cond delay="0"/>
+                            </p:stCondLst>
+                            <p:childTnLst>
+                              <p:par>
+                                <p:cTn id="20" presetID="22" presetClass="entr" presetSubtype="8" fill="hold" nodeType="clickEffect">
+                                  <p:stCondLst>
+                                    <p:cond delay="0"/>
+                                  </p:stCondLst>
+                                  <p:childTnLst>
+                                    <p:set>
+                                      <p:cBhvr>
+                                        <p:cTn id="21" dur="1" fill="hold">
+                                          <p:stCondLst>
+                                            <p:cond delay="0"/>
+                                          </p:stCondLst>
+                                        </p:cTn>
+                                        <p:tgtEl>
+                                          <p:spTgt spid="3">
+                                            <p:txEl>
+                                              <p:pRg st="3" end="3"/>
+                                            </p:txEl>
+                                          </p:spTgt>
+                                        </p:tgtEl>
+                                        <p:attrNameLst>
+                                          <p:attrName>style.visibility</p:attrName>
+                                        </p:attrNameLst>
+                                      </p:cBhvr>
+                                      <p:to>
+                                        <p:strVal val="visible"/>
+                                      </p:to>
+                                    </p:set>
+                                    <p:animEffect transition="in" filter="wipe(left)">
+                                      <p:cBhvr>
+                                        <p:cTn id="22" dur="500"/>
+                                        <p:tgtEl>
+                                          <p:spTgt spid="3">
+                                            <p:txEl>
+                                              <p:pRg st="3" end="3"/>
+                                            </p:txEl>
+                                          </p:spTgt>
+                                        </p:tgtEl>
+                                      </p:cBhvr>
+                                    </p:animEffect>
+                                  </p:childTnLst>
+                                </p:cTn>
+                              </p:par>
+                            </p:childTnLst>
+                          </p:cTn>
+                        </p:par>
+                      </p:childTnLst>
+                    </p:cTn>
+                  </p:par>
+                  <p:par>
+                    <p:cTn id="23" fill="hold">
+                      <p:stCondLst>
+                        <p:cond delay="indefinite"/>
+                      </p:stCondLst>
+                      <p:childTnLst>
+                        <p:par>
+                          <p:cTn id="24" fill="hold">
+                            <p:stCondLst>
+                              <p:cond delay="0"/>
+                            </p:stCondLst>
+                            <p:childTnLst>
+                              <p:par>
+                                <p:cTn id="25" presetID="22" presetClass="entr" presetSubtype="8" fill="hold" nodeType="clickEffect">
+                                  <p:stCondLst>
+                                    <p:cond delay="0"/>
+                                  </p:stCondLst>
+                                  <p:childTnLst>
+                                    <p:set>
+                                      <p:cBhvr>
+                                        <p:cTn id="26" dur="1" fill="hold">
+                                          <p:stCondLst>
+                                            <p:cond delay="0"/>
+                                          </p:stCondLst>
+                                        </p:cTn>
+                                        <p:tgtEl>
+                                          <p:spTgt spid="3">
+                                            <p:txEl>
+                                              <p:pRg st="4" end="4"/>
+                                            </p:txEl>
+                                          </p:spTgt>
+                                        </p:tgtEl>
+                                        <p:attrNameLst>
+                                          <p:attrName>style.visibility</p:attrName>
+                                        </p:attrNameLst>
+                                      </p:cBhvr>
+                                      <p:to>
+                                        <p:strVal val="visible"/>
+                                      </p:to>
+                                    </p:set>
+                                    <p:animEffect transition="in" filter="wipe(left)">
+                                      <p:cBhvr>
+                                        <p:cTn id="27" dur="500"/>
+                                        <p:tgtEl>
+                                          <p:spTgt spid="3">
+                                            <p:txEl>
+                                              <p:pRg st="4" end="4"/>
+                                            </p:txEl>
+                                          </p:spTgt>
+                                        </p:tgtEl>
+                                      </p:cBhvr>
+                                    </p:animEffect>
+                                  </p:childTnLst>
+                                </p:cTn>
+                              </p:par>
+                            </p:childTnLst>
+                          </p:cTn>
+                        </p:par>
+                      </p:childTnLst>
+                    </p:cTn>
+                  </p:par>
+                  <p:par>
+                    <p:cTn id="28" fill="hold">
+                      <p:stCondLst>
+                        <p:cond delay="indefinite"/>
+                      </p:stCondLst>
+                      <p:childTnLst>
+                        <p:par>
+                          <p:cTn id="29" fill="hold">
+                            <p:stCondLst>
+                              <p:cond delay="0"/>
+                            </p:stCondLst>
+                            <p:childTnLst>
+                              <p:par>
+                                <p:cTn id="30" presetID="22" presetClass="entr" presetSubtype="8" fill="hold" nodeType="clickEffect">
+                                  <p:stCondLst>
+                                    <p:cond delay="0"/>
+                                  </p:stCondLst>
+                                  <p:childTnLst>
+                                    <p:set>
+                                      <p:cBhvr>
+                                        <p:cTn id="31" dur="1" fill="hold">
+                                          <p:stCondLst>
+                                            <p:cond delay="0"/>
+                                          </p:stCondLst>
+                                        </p:cTn>
+                                        <p:tgtEl>
+                                          <p:spTgt spid="3">
+                                            <p:txEl>
+                                              <p:pRg st="5" end="5"/>
+                                            </p:txEl>
+                                          </p:spTgt>
+                                        </p:tgtEl>
+                                        <p:attrNameLst>
+                                          <p:attrName>style.visibility</p:attrName>
+                                        </p:attrNameLst>
+                                      </p:cBhvr>
+                                      <p:to>
+                                        <p:strVal val="visible"/>
+                                      </p:to>
+                                    </p:set>
+                                    <p:animEffect transition="in" filter="wipe(left)">
+                                      <p:cBhvr>
+                                        <p:cTn id="32" dur="500"/>
+                                        <p:tgtEl>
+                                          <p:spTgt spid="3">
+                                            <p:txEl>
+                                              <p:pRg st="5" end="5"/>
+                                            </p:txEl>
+                                          </p:spTgt>
+                                        </p:tgtEl>
+                                      </p:cBhvr>
+                                    </p:animEffect>
+                                  </p:childTnLst>
+                                </p:cTn>
+                              </p:par>
+                            </p:childTnLst>
+                          </p:cTn>
+                        </p:par>
+                      </p:childTnLst>
+                    </p:cTn>
+                  </p:par>
+                  <p:par>
+                    <p:cTn id="33" fill="hold">
+                      <p:stCondLst>
+                        <p:cond delay="indefinite"/>
+                      </p:stCondLst>
+                      <p:childTnLst>
+                        <p:par>
+                          <p:cTn id="34" fill="hold">
+                            <p:stCondLst>
+                              <p:cond delay="0"/>
+                            </p:stCondLst>
+                            <p:childTnLst>
+                              <p:par>
+                                <p:cTn id="35" presetID="22" presetClass="entr" presetSubtype="8" fill="hold" nodeType="clickEffect">
+                                  <p:stCondLst>
+                                    <p:cond delay="0"/>
+                                  </p:stCondLst>
+                                  <p:childTnLst>
+                                    <p:set>
+                                      <p:cBhvr>
+                                        <p:cTn id="36" dur="1" fill="hold">
+                                          <p:stCondLst>
+                                            <p:cond delay="0"/>
+                                          </p:stCondLst>
+                                        </p:cTn>
+                                        <p:tgtEl>
+                                          <p:spTgt spid="3">
+                                            <p:txEl>
+                                              <p:pRg st="6" end="6"/>
+                                            </p:txEl>
+                                          </p:spTgt>
+                                        </p:tgtEl>
+                                        <p:attrNameLst>
+                                          <p:attrName>style.visibility</p:attrName>
+                                        </p:attrNameLst>
+                                      </p:cBhvr>
+                                      <p:to>
+                                        <p:strVal val="visible"/>
+                                      </p:to>
+                                    </p:set>
+                                    <p:animEffect transition="in" filter="wipe(left)">
+                                      <p:cBhvr>
+                                        <p:cTn id="37" dur="500"/>
+                                        <p:tgtEl>
+                                          <p:spTgt spid="3">
+                                            <p:txEl>
+                                              <p:pRg st="6" end="6"/>
+                                            </p:txEl>
+                                          </p:spTgt>
+                                        </p:tgtEl>
+                                      </p:cBhvr>
+                                    </p:animEffect>
+                                  </p:childTnLst>
+                                </p:cTn>
+                              </p:par>
+                            </p:childTnLst>
+                          </p:cTn>
+                        </p:par>
+                      </p:childTnLst>
+                    </p:cTn>
+                  </p:par>
+                </p:childTnLst>
+              </p:cTn>
+              <p:prevCondLst>
+                <p:cond evt="onPrev" delay="0">
+                  <p:tgtEl>
+                    <p:sldTgt/>
+                  </p:tgtEl>
+                </p:cond>
+              </p:prevCondLst>
+              <p:nextCondLst>
+                <p:cond evt="onNext" delay="0">
+                  <p:tgtEl>
+                    <p:sldTgt/>
+                  </p:tgtEl>
+                </p:cond>
+              </p:nextCondLst>
+            </p:seq>
+          </p:childTnLst>
+        </p:cTn>
+      </p:par>
+    </p:tnLst>
+  </p:timing>
+</p:sld>
+</file>
+
+<file path=ppt/slides/slide3.xml><?xml version="1.0" encoding="utf-8"?>
+<p:sld xmlns:a="http://schemas.openxmlformats.org/drawingml/2006/main" xmlns:r="http://schemas.openxmlformats.org/officeDocument/2006/relationships" xmlns:p="http://schemas.openxmlformats.org/presentationml/2006/main">
+  <p:cSld>
+    <p:spTree>
+      <p:nvGrpSpPr>
+        <p:cNvPr id="1" name=""/>
+        <p:cNvGrpSpPr/>
+        <p:nvPr/>
+      </p:nvGrpSpPr>
+      <p:grpSpPr>
+        <a:xfrm>
+          <a:off x="0" y="0"/>
+          <a:ext cx="0" cy="0"/>
+          <a:chOff x="0" y="0"/>
+          <a:chExt cx="0" cy="0"/>
+        </a:xfrm>
+      </p:grpSpPr>
+      <p:cxnSp>
+        <p:nvCxnSpPr>
+          <p:cNvPr id="10" name="Düz Bağlayıcı 9"/>
+          <p:cNvCxnSpPr/>
+          <p:nvPr/>
+        </p:nvCxnSpPr>
+        <p:spPr>
+          <a:xfrm>
+            <a:off x="228596" y="6166763"/>
+            <a:ext cx="11768671" cy="0"/>
+          </a:xfrm>
+          <a:prstGeom prst="line">
+            <a:avLst/>
+          </a:prstGeom>
+          <a:ln w="101600" cmpd="thickThin">
+            <a:solidFill>
+              <a:schemeClr val="accent1">
+                <a:lumMod val="75000"/>
+              </a:schemeClr>
+            </a:solidFill>
+          </a:ln>
+        </p:spPr>
+        <p:style>
+          <a:lnRef idx="1">
+            <a:schemeClr val="accent1"/>
+          </a:lnRef>
+          <a:fillRef idx="0">
+            <a:schemeClr val="accent1"/>
+          </a:fillRef>
+          <a:effectRef idx="0">
+            <a:schemeClr val="accent1"/>
+          </a:effectRef>
+          <a:fontRef idx="minor">
+            <a:schemeClr val="tx1"/>
+          </a:fontRef>
+        </p:style>
+      </p:cxnSp>
+      <p:grpSp>
+        <p:nvGrpSpPr>
+          <p:cNvPr id="15" name="Grup 14"/>
+          <p:cNvGrpSpPr/>
+          <p:nvPr/>
+        </p:nvGrpSpPr>
+        <p:grpSpPr>
+          <a:xfrm>
+            <a:off x="228596" y="6231467"/>
+            <a:ext cx="3041654" cy="492576"/>
+            <a:chOff x="228596" y="6231467"/>
+            <a:chExt cx="3041654" cy="492576"/>
+          </a:xfrm>
+        </p:grpSpPr>
+        <p:grpSp>
+          <p:nvGrpSpPr>
+            <p:cNvPr id="8" name="Grup 7"/>
+            <p:cNvGrpSpPr/>
+            <p:nvPr/>
+          </p:nvGrpSpPr>
+          <p:grpSpPr>
+            <a:xfrm>
+              <a:off x="228596" y="6231467"/>
+              <a:ext cx="2802471" cy="457084"/>
+              <a:chOff x="127000" y="5901146"/>
+              <a:chExt cx="5156200" cy="838200"/>
+            </a:xfrm>
+          </p:grpSpPr>
+          <p:sp>
+            <p:nvSpPr>
+              <p:cNvPr id="7" name="Dikdörtgen 6"/>
+              <p:cNvSpPr/>
+              <p:nvPr/>
+            </p:nvSpPr>
+            <p:spPr>
+              <a:xfrm>
+                <a:off x="127000" y="5901146"/>
+                <a:ext cx="5156200" cy="838200"/>
+              </a:xfrm>
+              <a:prstGeom prst="rect">
+                <a:avLst/>
+              </a:prstGeom>
+              <a:solidFill>
+                <a:schemeClr val="bg1">
+                  <a:lumMod val="95000"/>
+                </a:schemeClr>
+              </a:solidFill>
+              <a:ln>
+                <a:noFill/>
+              </a:ln>
+            </p:spPr>
+            <p:style>
+              <a:lnRef idx="2">
+                <a:schemeClr val="accent1">
+                  <a:shade val="50000"/>
+                </a:schemeClr>
+              </a:lnRef>
+              <a:fillRef idx="1">
+                <a:schemeClr val="accent1"/>
+              </a:fillRef>
+              <a:effectRef idx="0">
+                <a:schemeClr val="accent1"/>
+              </a:effectRef>
+              <a:fontRef idx="minor">
+                <a:schemeClr val="lt1"/>
+              </a:fontRef>
+            </p:style>
+            <p:txBody>
+              <a:bodyPr rtlCol="0" anchor="ctr"/>
+              <a:lstStyle/>
+              <a:p>
+                <a:pPr algn="ctr"/>
+                <a:endParaRPr lang="en-US" sz="2000"/>
+              </a:p>
+            </p:txBody>
+          </p:sp>
+          <p:grpSp>
+            <p:nvGrpSpPr>
+              <p:cNvPr id="6" name="Grup 5"/>
+              <p:cNvGrpSpPr/>
+              <p:nvPr/>
+            </p:nvGrpSpPr>
+            <p:grpSpPr>
+              <a:xfrm>
+                <a:off x="211667" y="6019800"/>
+                <a:ext cx="5012266" cy="605115"/>
+                <a:chOff x="211667" y="6019800"/>
+                <a:chExt cx="5012266" cy="605115"/>
+              </a:xfrm>
+            </p:grpSpPr>
+            <p:pic>
+              <p:nvPicPr>
+                <p:cNvPr id="4" name="Resim 3"/>
+                <p:cNvPicPr>
+                  <a:picLocks noChangeAspect="1"/>
+                </p:cNvPicPr>
+                <p:nvPr/>
+              </p:nvPicPr>
+              <p:blipFill rotWithShape="1">
+                <a:blip r:embed="rId2" cstate="print">
+                  <a:extLst>
+                    <a:ext uri="{28A0092B-C50C-407E-A947-70E740481C1C}">
+                      <a14:useLocalDpi xmlns:a14="http://schemas.microsoft.com/office/drawing/2010/main" val="0"/>
+                    </a:ext>
+                  </a:extLst>
+                </a:blip>
+                <a:srcRect l="24387" t="8319" r="18355" b="50150"/>
+                <a:stretch/>
+              </p:blipFill>
+              <p:spPr>
+                <a:xfrm>
+                  <a:off x="211667" y="6019800"/>
+                  <a:ext cx="1072095" cy="600892"/>
+                </a:xfrm>
+                <a:prstGeom prst="rect">
+                  <a:avLst/>
+                </a:prstGeom>
+              </p:spPr>
+            </p:pic>
+            <p:sp>
+              <p:nvSpPr>
+                <p:cNvPr id="5" name="Unvan 1"/>
+                <p:cNvSpPr txBox="1">
+                  <a:spLocks/>
+                </p:cNvSpPr>
+                <p:nvPr/>
+              </p:nvSpPr>
+              <p:spPr>
+                <a:xfrm>
+                  <a:off x="1283763" y="6024023"/>
+                  <a:ext cx="3940170" cy="600892"/>
+                </a:xfrm>
+                <a:prstGeom prst="rect">
+                  <a:avLst/>
+                </a:prstGeom>
+              </p:spPr>
+              <p:txBody>
+                <a:bodyPr vert="horz" lIns="91440" tIns="45720" rIns="91440" bIns="45720" rtlCol="0" anchor="b">
+                  <a:noAutofit/>
+                </a:bodyPr>
+                <a:lstStyle>
+                  <a:lvl1pPr algn="ctr" defTabSz="914400" rtl="0" eaLnBrk="1" latinLnBrk="0" hangingPunct="1">
+                    <a:lnSpc>
+                      <a:spcPct val="90000"/>
+                    </a:lnSpc>
+                    <a:spcBef>
+                      <a:spcPct val="0"/>
+                    </a:spcBef>
+                    <a:buNone/>
+                    <a:defRPr sz="6000" kern="1200">
+                      <a:solidFill>
+                        <a:schemeClr val="tx1"/>
+                      </a:solidFill>
+                      <a:latin typeface="+mj-lt"/>
+                      <a:ea typeface="+mj-ea"/>
+                      <a:cs typeface="+mj-cs"/>
+                    </a:defRPr>
+                  </a:lvl1pPr>
+                </a:lstStyle>
+                <a:p>
+                  <a:pPr algn="l"/>
+                  <a:r>
+                    <a:rPr lang="tr-TR" sz="2000" dirty="0">
+                      <a:solidFill>
+                        <a:srgbClr val="CB171F"/>
+                      </a:solidFill>
+                      <a:latin typeface="Constantia" panose="02030602050306030303" pitchFamily="18" charset="0"/>
+                      <a:ea typeface="Verdana" panose="020B0604030504040204" pitchFamily="34" charset="0"/>
+                      <a:cs typeface="Arial" panose="020B0604020202020204" pitchFamily="34" charset="0"/>
+                    </a:rPr>
+                    <a:t>Veri Bilimi Okulu</a:t>
+                  </a:r>
+                  <a:endParaRPr lang="en-US" sz="2000" dirty="0">
+                    <a:solidFill>
+                      <a:srgbClr val="CB171F"/>
+                    </a:solidFill>
+                    <a:latin typeface="Constantia" panose="02030602050306030303" pitchFamily="18" charset="0"/>
+                    <a:ea typeface="Verdana" panose="020B0604030504040204" pitchFamily="34" charset="0"/>
+                    <a:cs typeface="Arial" panose="020B0604020202020204" pitchFamily="34" charset="0"/>
+                  </a:endParaRPr>
+                </a:p>
+              </p:txBody>
+            </p:sp>
+          </p:grpSp>
+        </p:grpSp>
+        <p:sp>
+          <p:nvSpPr>
+            <p:cNvPr id="12" name="Metin kutusu 11"/>
+            <p:cNvSpPr txBox="1"/>
+            <p:nvPr/>
+          </p:nvSpPr>
+          <p:spPr>
+            <a:xfrm>
+              <a:off x="1582782" y="6493211"/>
+              <a:ext cx="1687468" cy="230832"/>
+            </a:xfrm>
+            <a:prstGeom prst="rect">
+              <a:avLst/>
+            </a:prstGeom>
+            <a:noFill/>
+          </p:spPr>
+          <p:txBody>
+            <a:bodyPr wrap="square" rtlCol="0">
+              <a:spAutoFit/>
+            </a:bodyPr>
+            <a:lstStyle/>
+            <a:p>
+              <a:r>
+                <a:rPr lang="en-US" sz="900" dirty="0">
+                  <a:solidFill>
+                    <a:srgbClr val="0B8043"/>
+                  </a:solidFill>
+                </a:rPr>
+                <a:t>https:</a:t>
+              </a:r>
+              <a:r>
+                <a:rPr lang="en-US" sz="900" dirty="0">
+                  <a:solidFill>
+                    <a:schemeClr val="bg1">
+                      <a:lumMod val="50000"/>
+                    </a:schemeClr>
+                  </a:solidFill>
+                </a:rPr>
+                <a:t>//www.veribilimi.co</a:t>
+              </a:r>
+            </a:p>
+          </p:txBody>
+        </p:sp>
+      </p:grpSp>
+      <p:grpSp>
+        <p:nvGrpSpPr>
+          <p:cNvPr id="11" name="Grup 10"/>
+          <p:cNvGrpSpPr/>
+          <p:nvPr/>
+        </p:nvGrpSpPr>
+        <p:grpSpPr>
+          <a:xfrm>
+            <a:off x="9194796" y="6231467"/>
+            <a:ext cx="2802471" cy="457084"/>
+            <a:chOff x="184993" y="5905369"/>
+            <a:chExt cx="5156200" cy="838200"/>
+          </a:xfrm>
+        </p:grpSpPr>
+        <p:sp>
+          <p:nvSpPr>
+            <p:cNvPr id="13" name="Dikdörtgen 12"/>
+            <p:cNvSpPr/>
+            <p:nvPr/>
+          </p:nvSpPr>
+          <p:spPr>
+            <a:xfrm>
+              <a:off x="184993" y="5905369"/>
+              <a:ext cx="5156200" cy="838200"/>
+            </a:xfrm>
+            <a:prstGeom prst="rect">
+              <a:avLst/>
+            </a:prstGeom>
+            <a:solidFill>
+              <a:schemeClr val="bg1">
+                <a:lumMod val="95000"/>
+              </a:schemeClr>
+            </a:solidFill>
+            <a:ln>
+              <a:noFill/>
+            </a:ln>
+          </p:spPr>
+          <p:style>
+            <a:lnRef idx="2">
+              <a:schemeClr val="accent1">
+                <a:shade val="50000"/>
+              </a:schemeClr>
+            </a:lnRef>
+            <a:fillRef idx="1">
+              <a:schemeClr val="accent1"/>
+            </a:fillRef>
+            <a:effectRef idx="0">
+              <a:schemeClr val="accent1"/>
+            </a:effectRef>
+            <a:fontRef idx="minor">
+              <a:schemeClr val="lt1"/>
+            </a:fontRef>
+          </p:style>
+          <p:txBody>
+            <a:bodyPr rtlCol="0" anchor="ctr"/>
+            <a:lstStyle/>
+            <a:p>
+              <a:pPr algn="ctr"/>
+              <a:endParaRPr lang="en-US" sz="2000"/>
+            </a:p>
+          </p:txBody>
+        </p:sp>
+        <p:sp>
+          <p:nvSpPr>
+            <p:cNvPr id="14" name="Unvan 1"/>
+            <p:cNvSpPr txBox="1">
+              <a:spLocks/>
+            </p:cNvSpPr>
+            <p:nvPr/>
+          </p:nvSpPr>
+          <p:spPr>
+            <a:xfrm>
+              <a:off x="302252" y="6024023"/>
+              <a:ext cx="4921678" cy="600892"/>
+            </a:xfrm>
+            <a:prstGeom prst="rect">
+              <a:avLst/>
+            </a:prstGeom>
+          </p:spPr>
+          <p:txBody>
+            <a:bodyPr vert="horz" lIns="91440" tIns="45720" rIns="91440" bIns="45720" rtlCol="0" anchor="b">
+              <a:noAutofit/>
+            </a:bodyPr>
+            <a:lstStyle>
+              <a:lvl1pPr algn="ctr" defTabSz="914400" rtl="0" eaLnBrk="1" latinLnBrk="0" hangingPunct="1">
+                <a:lnSpc>
+                  <a:spcPct val="90000"/>
+                </a:lnSpc>
+                <a:spcBef>
+                  <a:spcPct val="0"/>
+                </a:spcBef>
+                <a:buNone/>
+                <a:defRPr sz="6000" kern="1200">
+                  <a:solidFill>
+                    <a:schemeClr val="tx1"/>
+                  </a:solidFill>
+                  <a:latin typeface="+mj-lt"/>
+                  <a:ea typeface="+mj-ea"/>
+                  <a:cs typeface="+mj-cs"/>
+                </a:defRPr>
+              </a:lvl1pPr>
+            </a:lstStyle>
+            <a:p>
+              <a:pPr algn="l"/>
+              <a:r>
+                <a:rPr lang="tr-TR" sz="2000" dirty="0">
+                  <a:solidFill>
+                    <a:srgbClr val="CB171F"/>
+                  </a:solidFill>
+                  <a:latin typeface="Constantia" panose="02030602050306030303" pitchFamily="18" charset="0"/>
+                  <a:ea typeface="Verdana" panose="020B0604030504040204" pitchFamily="34" charset="0"/>
+                  <a:cs typeface="Arial" panose="020B0604020202020204" pitchFamily="34" charset="0"/>
+                </a:rPr>
+                <a:t>A’dan Z’ye Büyük Veri</a:t>
+              </a:r>
+              <a:endParaRPr lang="en-US" sz="2000" dirty="0">
+                <a:solidFill>
+                  <a:srgbClr val="CB171F"/>
+                </a:solidFill>
+                <a:latin typeface="Constantia" panose="02030602050306030303" pitchFamily="18" charset="0"/>
+                <a:ea typeface="Verdana" panose="020B0604030504040204" pitchFamily="34" charset="0"/>
+                <a:cs typeface="Arial" panose="020B0604020202020204" pitchFamily="34" charset="0"/>
+              </a:endParaRPr>
+            </a:p>
+          </p:txBody>
+        </p:sp>
+      </p:grpSp>
+      <p:sp>
+        <p:nvSpPr>
+          <p:cNvPr id="3" name="Dikdörtgen 2"/>
+          <p:cNvSpPr/>
+          <p:nvPr/>
+        </p:nvSpPr>
+        <p:spPr>
+          <a:xfrm>
+            <a:off x="1040525" y="1359750"/>
+            <a:ext cx="10321157" cy="2802690"/>
+          </a:xfrm>
+          <a:prstGeom prst="rect">
+            <a:avLst/>
+          </a:prstGeom>
+        </p:spPr>
+        <p:txBody>
+          <a:bodyPr wrap="square">
+            <a:spAutoFit/>
+          </a:bodyPr>
+          <a:lstStyle/>
           <a:p>
             <a:pPr marL="285750" indent="-285750">
               <a:lnSpc>
@@ -5297,6 +10353,341 @@
   <p:clrMapOvr>
     <a:masterClrMapping/>
   </p:clrMapOvr>
+  <p:timing>
+    <p:tnLst>
+      <p:par>
+        <p:cTn id="1" dur="indefinite" restart="never" nodeType="tmRoot">
+          <p:childTnLst>
+            <p:seq concurrent="1" nextAc="seek">
+              <p:cTn id="2" dur="indefinite" nodeType="mainSeq">
+                <p:childTnLst>
+                  <p:par>
+                    <p:cTn id="3" fill="hold">
+                      <p:stCondLst>
+                        <p:cond delay="indefinite"/>
+                      </p:stCondLst>
+                      <p:childTnLst>
+                        <p:par>
+                          <p:cTn id="4" fill="hold">
+                            <p:stCondLst>
+                              <p:cond delay="0"/>
+                            </p:stCondLst>
+                            <p:childTnLst>
+                              <p:par>
+                                <p:cTn id="5" presetID="22" presetClass="entr" presetSubtype="4" fill="hold" nodeType="clickEffect">
+                                  <p:stCondLst>
+                                    <p:cond delay="0"/>
+                                  </p:stCondLst>
+                                  <p:childTnLst>
+                                    <p:set>
+                                      <p:cBhvr>
+                                        <p:cTn id="6" dur="1" fill="hold">
+                                          <p:stCondLst>
+                                            <p:cond delay="0"/>
+                                          </p:stCondLst>
+                                        </p:cTn>
+                                        <p:tgtEl>
+                                          <p:spTgt spid="3">
+                                            <p:txEl>
+                                              <p:pRg st="0" end="0"/>
+                                            </p:txEl>
+                                          </p:spTgt>
+                                        </p:tgtEl>
+                                        <p:attrNameLst>
+                                          <p:attrName>style.visibility</p:attrName>
+                                        </p:attrNameLst>
+                                      </p:cBhvr>
+                                      <p:to>
+                                        <p:strVal val="visible"/>
+                                      </p:to>
+                                    </p:set>
+                                    <p:animEffect transition="in" filter="wipe(down)">
+                                      <p:cBhvr>
+                                        <p:cTn id="7" dur="500"/>
+                                        <p:tgtEl>
+                                          <p:spTgt spid="3">
+                                            <p:txEl>
+                                              <p:pRg st="0" end="0"/>
+                                            </p:txEl>
+                                          </p:spTgt>
+                                        </p:tgtEl>
+                                      </p:cBhvr>
+                                    </p:animEffect>
+                                  </p:childTnLst>
+                                </p:cTn>
+                              </p:par>
+                            </p:childTnLst>
+                          </p:cTn>
+                        </p:par>
+                      </p:childTnLst>
+                    </p:cTn>
+                  </p:par>
+                  <p:par>
+                    <p:cTn id="8" fill="hold">
+                      <p:stCondLst>
+                        <p:cond delay="indefinite"/>
+                      </p:stCondLst>
+                      <p:childTnLst>
+                        <p:par>
+                          <p:cTn id="9" fill="hold">
+                            <p:stCondLst>
+                              <p:cond delay="0"/>
+                            </p:stCondLst>
+                            <p:childTnLst>
+                              <p:par>
+                                <p:cTn id="10" presetID="22" presetClass="entr" presetSubtype="4" fill="hold" nodeType="clickEffect">
+                                  <p:stCondLst>
+                                    <p:cond delay="0"/>
+                                  </p:stCondLst>
+                                  <p:childTnLst>
+                                    <p:set>
+                                      <p:cBhvr>
+                                        <p:cTn id="11" dur="1" fill="hold">
+                                          <p:stCondLst>
+                                            <p:cond delay="0"/>
+                                          </p:stCondLst>
+                                        </p:cTn>
+                                        <p:tgtEl>
+                                          <p:spTgt spid="3">
+                                            <p:txEl>
+                                              <p:pRg st="1" end="1"/>
+                                            </p:txEl>
+                                          </p:spTgt>
+                                        </p:tgtEl>
+                                        <p:attrNameLst>
+                                          <p:attrName>style.visibility</p:attrName>
+                                        </p:attrNameLst>
+                                      </p:cBhvr>
+                                      <p:to>
+                                        <p:strVal val="visible"/>
+                                      </p:to>
+                                    </p:set>
+                                    <p:animEffect transition="in" filter="wipe(down)">
+                                      <p:cBhvr>
+                                        <p:cTn id="12" dur="500"/>
+                                        <p:tgtEl>
+                                          <p:spTgt spid="3">
+                                            <p:txEl>
+                                              <p:pRg st="1" end="1"/>
+                                            </p:txEl>
+                                          </p:spTgt>
+                                        </p:tgtEl>
+                                      </p:cBhvr>
+                                    </p:animEffect>
+                                  </p:childTnLst>
+                                </p:cTn>
+                              </p:par>
+                            </p:childTnLst>
+                          </p:cTn>
+                        </p:par>
+                      </p:childTnLst>
+                    </p:cTn>
+                  </p:par>
+                  <p:par>
+                    <p:cTn id="13" fill="hold">
+                      <p:stCondLst>
+                        <p:cond delay="indefinite"/>
+                      </p:stCondLst>
+                      <p:childTnLst>
+                        <p:par>
+                          <p:cTn id="14" fill="hold">
+                            <p:stCondLst>
+                              <p:cond delay="0"/>
+                            </p:stCondLst>
+                            <p:childTnLst>
+                              <p:par>
+                                <p:cTn id="15" presetID="22" presetClass="entr" presetSubtype="4" fill="hold" nodeType="clickEffect">
+                                  <p:stCondLst>
+                                    <p:cond delay="0"/>
+                                  </p:stCondLst>
+                                  <p:childTnLst>
+                                    <p:set>
+                                      <p:cBhvr>
+                                        <p:cTn id="16" dur="1" fill="hold">
+                                          <p:stCondLst>
+                                            <p:cond delay="0"/>
+                                          </p:stCondLst>
+                                        </p:cTn>
+                                        <p:tgtEl>
+                                          <p:spTgt spid="3">
+                                            <p:txEl>
+                                              <p:pRg st="2" end="2"/>
+                                            </p:txEl>
+                                          </p:spTgt>
+                                        </p:tgtEl>
+                                        <p:attrNameLst>
+                                          <p:attrName>style.visibility</p:attrName>
+                                        </p:attrNameLst>
+                                      </p:cBhvr>
+                                      <p:to>
+                                        <p:strVal val="visible"/>
+                                      </p:to>
+                                    </p:set>
+                                    <p:animEffect transition="in" filter="wipe(down)">
+                                      <p:cBhvr>
+                                        <p:cTn id="17" dur="500"/>
+                                        <p:tgtEl>
+                                          <p:spTgt spid="3">
+                                            <p:txEl>
+                                              <p:pRg st="2" end="2"/>
+                                            </p:txEl>
+                                          </p:spTgt>
+                                        </p:tgtEl>
+                                      </p:cBhvr>
+                                    </p:animEffect>
+                                  </p:childTnLst>
+                                </p:cTn>
+                              </p:par>
+                            </p:childTnLst>
+                          </p:cTn>
+                        </p:par>
+                      </p:childTnLst>
+                    </p:cTn>
+                  </p:par>
+                  <p:par>
+                    <p:cTn id="18" fill="hold">
+                      <p:stCondLst>
+                        <p:cond delay="indefinite"/>
+                      </p:stCondLst>
+                      <p:childTnLst>
+                        <p:par>
+                          <p:cTn id="19" fill="hold">
+                            <p:stCondLst>
+                              <p:cond delay="0"/>
+                            </p:stCondLst>
+                            <p:childTnLst>
+                              <p:par>
+                                <p:cTn id="20" presetID="22" presetClass="entr" presetSubtype="4" fill="hold" nodeType="clickEffect">
+                                  <p:stCondLst>
+                                    <p:cond delay="0"/>
+                                  </p:stCondLst>
+                                  <p:childTnLst>
+                                    <p:set>
+                                      <p:cBhvr>
+                                        <p:cTn id="21" dur="1" fill="hold">
+                                          <p:stCondLst>
+                                            <p:cond delay="0"/>
+                                          </p:stCondLst>
+                                        </p:cTn>
+                                        <p:tgtEl>
+                                          <p:spTgt spid="3">
+                                            <p:txEl>
+                                              <p:pRg st="3" end="3"/>
+                                            </p:txEl>
+                                          </p:spTgt>
+                                        </p:tgtEl>
+                                        <p:attrNameLst>
+                                          <p:attrName>style.visibility</p:attrName>
+                                        </p:attrNameLst>
+                                      </p:cBhvr>
+                                      <p:to>
+                                        <p:strVal val="visible"/>
+                                      </p:to>
+                                    </p:set>
+                                    <p:animEffect transition="in" filter="wipe(down)">
+                                      <p:cBhvr>
+                                        <p:cTn id="22" dur="500"/>
+                                        <p:tgtEl>
+                                          <p:spTgt spid="3">
+                                            <p:txEl>
+                                              <p:pRg st="3" end="3"/>
+                                            </p:txEl>
+                                          </p:spTgt>
+                                        </p:tgtEl>
+                                      </p:cBhvr>
+                                    </p:animEffect>
+                                  </p:childTnLst>
+                                </p:cTn>
+                              </p:par>
+                            </p:childTnLst>
+                          </p:cTn>
+                        </p:par>
+                      </p:childTnLst>
+                    </p:cTn>
+                  </p:par>
+                  <p:par>
+                    <p:cTn id="23" fill="hold">
+                      <p:stCondLst>
+                        <p:cond delay="indefinite"/>
+                      </p:stCondLst>
+                      <p:childTnLst>
+                        <p:par>
+                          <p:cTn id="24" fill="hold">
+                            <p:stCondLst>
+                              <p:cond delay="0"/>
+                            </p:stCondLst>
+                            <p:childTnLst>
+                              <p:par>
+                                <p:cTn id="25" presetID="22" presetClass="entr" presetSubtype="4" fill="hold" nodeType="clickEffect">
+                                  <p:stCondLst>
+                                    <p:cond delay="0"/>
+                                  </p:stCondLst>
+                                  <p:childTnLst>
+                                    <p:set>
+                                      <p:cBhvr>
+                                        <p:cTn id="26" dur="1" fill="hold">
+                                          <p:stCondLst>
+                                            <p:cond delay="0"/>
+                                          </p:stCondLst>
+                                        </p:cTn>
+                                        <p:tgtEl>
+                                          <p:spTgt spid="3">
+                                            <p:txEl>
+                                              <p:pRg st="4" end="4"/>
+                                            </p:txEl>
+                                          </p:spTgt>
+                                        </p:tgtEl>
+                                        <p:attrNameLst>
+                                          <p:attrName>style.visibility</p:attrName>
+                                        </p:attrNameLst>
+                                      </p:cBhvr>
+                                      <p:to>
+                                        <p:strVal val="visible"/>
+                                      </p:to>
+                                    </p:set>
+                                    <p:animEffect transition="in" filter="wipe(down)">
+                                      <p:cBhvr>
+                                        <p:cTn id="27" dur="500"/>
+                                        <p:tgtEl>
+                                          <p:spTgt spid="3">
+                                            <p:txEl>
+                                              <p:pRg st="4" end="4"/>
+                                            </p:txEl>
+                                          </p:spTgt>
+                                        </p:tgtEl>
+                                      </p:cBhvr>
+                                    </p:animEffect>
+                                  </p:childTnLst>
+                                </p:cTn>
+                              </p:par>
+                            </p:childTnLst>
+                          </p:cTn>
+                        </p:par>
+                      </p:childTnLst>
+                    </p:cTn>
+                  </p:par>
+                </p:childTnLst>
+              </p:cTn>
+              <p:prevCondLst>
+                <p:cond evt="onPrev" delay="0">
+                  <p:tgtEl>
+                    <p:sldTgt/>
+                  </p:tgtEl>
+                </p:cond>
+              </p:prevCondLst>
+              <p:nextCondLst>
+                <p:cond evt="onNext" delay="0">
+                  <p:tgtEl>
+                    <p:sldTgt/>
+                  </p:tgtEl>
+                </p:cond>
+              </p:nextCondLst>
+            </p:seq>
+          </p:childTnLst>
+        </p:cTn>
+      </p:par>
+    </p:tnLst>
+  </p:timing>
 </p:sld>
 </file>
 
